--- a/submit.pptx
+++ b/submit.pptx
@@ -157,10 +157,9 @@
           </a:lstStyle>
           <a:p>
             <a:r>
-              <a:rPr lang="ko-KR" altLang="en-US" smtClean="0"/>
+              <a:rPr lang="ko-KR" altLang="en-US"/>
               <a:t>마스터 제목 스타일 편집</a:t>
             </a:r>
-            <a:endParaRPr lang="ko-KR" altLang="en-US"/>
           </a:p>
         </p:txBody>
       </p:sp>
@@ -222,10 +221,9 @@
           </a:lstStyle>
           <a:p>
             <a:r>
-              <a:rPr lang="ko-KR" altLang="en-US" smtClean="0"/>
+              <a:rPr lang="ko-KR" altLang="en-US"/>
               <a:t>클릭하여 마스터 부제목 스타일 편집</a:t>
             </a:r>
-            <a:endParaRPr lang="ko-KR" altLang="en-US"/>
           </a:p>
         </p:txBody>
       </p:sp>
@@ -246,7 +244,7 @@
           <a:p>
             <a:fld id="{48F71B6D-55F6-4550-85C4-E25ACA6B0146}" type="datetimeFigureOut">
               <a:rPr lang="ko-KR" altLang="en-US" smtClean="0"/>
-              <a:t>2023-06-18</a:t>
+              <a:t>2023-06-19</a:t>
             </a:fld>
             <a:endParaRPr lang="ko-KR" altLang="en-US"/>
           </a:p>
@@ -340,10 +338,9 @@
           <a:lstStyle/>
           <a:p>
             <a:r>
-              <a:rPr lang="ko-KR" altLang="en-US" smtClean="0"/>
+              <a:rPr lang="ko-KR" altLang="en-US"/>
               <a:t>마스터 제목 스타일 편집</a:t>
             </a:r>
-            <a:endParaRPr lang="ko-KR" altLang="en-US"/>
           </a:p>
         </p:txBody>
       </p:sp>
@@ -364,38 +361,37 @@
           <a:p>
             <a:pPr lvl="0"/>
             <a:r>
-              <a:rPr lang="ko-KR" altLang="en-US" smtClean="0"/>
+              <a:rPr lang="ko-KR" altLang="en-US"/>
               <a:t>마스터 텍스트 스타일 편집</a:t>
             </a:r>
           </a:p>
           <a:p>
             <a:pPr lvl="1"/>
             <a:r>
-              <a:rPr lang="ko-KR" altLang="en-US" smtClean="0"/>
+              <a:rPr lang="ko-KR" altLang="en-US"/>
               <a:t>둘째 수준</a:t>
             </a:r>
           </a:p>
           <a:p>
             <a:pPr lvl="2"/>
             <a:r>
-              <a:rPr lang="ko-KR" altLang="en-US" smtClean="0"/>
+              <a:rPr lang="ko-KR" altLang="en-US"/>
               <a:t>셋째 수준</a:t>
             </a:r>
           </a:p>
           <a:p>
             <a:pPr lvl="3"/>
             <a:r>
-              <a:rPr lang="ko-KR" altLang="en-US" smtClean="0"/>
+              <a:rPr lang="ko-KR" altLang="en-US"/>
               <a:t>넷째 수준</a:t>
             </a:r>
           </a:p>
           <a:p>
             <a:pPr lvl="4"/>
             <a:r>
-              <a:rPr lang="ko-KR" altLang="en-US" smtClean="0"/>
+              <a:rPr lang="ko-KR" altLang="en-US"/>
               <a:t>다섯째 수준</a:t>
             </a:r>
-            <a:endParaRPr lang="ko-KR" altLang="en-US"/>
           </a:p>
         </p:txBody>
       </p:sp>
@@ -416,7 +412,7 @@
           <a:p>
             <a:fld id="{48F71B6D-55F6-4550-85C4-E25ACA6B0146}" type="datetimeFigureOut">
               <a:rPr lang="ko-KR" altLang="en-US" smtClean="0"/>
-              <a:t>2023-06-18</a:t>
+              <a:t>2023-06-19</a:t>
             </a:fld>
             <a:endParaRPr lang="ko-KR" altLang="en-US"/>
           </a:p>
@@ -515,10 +511,9 @@
           <a:lstStyle/>
           <a:p>
             <a:r>
-              <a:rPr lang="ko-KR" altLang="en-US" smtClean="0"/>
+              <a:rPr lang="ko-KR" altLang="en-US"/>
               <a:t>마스터 제목 스타일 편집</a:t>
             </a:r>
-            <a:endParaRPr lang="ko-KR" altLang="en-US"/>
           </a:p>
         </p:txBody>
       </p:sp>
@@ -544,38 +539,37 @@
           <a:p>
             <a:pPr lvl="0"/>
             <a:r>
-              <a:rPr lang="ko-KR" altLang="en-US" smtClean="0"/>
+              <a:rPr lang="ko-KR" altLang="en-US"/>
               <a:t>마스터 텍스트 스타일 편집</a:t>
             </a:r>
           </a:p>
           <a:p>
             <a:pPr lvl="1"/>
             <a:r>
-              <a:rPr lang="ko-KR" altLang="en-US" smtClean="0"/>
+              <a:rPr lang="ko-KR" altLang="en-US"/>
               <a:t>둘째 수준</a:t>
             </a:r>
           </a:p>
           <a:p>
             <a:pPr lvl="2"/>
             <a:r>
-              <a:rPr lang="ko-KR" altLang="en-US" smtClean="0"/>
+              <a:rPr lang="ko-KR" altLang="en-US"/>
               <a:t>셋째 수준</a:t>
             </a:r>
           </a:p>
           <a:p>
             <a:pPr lvl="3"/>
             <a:r>
-              <a:rPr lang="ko-KR" altLang="en-US" smtClean="0"/>
+              <a:rPr lang="ko-KR" altLang="en-US"/>
               <a:t>넷째 수준</a:t>
             </a:r>
           </a:p>
           <a:p>
             <a:pPr lvl="4"/>
             <a:r>
-              <a:rPr lang="ko-KR" altLang="en-US" smtClean="0"/>
+              <a:rPr lang="ko-KR" altLang="en-US"/>
               <a:t>다섯째 수준</a:t>
             </a:r>
-            <a:endParaRPr lang="ko-KR" altLang="en-US"/>
           </a:p>
         </p:txBody>
       </p:sp>
@@ -596,7 +590,7 @@
           <a:p>
             <a:fld id="{48F71B6D-55F6-4550-85C4-E25ACA6B0146}" type="datetimeFigureOut">
               <a:rPr lang="ko-KR" altLang="en-US" smtClean="0"/>
-              <a:t>2023-06-18</a:t>
+              <a:t>2023-06-19</a:t>
             </a:fld>
             <a:endParaRPr lang="ko-KR" altLang="en-US"/>
           </a:p>
@@ -690,10 +684,9 @@
           <a:lstStyle/>
           <a:p>
             <a:r>
-              <a:rPr lang="ko-KR" altLang="en-US" smtClean="0"/>
+              <a:rPr lang="ko-KR" altLang="en-US"/>
               <a:t>마스터 제목 스타일 편집</a:t>
             </a:r>
-            <a:endParaRPr lang="ko-KR" altLang="en-US"/>
           </a:p>
         </p:txBody>
       </p:sp>
@@ -714,38 +707,37 @@
           <a:p>
             <a:pPr lvl="0"/>
             <a:r>
-              <a:rPr lang="ko-KR" altLang="en-US" smtClean="0"/>
+              <a:rPr lang="ko-KR" altLang="en-US"/>
               <a:t>마스터 텍스트 스타일 편집</a:t>
             </a:r>
           </a:p>
           <a:p>
             <a:pPr lvl="1"/>
             <a:r>
-              <a:rPr lang="ko-KR" altLang="en-US" smtClean="0"/>
+              <a:rPr lang="ko-KR" altLang="en-US"/>
               <a:t>둘째 수준</a:t>
             </a:r>
           </a:p>
           <a:p>
             <a:pPr lvl="2"/>
             <a:r>
-              <a:rPr lang="ko-KR" altLang="en-US" smtClean="0"/>
+              <a:rPr lang="ko-KR" altLang="en-US"/>
               <a:t>셋째 수준</a:t>
             </a:r>
           </a:p>
           <a:p>
             <a:pPr lvl="3"/>
             <a:r>
-              <a:rPr lang="ko-KR" altLang="en-US" smtClean="0"/>
+              <a:rPr lang="ko-KR" altLang="en-US"/>
               <a:t>넷째 수준</a:t>
             </a:r>
           </a:p>
           <a:p>
             <a:pPr lvl="4"/>
             <a:r>
-              <a:rPr lang="ko-KR" altLang="en-US" smtClean="0"/>
+              <a:rPr lang="ko-KR" altLang="en-US"/>
               <a:t>다섯째 수준</a:t>
             </a:r>
-            <a:endParaRPr lang="ko-KR" altLang="en-US"/>
           </a:p>
         </p:txBody>
       </p:sp>
@@ -766,7 +758,7 @@
           <a:p>
             <a:fld id="{48F71B6D-55F6-4550-85C4-E25ACA6B0146}" type="datetimeFigureOut">
               <a:rPr lang="ko-KR" altLang="en-US" smtClean="0"/>
-              <a:t>2023-06-18</a:t>
+              <a:t>2023-06-19</a:t>
             </a:fld>
             <a:endParaRPr lang="ko-KR" altLang="en-US"/>
           </a:p>
@@ -869,10 +861,9 @@
           </a:lstStyle>
           <a:p>
             <a:r>
-              <a:rPr lang="ko-KR" altLang="en-US" smtClean="0"/>
+              <a:rPr lang="ko-KR" altLang="en-US"/>
               <a:t>마스터 제목 스타일 편집</a:t>
             </a:r>
-            <a:endParaRPr lang="ko-KR" altLang="en-US"/>
           </a:p>
         </p:txBody>
       </p:sp>
@@ -989,7 +980,7 @@
           <a:p>
             <a:pPr lvl="0"/>
             <a:r>
-              <a:rPr lang="ko-KR" altLang="en-US" smtClean="0"/>
+              <a:rPr lang="ko-KR" altLang="en-US"/>
               <a:t>마스터 텍스트 스타일 편집</a:t>
             </a:r>
           </a:p>
@@ -1012,7 +1003,7 @@
           <a:p>
             <a:fld id="{48F71B6D-55F6-4550-85C4-E25ACA6B0146}" type="datetimeFigureOut">
               <a:rPr lang="ko-KR" altLang="en-US" smtClean="0"/>
-              <a:t>2023-06-18</a:t>
+              <a:t>2023-06-19</a:t>
             </a:fld>
             <a:endParaRPr lang="ko-KR" altLang="en-US"/>
           </a:p>
@@ -1106,10 +1097,9 @@
           <a:lstStyle/>
           <a:p>
             <a:r>
-              <a:rPr lang="ko-KR" altLang="en-US" smtClean="0"/>
+              <a:rPr lang="ko-KR" altLang="en-US"/>
               <a:t>마스터 제목 스타일 편집</a:t>
             </a:r>
-            <a:endParaRPr lang="ko-KR" altLang="en-US"/>
           </a:p>
         </p:txBody>
       </p:sp>
@@ -1135,38 +1125,37 @@
           <a:p>
             <a:pPr lvl="0"/>
             <a:r>
-              <a:rPr lang="ko-KR" altLang="en-US" smtClean="0"/>
+              <a:rPr lang="ko-KR" altLang="en-US"/>
               <a:t>마스터 텍스트 스타일 편집</a:t>
             </a:r>
           </a:p>
           <a:p>
             <a:pPr lvl="1"/>
             <a:r>
-              <a:rPr lang="ko-KR" altLang="en-US" smtClean="0"/>
+              <a:rPr lang="ko-KR" altLang="en-US"/>
               <a:t>둘째 수준</a:t>
             </a:r>
           </a:p>
           <a:p>
             <a:pPr lvl="2"/>
             <a:r>
-              <a:rPr lang="ko-KR" altLang="en-US" smtClean="0"/>
+              <a:rPr lang="ko-KR" altLang="en-US"/>
               <a:t>셋째 수준</a:t>
             </a:r>
           </a:p>
           <a:p>
             <a:pPr lvl="3"/>
             <a:r>
-              <a:rPr lang="ko-KR" altLang="en-US" smtClean="0"/>
+              <a:rPr lang="ko-KR" altLang="en-US"/>
               <a:t>넷째 수준</a:t>
             </a:r>
           </a:p>
           <a:p>
             <a:pPr lvl="4"/>
             <a:r>
-              <a:rPr lang="ko-KR" altLang="en-US" smtClean="0"/>
+              <a:rPr lang="ko-KR" altLang="en-US"/>
               <a:t>다섯째 수준</a:t>
             </a:r>
-            <a:endParaRPr lang="ko-KR" altLang="en-US"/>
           </a:p>
         </p:txBody>
       </p:sp>
@@ -1192,38 +1181,37 @@
           <a:p>
             <a:pPr lvl="0"/>
             <a:r>
-              <a:rPr lang="ko-KR" altLang="en-US" smtClean="0"/>
+              <a:rPr lang="ko-KR" altLang="en-US"/>
               <a:t>마스터 텍스트 스타일 편집</a:t>
             </a:r>
           </a:p>
           <a:p>
             <a:pPr lvl="1"/>
             <a:r>
-              <a:rPr lang="ko-KR" altLang="en-US" smtClean="0"/>
+              <a:rPr lang="ko-KR" altLang="en-US"/>
               <a:t>둘째 수준</a:t>
             </a:r>
           </a:p>
           <a:p>
             <a:pPr lvl="2"/>
             <a:r>
-              <a:rPr lang="ko-KR" altLang="en-US" smtClean="0"/>
+              <a:rPr lang="ko-KR" altLang="en-US"/>
               <a:t>셋째 수준</a:t>
             </a:r>
           </a:p>
           <a:p>
             <a:pPr lvl="3"/>
             <a:r>
-              <a:rPr lang="ko-KR" altLang="en-US" smtClean="0"/>
+              <a:rPr lang="ko-KR" altLang="en-US"/>
               <a:t>넷째 수준</a:t>
             </a:r>
           </a:p>
           <a:p>
             <a:pPr lvl="4"/>
             <a:r>
-              <a:rPr lang="ko-KR" altLang="en-US" smtClean="0"/>
+              <a:rPr lang="ko-KR" altLang="en-US"/>
               <a:t>다섯째 수준</a:t>
             </a:r>
-            <a:endParaRPr lang="ko-KR" altLang="en-US"/>
           </a:p>
         </p:txBody>
       </p:sp>
@@ -1244,7 +1232,7 @@
           <a:p>
             <a:fld id="{48F71B6D-55F6-4550-85C4-E25ACA6B0146}" type="datetimeFigureOut">
               <a:rPr lang="ko-KR" altLang="en-US" smtClean="0"/>
-              <a:t>2023-06-18</a:t>
+              <a:t>2023-06-19</a:t>
             </a:fld>
             <a:endParaRPr lang="ko-KR" altLang="en-US"/>
           </a:p>
@@ -1343,10 +1331,9 @@
           <a:lstStyle/>
           <a:p>
             <a:r>
-              <a:rPr lang="ko-KR" altLang="en-US" smtClean="0"/>
+              <a:rPr lang="ko-KR" altLang="en-US"/>
               <a:t>마스터 제목 스타일 편집</a:t>
             </a:r>
-            <a:endParaRPr lang="ko-KR" altLang="en-US"/>
           </a:p>
         </p:txBody>
       </p:sp>
@@ -1409,7 +1396,7 @@
           <a:p>
             <a:pPr lvl="0"/>
             <a:r>
-              <a:rPr lang="ko-KR" altLang="en-US" smtClean="0"/>
+              <a:rPr lang="ko-KR" altLang="en-US"/>
               <a:t>마스터 텍스트 스타일 편집</a:t>
             </a:r>
           </a:p>
@@ -1437,38 +1424,37 @@
           <a:p>
             <a:pPr lvl="0"/>
             <a:r>
-              <a:rPr lang="ko-KR" altLang="en-US" smtClean="0"/>
+              <a:rPr lang="ko-KR" altLang="en-US"/>
               <a:t>마스터 텍스트 스타일 편집</a:t>
             </a:r>
           </a:p>
           <a:p>
             <a:pPr lvl="1"/>
             <a:r>
-              <a:rPr lang="ko-KR" altLang="en-US" smtClean="0"/>
+              <a:rPr lang="ko-KR" altLang="en-US"/>
               <a:t>둘째 수준</a:t>
             </a:r>
           </a:p>
           <a:p>
             <a:pPr lvl="2"/>
             <a:r>
-              <a:rPr lang="ko-KR" altLang="en-US" smtClean="0"/>
+              <a:rPr lang="ko-KR" altLang="en-US"/>
               <a:t>셋째 수준</a:t>
             </a:r>
           </a:p>
           <a:p>
             <a:pPr lvl="3"/>
             <a:r>
-              <a:rPr lang="ko-KR" altLang="en-US" smtClean="0"/>
+              <a:rPr lang="ko-KR" altLang="en-US"/>
               <a:t>넷째 수준</a:t>
             </a:r>
           </a:p>
           <a:p>
             <a:pPr lvl="4"/>
             <a:r>
-              <a:rPr lang="ko-KR" altLang="en-US" smtClean="0"/>
+              <a:rPr lang="ko-KR" altLang="en-US"/>
               <a:t>다섯째 수준</a:t>
             </a:r>
-            <a:endParaRPr lang="ko-KR" altLang="en-US"/>
           </a:p>
         </p:txBody>
       </p:sp>
@@ -1531,7 +1517,7 @@
           <a:p>
             <a:pPr lvl="0"/>
             <a:r>
-              <a:rPr lang="ko-KR" altLang="en-US" smtClean="0"/>
+              <a:rPr lang="ko-KR" altLang="en-US"/>
               <a:t>마스터 텍스트 스타일 편집</a:t>
             </a:r>
           </a:p>
@@ -1559,38 +1545,37 @@
           <a:p>
             <a:pPr lvl="0"/>
             <a:r>
-              <a:rPr lang="ko-KR" altLang="en-US" smtClean="0"/>
+              <a:rPr lang="ko-KR" altLang="en-US"/>
               <a:t>마스터 텍스트 스타일 편집</a:t>
             </a:r>
           </a:p>
           <a:p>
             <a:pPr lvl="1"/>
             <a:r>
-              <a:rPr lang="ko-KR" altLang="en-US" smtClean="0"/>
+              <a:rPr lang="ko-KR" altLang="en-US"/>
               <a:t>둘째 수준</a:t>
             </a:r>
           </a:p>
           <a:p>
             <a:pPr lvl="2"/>
             <a:r>
-              <a:rPr lang="ko-KR" altLang="en-US" smtClean="0"/>
+              <a:rPr lang="ko-KR" altLang="en-US"/>
               <a:t>셋째 수준</a:t>
             </a:r>
           </a:p>
           <a:p>
             <a:pPr lvl="3"/>
             <a:r>
-              <a:rPr lang="ko-KR" altLang="en-US" smtClean="0"/>
+              <a:rPr lang="ko-KR" altLang="en-US"/>
               <a:t>넷째 수준</a:t>
             </a:r>
           </a:p>
           <a:p>
             <a:pPr lvl="4"/>
             <a:r>
-              <a:rPr lang="ko-KR" altLang="en-US" smtClean="0"/>
+              <a:rPr lang="ko-KR" altLang="en-US"/>
               <a:t>다섯째 수준</a:t>
             </a:r>
-            <a:endParaRPr lang="ko-KR" altLang="en-US"/>
           </a:p>
         </p:txBody>
       </p:sp>
@@ -1611,7 +1596,7 @@
           <a:p>
             <a:fld id="{48F71B6D-55F6-4550-85C4-E25ACA6B0146}" type="datetimeFigureOut">
               <a:rPr lang="ko-KR" altLang="en-US" smtClean="0"/>
-              <a:t>2023-06-18</a:t>
+              <a:t>2023-06-19</a:t>
             </a:fld>
             <a:endParaRPr lang="ko-KR" altLang="en-US"/>
           </a:p>
@@ -1705,10 +1690,9 @@
           <a:lstStyle/>
           <a:p>
             <a:r>
-              <a:rPr lang="ko-KR" altLang="en-US" smtClean="0"/>
+              <a:rPr lang="ko-KR" altLang="en-US"/>
               <a:t>마스터 제목 스타일 편집</a:t>
             </a:r>
-            <a:endParaRPr lang="ko-KR" altLang="en-US"/>
           </a:p>
         </p:txBody>
       </p:sp>
@@ -1729,7 +1713,7 @@
           <a:p>
             <a:fld id="{48F71B6D-55F6-4550-85C4-E25ACA6B0146}" type="datetimeFigureOut">
               <a:rPr lang="ko-KR" altLang="en-US" smtClean="0"/>
-              <a:t>2023-06-18</a:t>
+              <a:t>2023-06-19</a:t>
             </a:fld>
             <a:endParaRPr lang="ko-KR" altLang="en-US"/>
           </a:p>
@@ -1824,7 +1808,7 @@
           <a:p>
             <a:fld id="{48F71B6D-55F6-4550-85C4-E25ACA6B0146}" type="datetimeFigureOut">
               <a:rPr lang="ko-KR" altLang="en-US" smtClean="0"/>
-              <a:t>2023-06-18</a:t>
+              <a:t>2023-06-19</a:t>
             </a:fld>
             <a:endParaRPr lang="ko-KR" altLang="en-US"/>
           </a:p>
@@ -1927,10 +1911,9 @@
           </a:lstStyle>
           <a:p>
             <a:r>
-              <a:rPr lang="ko-KR" altLang="en-US" smtClean="0"/>
+              <a:rPr lang="ko-KR" altLang="en-US"/>
               <a:t>마스터 제목 스타일 편집</a:t>
             </a:r>
-            <a:endParaRPr lang="ko-KR" altLang="en-US"/>
           </a:p>
         </p:txBody>
       </p:sp>
@@ -1984,38 +1967,37 @@
           <a:p>
             <a:pPr lvl="0"/>
             <a:r>
-              <a:rPr lang="ko-KR" altLang="en-US" smtClean="0"/>
+              <a:rPr lang="ko-KR" altLang="en-US"/>
               <a:t>마스터 텍스트 스타일 편집</a:t>
             </a:r>
           </a:p>
           <a:p>
             <a:pPr lvl="1"/>
             <a:r>
-              <a:rPr lang="ko-KR" altLang="en-US" smtClean="0"/>
+              <a:rPr lang="ko-KR" altLang="en-US"/>
               <a:t>둘째 수준</a:t>
             </a:r>
           </a:p>
           <a:p>
             <a:pPr lvl="2"/>
             <a:r>
-              <a:rPr lang="ko-KR" altLang="en-US" smtClean="0"/>
+              <a:rPr lang="ko-KR" altLang="en-US"/>
               <a:t>셋째 수준</a:t>
             </a:r>
           </a:p>
           <a:p>
             <a:pPr lvl="3"/>
             <a:r>
-              <a:rPr lang="ko-KR" altLang="en-US" smtClean="0"/>
+              <a:rPr lang="ko-KR" altLang="en-US"/>
               <a:t>넷째 수준</a:t>
             </a:r>
           </a:p>
           <a:p>
             <a:pPr lvl="4"/>
             <a:r>
-              <a:rPr lang="ko-KR" altLang="en-US" smtClean="0"/>
+              <a:rPr lang="ko-KR" altLang="en-US"/>
               <a:t>다섯째 수준</a:t>
             </a:r>
-            <a:endParaRPr lang="ko-KR" altLang="en-US"/>
           </a:p>
         </p:txBody>
       </p:sp>
@@ -2078,7 +2060,7 @@
           <a:p>
             <a:pPr lvl="0"/>
             <a:r>
-              <a:rPr lang="ko-KR" altLang="en-US" smtClean="0"/>
+              <a:rPr lang="ko-KR" altLang="en-US"/>
               <a:t>마스터 텍스트 스타일 편집</a:t>
             </a:r>
           </a:p>
@@ -2101,7 +2083,7 @@
           <a:p>
             <a:fld id="{48F71B6D-55F6-4550-85C4-E25ACA6B0146}" type="datetimeFigureOut">
               <a:rPr lang="ko-KR" altLang="en-US" smtClean="0"/>
-              <a:t>2023-06-18</a:t>
+              <a:t>2023-06-19</a:t>
             </a:fld>
             <a:endParaRPr lang="ko-KR" altLang="en-US"/>
           </a:p>
@@ -2204,10 +2186,9 @@
           </a:lstStyle>
           <a:p>
             <a:r>
-              <a:rPr lang="ko-KR" altLang="en-US" smtClean="0"/>
+              <a:rPr lang="ko-KR" altLang="en-US"/>
               <a:t>마스터 제목 스타일 편집</a:t>
             </a:r>
-            <a:endParaRPr lang="ko-KR" altLang="en-US"/>
           </a:p>
         </p:txBody>
       </p:sp>
@@ -2331,7 +2312,7 @@
           <a:p>
             <a:pPr lvl="0"/>
             <a:r>
-              <a:rPr lang="ko-KR" altLang="en-US" smtClean="0"/>
+              <a:rPr lang="ko-KR" altLang="en-US"/>
               <a:t>마스터 텍스트 스타일 편집</a:t>
             </a:r>
           </a:p>
@@ -2354,7 +2335,7 @@
           <a:p>
             <a:fld id="{48F71B6D-55F6-4550-85C4-E25ACA6B0146}" type="datetimeFigureOut">
               <a:rPr lang="ko-KR" altLang="en-US" smtClean="0"/>
-              <a:t>2023-06-18</a:t>
+              <a:t>2023-06-19</a:t>
             </a:fld>
             <a:endParaRPr lang="ko-KR" altLang="en-US"/>
           </a:p>
@@ -2463,10 +2444,9 @@
           <a:lstStyle/>
           <a:p>
             <a:r>
-              <a:rPr lang="ko-KR" altLang="en-US" smtClean="0"/>
+              <a:rPr lang="ko-KR" altLang="en-US"/>
               <a:t>마스터 제목 스타일 편집</a:t>
             </a:r>
-            <a:endParaRPr lang="ko-KR" altLang="en-US"/>
           </a:p>
         </p:txBody>
       </p:sp>
@@ -2497,38 +2477,37 @@
           <a:p>
             <a:pPr lvl="0"/>
             <a:r>
-              <a:rPr lang="ko-KR" altLang="en-US" smtClean="0"/>
+              <a:rPr lang="ko-KR" altLang="en-US"/>
               <a:t>마스터 텍스트 스타일 편집</a:t>
             </a:r>
           </a:p>
           <a:p>
             <a:pPr lvl="1"/>
             <a:r>
-              <a:rPr lang="ko-KR" altLang="en-US" smtClean="0"/>
+              <a:rPr lang="ko-KR" altLang="en-US"/>
               <a:t>둘째 수준</a:t>
             </a:r>
           </a:p>
           <a:p>
             <a:pPr lvl="2"/>
             <a:r>
-              <a:rPr lang="ko-KR" altLang="en-US" smtClean="0"/>
+              <a:rPr lang="ko-KR" altLang="en-US"/>
               <a:t>셋째 수준</a:t>
             </a:r>
           </a:p>
           <a:p>
             <a:pPr lvl="3"/>
             <a:r>
-              <a:rPr lang="ko-KR" altLang="en-US" smtClean="0"/>
+              <a:rPr lang="ko-KR" altLang="en-US"/>
               <a:t>넷째 수준</a:t>
             </a:r>
           </a:p>
           <a:p>
             <a:pPr lvl="4"/>
             <a:r>
-              <a:rPr lang="ko-KR" altLang="en-US" smtClean="0"/>
+              <a:rPr lang="ko-KR" altLang="en-US"/>
               <a:t>다섯째 수준</a:t>
             </a:r>
-            <a:endParaRPr lang="ko-KR" altLang="en-US"/>
           </a:p>
         </p:txBody>
       </p:sp>
@@ -2567,7 +2546,7 @@
           <a:p>
             <a:fld id="{48F71B6D-55F6-4550-85C4-E25ACA6B0146}" type="datetimeFigureOut">
               <a:rPr lang="ko-KR" altLang="en-US" smtClean="0"/>
-              <a:t>2023-06-18</a:t>
+              <a:t>2023-06-19</a:t>
             </a:fld>
             <a:endParaRPr lang="ko-KR" altLang="en-US"/>
           </a:p>
@@ -3099,7 +3078,7 @@
         </p:nvSpPr>
         <p:spPr>
           <a:xfrm>
-            <a:off x="885371" y="1399766"/>
+            <a:off x="1133947" y="1691278"/>
             <a:ext cx="3860800" cy="1200329"/>
           </a:xfrm>
           <a:prstGeom prst="rect">
@@ -3113,14 +3092,14 @@
           <a:lstStyle/>
           <a:p>
             <a:r>
-              <a:rPr lang="ko-KR" altLang="en-US" sz="3600" b="1" dirty="0" smtClean="0">
+              <a:rPr lang="ko-KR" altLang="en-US" sz="3600" b="1" dirty="0">
                 <a:solidFill>
                   <a:schemeClr val="bg1"/>
                 </a:solidFill>
               </a:rPr>
               <a:t>대학교</a:t>
             </a:r>
-            <a:endParaRPr lang="en-US" altLang="ko-KR" sz="3600" b="1" dirty="0" smtClean="0">
+            <a:endParaRPr lang="en-US" altLang="ko-KR" sz="3600" b="1" dirty="0">
               <a:solidFill>
                 <a:schemeClr val="bg1"/>
               </a:solidFill>
@@ -3128,7 +3107,7 @@
           </a:p>
           <a:p>
             <a:r>
-              <a:rPr lang="ko-KR" altLang="en-US" sz="3600" b="1" dirty="0" smtClean="0">
+              <a:rPr lang="ko-KR" altLang="en-US" sz="3600" b="1" dirty="0">
                 <a:solidFill>
                   <a:schemeClr val="bg1"/>
                 </a:solidFill>
@@ -3136,18 +3115,13 @@
               <a:t>계열별 미래 전망  </a:t>
             </a:r>
             <a:r>
-              <a:rPr lang="ko-KR" altLang="en-US" sz="3600" dirty="0" smtClean="0">
+              <a:rPr lang="ko-KR" altLang="en-US" sz="3600" dirty="0">
                 <a:solidFill>
                   <a:schemeClr val="bg1"/>
                 </a:solidFill>
               </a:rPr>
               <a:t> </a:t>
             </a:r>
-            <a:endParaRPr lang="ko-KR" altLang="en-US" sz="3600" dirty="0">
-              <a:solidFill>
-                <a:schemeClr val="bg1"/>
-              </a:solidFill>
-            </a:endParaRPr>
           </a:p>
         </p:txBody>
       </p:sp>
@@ -3200,7 +3174,7 @@
               </a:duotone>
               <a:extLst>
                 <a:ext uri="{96DAC541-7B7A-43D3-8B79-37D633B846F1}">
-                  <asvg:svgBlip xmlns:asvg="http://schemas.microsoft.com/office/drawing/2016/SVG/main" xmlns="" r:embed="rId3"/>
+                  <asvg:svgBlip xmlns:asvg="http://schemas.microsoft.com/office/drawing/2016/SVG/main" r:embed="rId3"/>
                 </a:ext>
               </a:extLst>
             </a:blip>
@@ -3209,6 +3183,66 @@
             </a:stretch>
           </a:blipFill>
         </p:spPr>
+      </p:sp>
+      <p:sp>
+        <p:nvSpPr>
+          <p:cNvPr id="2" name="TextBox 1">
+            <a:extLst>
+              <a:ext uri="{FF2B5EF4-FFF2-40B4-BE49-F238E27FC236}">
+                <a16:creationId xmlns:a16="http://schemas.microsoft.com/office/drawing/2014/main" id="{F3F8C181-8DD1-5FD5-4BF7-E2B426CC6C17}"/>
+              </a:ext>
+            </a:extLst>
+          </p:cNvPr>
+          <p:cNvSpPr txBox="1"/>
+          <p:nvPr/>
+        </p:nvSpPr>
+        <p:spPr>
+          <a:xfrm>
+            <a:off x="1212678" y="3597062"/>
+            <a:ext cx="1571347" cy="369332"/>
+          </a:xfrm>
+          <a:prstGeom prst="rect">
+            <a:avLst/>
+          </a:prstGeom>
+          <a:noFill/>
+        </p:spPr>
+        <p:txBody>
+          <a:bodyPr wrap="square" rtlCol="0">
+            <a:spAutoFit/>
+          </a:bodyPr>
+          <a:lstStyle/>
+          <a:p>
+            <a:r>
+              <a:rPr lang="ko-KR" altLang="en-US" dirty="0" err="1">
+                <a:solidFill>
+                  <a:srgbClr val="E8F5FC"/>
+                </a:solidFill>
+              </a:rPr>
+              <a:t>팀명</a:t>
+            </a:r>
+            <a:r>
+              <a:rPr lang="ko-KR" altLang="en-US" dirty="0">
+                <a:solidFill>
+                  <a:srgbClr val="E8F5FC"/>
+                </a:solidFill>
+              </a:rPr>
+              <a:t> </a:t>
+            </a:r>
+            <a:r>
+              <a:rPr lang="en-US" altLang="ko-KR" dirty="0">
+                <a:solidFill>
+                  <a:srgbClr val="E8F5FC"/>
+                </a:solidFill>
+              </a:rPr>
+              <a:t>: ______</a:t>
+            </a:r>
+            <a:endParaRPr lang="ko-KR" altLang="en-US" dirty="0">
+              <a:solidFill>
+                <a:srgbClr val="E8F5FC"/>
+              </a:solidFill>
+            </a:endParaRPr>
+          </a:p>
+        </p:txBody>
       </p:sp>
     </p:spTree>
     <p:extLst>
@@ -3248,7 +3282,7 @@
         </p:nvSpPr>
         <p:spPr>
           <a:xfrm>
-            <a:off x="0" y="-1"/>
+            <a:off x="0" y="0"/>
             <a:ext cx="12192000" cy="6211669"/>
           </a:xfrm>
           <a:prstGeom prst="rect">
@@ -3294,8 +3328,8 @@
         </p:nvSpPr>
         <p:spPr>
           <a:xfrm>
-            <a:off x="555812" y="897958"/>
-            <a:ext cx="3128682" cy="1754326"/>
+            <a:off x="726404" y="609087"/>
+            <a:ext cx="2844795" cy="2616101"/>
           </a:xfrm>
           <a:prstGeom prst="rect">
             <a:avLst/>
@@ -3308,43 +3342,34 @@
           </a:bodyPr>
           <a:lstStyle/>
           <a:p>
-            <a:endParaRPr lang="en-US" altLang="ko-KR" sz="1200" dirty="0" smtClean="0"/>
-          </a:p>
-          <a:p>
-            <a:r>
-              <a:rPr lang="en-US" altLang="ko-KR" sz="1200" dirty="0" smtClean="0"/>
+            <a:endParaRPr lang="en-US" altLang="ko-KR" sz="1200" dirty="0"/>
+          </a:p>
+          <a:p>
+            <a:r>
+              <a:rPr lang="en-US" altLang="ko-KR" sz="1600" dirty="0"/>
               <a:t>2023</a:t>
             </a:r>
             <a:r>
-              <a:rPr lang="ko-KR" altLang="en-US" sz="1200" dirty="0" smtClean="0"/>
+              <a:rPr lang="ko-KR" altLang="en-US" sz="1600" dirty="0"/>
               <a:t>년 현재 다양한 학과의 통폐합이 진행되고 있다</a:t>
             </a:r>
             <a:r>
-              <a:rPr lang="en-US" altLang="ko-KR" sz="1200" dirty="0" smtClean="0"/>
+              <a:rPr lang="en-US" altLang="ko-KR" sz="1600" dirty="0"/>
               <a:t>.</a:t>
             </a:r>
-            <a:r>
-              <a:rPr lang="en-US" altLang="ko-KR" sz="1200" baseline="30000" dirty="0" smtClean="0"/>
-              <a:t>1)</a:t>
-            </a:r>
-            <a:r>
-              <a:rPr lang="en-US" altLang="ko-KR" sz="1200" baseline="30000" dirty="0" err="1" smtClean="0"/>
-              <a:t>aaaaaa</a:t>
-            </a:r>
-            <a:r>
-              <a:rPr lang="ko-KR" altLang="en-US" sz="1200" baseline="30000" dirty="0" smtClean="0"/>
-              <a:t>기사</a:t>
-            </a:r>
-            <a:endParaRPr lang="en-US" altLang="ko-KR" sz="1200" dirty="0"/>
-          </a:p>
-          <a:p>
-            <a:r>
-              <a:rPr lang="ko-KR" altLang="en-US" sz="1200" dirty="0" smtClean="0"/>
+          </a:p>
+          <a:p>
+            <a:r>
+              <a:rPr lang="ko-KR" altLang="en-US" sz="1600" dirty="0"/>
               <a:t>내가 가고 싶은 학과는 무사할지 궁금하고 그 학과의 미래 상황은 어떨지 궁금해서 직접 데이터를 분석하여 계열별로 어떤 추이를 보이고 있는지 분석했다</a:t>
             </a:r>
             <a:r>
-              <a:rPr lang="en-US" altLang="ko-KR" sz="1200" dirty="0" smtClean="0"/>
-              <a:t>. 		</a:t>
+              <a:rPr lang="en-US" altLang="ko-KR" sz="1600" dirty="0"/>
+              <a:t>. </a:t>
+            </a:r>
+            <a:r>
+              <a:rPr lang="en-US" altLang="ko-KR" sz="1200" dirty="0"/>
+              <a:t>		</a:t>
             </a:r>
           </a:p>
           <a:p>
@@ -3360,8 +3385,8 @@
         </p:nvSpPr>
         <p:spPr>
           <a:xfrm>
-            <a:off x="4016188" y="744070"/>
-            <a:ext cx="2994212" cy="1200329"/>
+            <a:off x="4019999" y="646331"/>
+            <a:ext cx="2797547" cy="1446550"/>
           </a:xfrm>
           <a:prstGeom prst="rect">
             <a:avLst/>
@@ -3374,28 +3399,20 @@
           </a:bodyPr>
           <a:lstStyle/>
           <a:p>
-            <a:endParaRPr lang="en-US" altLang="ko-KR" sz="1200" b="1" dirty="0" smtClean="0"/>
-          </a:p>
-          <a:p>
-            <a:r>
-              <a:rPr lang="ko-KR" altLang="en-US" sz="1200" dirty="0" smtClean="0"/>
-              <a:t>계열별로 취업률과 </a:t>
-            </a:r>
-            <a:r>
-              <a:rPr lang="ko-KR" altLang="en-US" sz="1200" dirty="0" err="1" smtClean="0"/>
-              <a:t>창업률을</a:t>
-            </a:r>
-            <a:r>
-              <a:rPr lang="ko-KR" altLang="en-US" sz="1200" dirty="0" smtClean="0"/>
-              <a:t> 구분해 비교하면서 계열의 현 상황을 분석해보고 이를 바탕으로 계열별 미래 상황을 예측해 본다</a:t>
-            </a:r>
-            <a:r>
-              <a:rPr lang="en-US" altLang="ko-KR" sz="1200" dirty="0" smtClean="0"/>
+            <a:endParaRPr lang="en-US" altLang="ko-KR" sz="1200" b="1" dirty="0"/>
+          </a:p>
+          <a:p>
+            <a:r>
+              <a:rPr lang="ko-KR" altLang="en-US" sz="1600" dirty="0"/>
+              <a:t>계열별로 분류하여 비교하면서 계열의 현 상황을 분석해보고 이를 바탕으로 계열별 미래 상황을 예측해 본다</a:t>
+            </a:r>
+            <a:r>
+              <a:rPr lang="en-US" altLang="ko-KR" sz="1600" dirty="0"/>
               <a:t>.</a:t>
             </a:r>
           </a:p>
           <a:p>
-            <a:endParaRPr lang="en-US" altLang="ko-KR" sz="1200" dirty="0" smtClean="0"/>
+            <a:endParaRPr lang="en-US" altLang="ko-KR" sz="1200" dirty="0"/>
           </a:p>
         </p:txBody>
       </p:sp>
@@ -3415,7 +3432,7 @@
         </p:blipFill>
         <p:spPr>
           <a:xfrm>
-            <a:off x="568192" y="3758184"/>
+            <a:off x="555812" y="3656587"/>
             <a:ext cx="5915851" cy="962159"/>
           </a:xfrm>
           <a:prstGeom prst="rect">
@@ -3446,7 +3463,7 @@
         </p:blipFill>
         <p:spPr>
           <a:xfrm>
-            <a:off x="1221734" y="4947149"/>
+            <a:off x="1109449" y="4797770"/>
             <a:ext cx="5925377" cy="952633"/>
           </a:xfrm>
           <a:prstGeom prst="rect">
@@ -3484,7 +3501,7 @@
           <a:lstStyle/>
           <a:p>
             <a:r>
-              <a:rPr lang="en-US" altLang="ko-KR" sz="900" dirty="0" smtClean="0">
+              <a:rPr lang="en-US" altLang="ko-KR" sz="900" dirty="0">
                 <a:hlinkClick r:id="rId4"/>
               </a:rPr>
               <a:t>1:</a:t>
@@ -3492,22 +3509,22 @@
           </a:p>
           <a:p>
             <a:r>
-              <a:rPr lang="en-US" altLang="ko-KR" sz="900" dirty="0" smtClean="0">
+              <a:rPr lang="en-US" altLang="ko-KR" sz="900" dirty="0">
                 <a:hlinkClick r:id="rId4"/>
               </a:rPr>
               <a:t>https://news.nate.com/view/20220401n22281</a:t>
             </a:r>
-            <a:endParaRPr lang="en-US" altLang="ko-KR" sz="900" dirty="0" smtClean="0"/>
-          </a:p>
-          <a:p>
-            <a:r>
-              <a:rPr lang="en-US" altLang="ko-KR" sz="900" dirty="0" smtClean="0"/>
+            <a:endParaRPr lang="en-US" altLang="ko-KR" sz="900" dirty="0"/>
+          </a:p>
+          <a:p>
+            <a:r>
+              <a:rPr lang="en-US" altLang="ko-KR" sz="900" dirty="0"/>
               <a:t>2:</a:t>
             </a:r>
           </a:p>
           <a:p>
             <a:r>
-              <a:rPr lang="en-US" altLang="ko-KR" sz="900" dirty="0" smtClean="0"/>
+              <a:rPr lang="en-US" altLang="ko-KR" sz="900" dirty="0"/>
               <a:t>https://news.mt.co.kr/mtview.php?no=2014041010113327536</a:t>
             </a:r>
             <a:endParaRPr lang="ko-KR" altLang="en-US" sz="900" dirty="0"/>
@@ -3522,8 +3539,8 @@
         </p:nvSpPr>
         <p:spPr>
           <a:xfrm>
-            <a:off x="7673788" y="744070"/>
-            <a:ext cx="2388933" cy="1938992"/>
+            <a:off x="7527048" y="609087"/>
+            <a:ext cx="2388933" cy="2554545"/>
           </a:xfrm>
           <a:prstGeom prst="rect">
             <a:avLst/>
@@ -3536,98 +3553,98 @@
           </a:bodyPr>
           <a:lstStyle/>
           <a:p>
-            <a:endParaRPr lang="en-US" altLang="ko-KR" sz="1200" b="1" dirty="0" smtClean="0"/>
-          </a:p>
-          <a:p>
-            <a:r>
-              <a:rPr lang="ko-KR" altLang="en-US" sz="1200" dirty="0" smtClean="0"/>
+            <a:endParaRPr lang="en-US" altLang="ko-KR" sz="1600" b="1" dirty="0"/>
+          </a:p>
+          <a:p>
+            <a:r>
+              <a:rPr lang="ko-KR" altLang="en-US" sz="1600" dirty="0"/>
               <a:t>계열은 </a:t>
             </a:r>
             <a:r>
-              <a:rPr lang="en-US" altLang="ko-KR" sz="1200" dirty="0" smtClean="0"/>
+              <a:rPr lang="en-US" altLang="ko-KR" sz="1600" dirty="0"/>
               <a:t>7</a:t>
             </a:r>
             <a:r>
-              <a:rPr lang="ko-KR" altLang="en-US" sz="1200" dirty="0" smtClean="0"/>
-              <a:t>개로 구분한다</a:t>
-            </a:r>
-            <a:r>
-              <a:rPr lang="en-US" altLang="ko-KR" sz="1200" dirty="0" smtClean="0"/>
+              <a:rPr lang="ko-KR" altLang="en-US" sz="1600" dirty="0"/>
+              <a:t>개로 분류한다</a:t>
+            </a:r>
+            <a:r>
+              <a:rPr lang="en-US" altLang="ko-KR" sz="1600" dirty="0"/>
               <a:t>.</a:t>
             </a:r>
           </a:p>
           <a:p>
-            <a:endParaRPr lang="en-US" altLang="ko-KR" sz="1200" dirty="0" smtClean="0"/>
+            <a:endParaRPr lang="en-US" altLang="ko-KR" sz="1600" dirty="0"/>
           </a:p>
           <a:p>
             <a:pPr marL="228600" indent="-228600">
               <a:buAutoNum type="arabicPeriod"/>
             </a:pPr>
             <a:r>
-              <a:rPr lang="ko-KR" altLang="en-US" sz="1200" dirty="0" smtClean="0"/>
+              <a:rPr lang="ko-KR" altLang="en-US" sz="1600" dirty="0"/>
               <a:t>공학계열</a:t>
             </a:r>
-            <a:endParaRPr lang="en-US" altLang="ko-KR" sz="1200" dirty="0" smtClean="0"/>
+            <a:endParaRPr lang="en-US" altLang="ko-KR" sz="1600" dirty="0"/>
           </a:p>
           <a:p>
             <a:pPr marL="228600" indent="-228600">
               <a:buAutoNum type="arabicPeriod"/>
             </a:pPr>
             <a:r>
-              <a:rPr lang="ko-KR" altLang="en-US" sz="1200" dirty="0" smtClean="0"/>
+              <a:rPr lang="ko-KR" altLang="en-US" sz="1600" dirty="0"/>
               <a:t>인문계열</a:t>
             </a:r>
-            <a:endParaRPr lang="en-US" altLang="ko-KR" sz="1200" dirty="0" smtClean="0"/>
+            <a:endParaRPr lang="en-US" altLang="ko-KR" sz="1600" dirty="0"/>
           </a:p>
           <a:p>
             <a:pPr marL="228600" indent="-228600">
               <a:buAutoNum type="arabicPeriod"/>
             </a:pPr>
             <a:r>
-              <a:rPr lang="ko-KR" altLang="en-US" sz="1200" dirty="0" smtClean="0"/>
+              <a:rPr lang="ko-KR" altLang="en-US" sz="1600" dirty="0"/>
               <a:t>예체능계열</a:t>
             </a:r>
-            <a:endParaRPr lang="en-US" altLang="ko-KR" sz="1200" dirty="0" smtClean="0"/>
+            <a:endParaRPr lang="en-US" altLang="ko-KR" sz="1600" dirty="0"/>
           </a:p>
           <a:p>
             <a:pPr marL="228600" indent="-228600">
               <a:buAutoNum type="arabicPeriod"/>
             </a:pPr>
             <a:r>
-              <a:rPr lang="ko-KR" altLang="en-US" sz="1200" dirty="0" smtClean="0"/>
+              <a:rPr lang="ko-KR" altLang="en-US" sz="1600" dirty="0"/>
               <a:t>사회계열</a:t>
             </a:r>
-            <a:endParaRPr lang="en-US" altLang="ko-KR" sz="1200" dirty="0" smtClean="0"/>
+            <a:endParaRPr lang="en-US" altLang="ko-KR" sz="1600" dirty="0"/>
           </a:p>
           <a:p>
             <a:pPr marL="228600" indent="-228600">
               <a:buAutoNum type="arabicPeriod"/>
             </a:pPr>
             <a:r>
-              <a:rPr lang="ko-KR" altLang="en-US" sz="1200" dirty="0" err="1" smtClean="0"/>
+              <a:rPr lang="ko-KR" altLang="en-US" sz="1600" dirty="0" err="1"/>
               <a:t>의약계열</a:t>
             </a:r>
-            <a:endParaRPr lang="en-US" altLang="ko-KR" sz="1200" dirty="0" smtClean="0"/>
+            <a:endParaRPr lang="en-US" altLang="ko-KR" sz="1600" dirty="0"/>
           </a:p>
           <a:p>
             <a:pPr marL="228600" indent="-228600">
               <a:buAutoNum type="arabicPeriod"/>
             </a:pPr>
             <a:r>
-              <a:rPr lang="ko-KR" altLang="en-US" sz="1200" dirty="0" smtClean="0"/>
-              <a:t>인문계열</a:t>
-            </a:r>
-            <a:endParaRPr lang="en-US" altLang="ko-KR" sz="1200" dirty="0" smtClean="0"/>
+              <a:rPr lang="ko-KR" altLang="en-US" sz="1600" dirty="0"/>
+              <a:t>교육계열</a:t>
+            </a:r>
+            <a:endParaRPr lang="en-US" altLang="ko-KR" sz="1600" dirty="0"/>
           </a:p>
           <a:p>
             <a:pPr marL="228600" indent="-228600">
               <a:buAutoNum type="arabicPeriod"/>
             </a:pPr>
             <a:r>
-              <a:rPr lang="ko-KR" altLang="en-US" sz="1200" dirty="0" smtClean="0"/>
+              <a:rPr lang="ko-KR" altLang="en-US" sz="1600" dirty="0"/>
               <a:t>자연계열</a:t>
             </a:r>
-            <a:endParaRPr lang="en-US" altLang="ko-KR" sz="1200" dirty="0" smtClean="0"/>
+            <a:endParaRPr lang="en-US" altLang="ko-KR" sz="1600" dirty="0"/>
           </a:p>
         </p:txBody>
       </p:sp>
@@ -3639,8 +3656,8 @@
         </p:nvSpPr>
         <p:spPr>
           <a:xfrm>
-            <a:off x="8119863" y="2426017"/>
-            <a:ext cx="3424518" cy="3785652"/>
+            <a:off x="8581051" y="3309917"/>
+            <a:ext cx="3424518" cy="3046988"/>
           </a:xfrm>
           <a:prstGeom prst="rect">
             <a:avLst/>
@@ -3653,96 +3670,92 @@
           </a:bodyPr>
           <a:lstStyle/>
           <a:p>
-            <a:endParaRPr lang="en-US" altLang="ko-KR" sz="1200" dirty="0" smtClean="0"/>
-          </a:p>
-          <a:p>
-            <a:r>
-              <a:rPr lang="ko-KR" altLang="en-US" sz="1200" dirty="0"/>
+            <a:endParaRPr lang="en-US" altLang="ko-KR" sz="1200" dirty="0"/>
+          </a:p>
+          <a:p>
+            <a:r>
+              <a:rPr lang="ko-KR" altLang="en-US" sz="1050" dirty="0"/>
               <a:t>고등교육기관 졸업자 </a:t>
             </a:r>
             <a:r>
-              <a:rPr lang="ko-KR" altLang="en-US" sz="1200" dirty="0" err="1" smtClean="0"/>
+              <a:rPr lang="ko-KR" altLang="en-US" sz="1050" dirty="0" err="1"/>
               <a:t>취업통계</a:t>
             </a:r>
-            <a:endParaRPr lang="en-US" altLang="ko-KR" sz="1200" dirty="0" smtClean="0"/>
-          </a:p>
-          <a:p>
-            <a:r>
-              <a:rPr lang="en-US" altLang="ko-KR" sz="1200" dirty="0" smtClean="0">
+            <a:endParaRPr lang="en-US" altLang="ko-KR" sz="1050" dirty="0"/>
+          </a:p>
+          <a:p>
+            <a:r>
+              <a:rPr lang="en-US" altLang="ko-KR" sz="1050" dirty="0">
                 <a:hlinkClick r:id="rId5"/>
               </a:rPr>
               <a:t>https://www.moe.go.kr/boardCnts/viewRenew.do?boardID=294&amp;boardSeq=90188&amp;lev=0&amp;searchType=null&amp;statusYN=W&amp;page=1&amp;s=moe&amp;m=020402&amp;opType=N</a:t>
             </a:r>
-            <a:endParaRPr lang="en-US" altLang="ko-KR" sz="1200" dirty="0" smtClean="0"/>
-          </a:p>
-          <a:p>
-            <a:r>
-              <a:rPr lang="en-US" altLang="ko-KR" sz="1200" dirty="0" smtClean="0">
+            <a:endParaRPr lang="en-US" altLang="ko-KR" sz="1050" dirty="0"/>
+          </a:p>
+          <a:p>
+            <a:r>
+              <a:rPr lang="en-US" altLang="ko-KR" sz="1050" dirty="0">
                 <a:hlinkClick r:id="rId6"/>
               </a:rPr>
               <a:t>https://www.kedi.re.kr/khome/main/announce/selectBroadAnnounceForm.do?selectTp=0&amp;board_sq_no=3&amp;article_sq_no=34905</a:t>
             </a:r>
-            <a:endParaRPr lang="en-US" altLang="ko-KR" sz="1200" dirty="0" smtClean="0"/>
-          </a:p>
-          <a:p>
-            <a:endParaRPr lang="en-US" altLang="ko-KR" sz="1200" dirty="0"/>
-          </a:p>
-          <a:p>
-            <a:r>
-              <a:rPr lang="ko-KR" altLang="en-US" sz="1200" dirty="0" err="1" smtClean="0"/>
+            <a:endParaRPr lang="en-US" altLang="ko-KR" sz="1050" dirty="0"/>
+          </a:p>
+          <a:p>
+            <a:endParaRPr lang="en-US" altLang="ko-KR" sz="1050" dirty="0"/>
+          </a:p>
+          <a:p>
+            <a:r>
+              <a:rPr lang="ko-KR" altLang="en-US" sz="1050" dirty="0" err="1"/>
               <a:t>창업진흥원</a:t>
             </a:r>
             <a:r>
-              <a:rPr lang="en-US" altLang="ko-KR" sz="1200" dirty="0" smtClean="0"/>
+              <a:rPr lang="en-US" altLang="ko-KR" sz="1050" dirty="0"/>
               <a:t> </a:t>
             </a:r>
             <a:r>
-              <a:rPr lang="ko-KR" altLang="en-US" sz="1200" dirty="0" smtClean="0"/>
+              <a:rPr lang="ko-KR" altLang="en-US" sz="1050" dirty="0"/>
               <a:t>창업기업 창업자의 </a:t>
             </a:r>
             <a:r>
-              <a:rPr lang="ko-KR" altLang="en-US" sz="1200" dirty="0" err="1" smtClean="0"/>
+              <a:rPr lang="ko-KR" altLang="en-US" sz="1050" dirty="0" err="1"/>
               <a:t>전공정보</a:t>
             </a:r>
-            <a:endParaRPr lang="en-US" altLang="ko-KR" sz="1200" dirty="0" smtClean="0"/>
-          </a:p>
-          <a:p>
-            <a:r>
-              <a:rPr lang="en-US" altLang="ko-KR" sz="1200" dirty="0" smtClean="0">
+            <a:endParaRPr lang="en-US" altLang="ko-KR" sz="1050" dirty="0"/>
+          </a:p>
+          <a:p>
+            <a:r>
+              <a:rPr lang="en-US" altLang="ko-KR" sz="1050" dirty="0">
                 <a:hlinkClick r:id="rId7"/>
               </a:rPr>
               <a:t>https://www.data.go.kr/data/15048999/fileData.do</a:t>
             </a:r>
-            <a:endParaRPr lang="en-US" altLang="ko-KR" sz="1200" dirty="0" smtClean="0"/>
-          </a:p>
-          <a:p>
-            <a:endParaRPr lang="en-US" altLang="ko-KR" sz="1200" dirty="0"/>
-          </a:p>
-          <a:p>
-            <a:r>
-              <a:rPr lang="ko-KR" altLang="en-US" sz="1200" dirty="0" smtClean="0"/>
+            <a:endParaRPr lang="en-US" altLang="ko-KR" sz="1050" dirty="0"/>
+          </a:p>
+          <a:p>
+            <a:endParaRPr lang="en-US" altLang="ko-KR" sz="1050" dirty="0"/>
+          </a:p>
+          <a:p>
+            <a:r>
+              <a:rPr lang="ko-KR" altLang="en-US" sz="1050" dirty="0"/>
               <a:t>한국교육개발원</a:t>
             </a:r>
             <a:r>
-              <a:rPr lang="en-US" altLang="ko-KR" sz="1200" dirty="0" smtClean="0"/>
+              <a:rPr lang="en-US" altLang="ko-KR" sz="1050" dirty="0"/>
               <a:t>_</a:t>
             </a:r>
             <a:r>
-              <a:rPr lang="ko-KR" altLang="en-US" sz="1200" dirty="0" smtClean="0"/>
-              <a:t>대학별 학과별 모집인원 및 졸업자 </a:t>
-            </a:r>
-            <a:r>
-              <a:rPr lang="ko-KR" altLang="en-US" sz="1200" dirty="0" smtClean="0"/>
-              <a:t>현황</a:t>
-            </a:r>
-            <a:endParaRPr lang="en-US" altLang="ko-KR" sz="1200" dirty="0" smtClean="0"/>
-          </a:p>
-          <a:p>
-            <a:endParaRPr lang="en-US" altLang="ko-KR" sz="1200" dirty="0" smtClean="0"/>
-          </a:p>
-          <a:p>
-            <a:r>
-              <a:rPr lang="en-US" altLang="ko-KR" sz="1200" dirty="0" smtClean="0"/>
+              <a:rPr lang="ko-KR" altLang="en-US" sz="1050" dirty="0"/>
+              <a:t>대학별 학과별 모집인원 및 졸업자 현황</a:t>
+            </a:r>
+            <a:endParaRPr lang="en-US" altLang="ko-KR" sz="1050" dirty="0"/>
+          </a:p>
+          <a:p>
+            <a:endParaRPr lang="en-US" altLang="ko-KR" sz="1050" dirty="0"/>
+          </a:p>
+          <a:p>
+            <a:r>
+              <a:rPr lang="en-US" altLang="ko-KR" sz="1050" dirty="0"/>
               <a:t>https://www.data.go.kr/data/15053809/fileData.do</a:t>
             </a:r>
           </a:p>
@@ -3759,8 +3772,8 @@
         </p:nvSpPr>
         <p:spPr>
           <a:xfrm>
-            <a:off x="4021956" y="403106"/>
-            <a:ext cx="861133" cy="400110"/>
+            <a:off x="726404" y="245552"/>
+            <a:ext cx="963725" cy="461665"/>
           </a:xfrm>
           <a:prstGeom prst="rect">
             <a:avLst/>
@@ -3773,7 +3786,7 @@
           <a:lstStyle/>
           <a:p>
             <a:r>
-              <a:rPr lang="ko-KR" altLang="en-US" sz="2000" b="1" dirty="0">
+              <a:rPr lang="ko-KR" altLang="en-US" sz="2400" b="1" dirty="0">
                 <a:solidFill>
                   <a:srgbClr val="1FA1E4"/>
                 </a:solidFill>
@@ -3825,8 +3838,8 @@
         </p:nvSpPr>
         <p:spPr>
           <a:xfrm>
-            <a:off x="7635450" y="165801"/>
-            <a:ext cx="646331" cy="369332"/>
+            <a:off x="4019999" y="245552"/>
+            <a:ext cx="800219" cy="461665"/>
           </a:xfrm>
           <a:prstGeom prst="rect">
             <a:avLst/>
@@ -3839,7 +3852,7 @@
           <a:lstStyle/>
           <a:p>
             <a:r>
-              <a:rPr lang="ko-KR" altLang="en-US" b="1" dirty="0">
+              <a:rPr lang="ko-KR" altLang="en-US" sz="2400" b="1" dirty="0">
                 <a:solidFill>
                   <a:srgbClr val="1FA1E4"/>
                 </a:solidFill>
@@ -3853,7 +3866,7 @@
               </a:rPr>
               <a:t>목적</a:t>
             </a:r>
-            <a:endParaRPr lang="en-US" altLang="ko-KR" b="1" dirty="0">
+            <a:endParaRPr lang="en-US" altLang="ko-KR" sz="2400" b="1" dirty="0">
               <a:solidFill>
                 <a:srgbClr val="1FA1E4"/>
               </a:solidFill>
@@ -3876,8 +3889,8 @@
         </p:nvSpPr>
         <p:spPr>
           <a:xfrm>
-            <a:off x="1314726" y="498524"/>
-            <a:ext cx="646331" cy="369332"/>
+            <a:off x="7527048" y="245551"/>
+            <a:ext cx="800219" cy="461665"/>
           </a:xfrm>
           <a:prstGeom prst="rect">
             <a:avLst/>
@@ -3890,7 +3903,7 @@
           <a:lstStyle/>
           <a:p>
             <a:r>
-              <a:rPr lang="ko-KR" altLang="en-US" b="1" dirty="0">
+              <a:rPr lang="ko-KR" altLang="en-US" sz="2400" b="1" dirty="0">
                 <a:solidFill>
                   <a:srgbClr val="1FA1E4"/>
                 </a:solidFill>
@@ -3902,9 +3915,9 @@
                   </a:outerShdw>
                 </a:effectLst>
               </a:rPr>
-              <a:t>구분</a:t>
-            </a:r>
-            <a:endParaRPr lang="en-US" altLang="ko-KR" b="1" dirty="0">
+              <a:t>분류</a:t>
+            </a:r>
+            <a:endParaRPr lang="en-US" altLang="ko-KR" sz="2400" b="1" dirty="0">
               <a:solidFill>
                 <a:srgbClr val="1FA1E4"/>
               </a:solidFill>
@@ -3927,7 +3940,7 @@
         </p:nvSpPr>
         <p:spPr>
           <a:xfrm>
-            <a:off x="7673788" y="3085821"/>
+            <a:off x="9467603" y="3040522"/>
             <a:ext cx="1651414" cy="369332"/>
           </a:xfrm>
           <a:prstGeom prst="rect">
@@ -4000,6 +4013,705 @@
           <a:chExt cx="0" cy="0"/>
         </a:xfrm>
       </p:grpSpPr>
+      <p:sp>
+        <p:nvSpPr>
+          <p:cNvPr id="2" name="직사각형 1">
+            <a:extLst>
+              <a:ext uri="{FF2B5EF4-FFF2-40B4-BE49-F238E27FC236}">
+                <a16:creationId xmlns:a16="http://schemas.microsoft.com/office/drawing/2014/main" id="{1D3D94FC-C641-E560-0E05-6DD9599A358E}"/>
+              </a:ext>
+            </a:extLst>
+          </p:cNvPr>
+          <p:cNvSpPr/>
+          <p:nvPr/>
+        </p:nvSpPr>
+        <p:spPr>
+          <a:xfrm>
+            <a:off x="0" y="152400"/>
+            <a:ext cx="12192000" cy="6858000"/>
+          </a:xfrm>
+          <a:prstGeom prst="rect">
+            <a:avLst/>
+          </a:prstGeom>
+          <a:solidFill>
+            <a:srgbClr val="E8F5FC"/>
+          </a:solidFill>
+          <a:ln>
+            <a:noFill/>
+          </a:ln>
+        </p:spPr>
+        <p:style>
+          <a:lnRef idx="2">
+            <a:schemeClr val="accent1">
+              <a:shade val="50000"/>
+            </a:schemeClr>
+          </a:lnRef>
+          <a:fillRef idx="1">
+            <a:schemeClr val="accent1"/>
+          </a:fillRef>
+          <a:effectRef idx="0">
+            <a:schemeClr val="accent1"/>
+          </a:effectRef>
+          <a:fontRef idx="minor">
+            <a:schemeClr val="lt1"/>
+          </a:fontRef>
+        </p:style>
+        <p:txBody>
+          <a:bodyPr rtlCol="0" anchor="ctr"/>
+          <a:lstStyle/>
+          <a:p>
+            <a:pPr algn="ctr"/>
+            <a:endParaRPr lang="ko-KR" altLang="en-US"/>
+          </a:p>
+        </p:txBody>
+      </p:sp>
+      <p:sp>
+        <p:nvSpPr>
+          <p:cNvPr id="12" name="TextBox 11">
+            <a:extLst>
+              <a:ext uri="{FF2B5EF4-FFF2-40B4-BE49-F238E27FC236}">
+                <a16:creationId xmlns:a16="http://schemas.microsoft.com/office/drawing/2014/main" id="{BA54766E-B47E-FB76-1E3A-17A94EDECBD6}"/>
+              </a:ext>
+            </a:extLst>
+          </p:cNvPr>
+          <p:cNvSpPr txBox="1"/>
+          <p:nvPr/>
+        </p:nvSpPr>
+        <p:spPr>
+          <a:xfrm>
+            <a:off x="710214" y="427893"/>
+            <a:ext cx="4225771" cy="369332"/>
+          </a:xfrm>
+          <a:prstGeom prst="rect">
+            <a:avLst/>
+          </a:prstGeom>
+          <a:noFill/>
+        </p:spPr>
+        <p:txBody>
+          <a:bodyPr wrap="square" rtlCol="0">
+            <a:spAutoFit/>
+          </a:bodyPr>
+          <a:lstStyle/>
+          <a:p>
+            <a:r>
+              <a:rPr lang="ko-KR" altLang="en-US" dirty="0"/>
+              <a:t>계획</a:t>
+            </a:r>
+          </a:p>
+        </p:txBody>
+      </p:sp>
+      <p:sp>
+        <p:nvSpPr>
+          <p:cNvPr id="15" name="사각형: 둥근 모서리 14">
+            <a:extLst>
+              <a:ext uri="{FF2B5EF4-FFF2-40B4-BE49-F238E27FC236}">
+                <a16:creationId xmlns:a16="http://schemas.microsoft.com/office/drawing/2014/main" id="{99CF42C1-74F5-E79F-E8E9-71359DF9C90B}"/>
+              </a:ext>
+            </a:extLst>
+          </p:cNvPr>
+          <p:cNvSpPr/>
+          <p:nvPr/>
+        </p:nvSpPr>
+        <p:spPr>
+          <a:xfrm>
+            <a:off x="710214" y="1225118"/>
+            <a:ext cx="2246050" cy="1100832"/>
+          </a:xfrm>
+          <a:prstGeom prst="roundRect">
+            <a:avLst/>
+          </a:prstGeom>
+        </p:spPr>
+        <p:style>
+          <a:lnRef idx="2">
+            <a:schemeClr val="accent1">
+              <a:shade val="50000"/>
+            </a:schemeClr>
+          </a:lnRef>
+          <a:fillRef idx="1">
+            <a:schemeClr val="accent1"/>
+          </a:fillRef>
+          <a:effectRef idx="0">
+            <a:schemeClr val="accent1"/>
+          </a:effectRef>
+          <a:fontRef idx="minor">
+            <a:schemeClr val="lt1"/>
+          </a:fontRef>
+        </p:style>
+        <p:txBody>
+          <a:bodyPr rtlCol="0" anchor="ctr"/>
+          <a:lstStyle/>
+          <a:p>
+            <a:pPr algn="ctr"/>
+            <a:r>
+              <a:rPr lang="ko-KR" altLang="en-US" dirty="0"/>
+              <a:t>현재 대학이 </a:t>
+            </a:r>
+            <a:endParaRPr lang="en-US" altLang="ko-KR" dirty="0"/>
+          </a:p>
+          <a:p>
+            <a:pPr algn="ctr"/>
+            <a:r>
+              <a:rPr lang="ko-KR" altLang="en-US" dirty="0" err="1"/>
+              <a:t>필요로하는</a:t>
+            </a:r>
+            <a:r>
+              <a:rPr lang="ko-KR" altLang="en-US" dirty="0"/>
+              <a:t> 계열</a:t>
+            </a:r>
+            <a:endParaRPr lang="en-US" altLang="ko-KR" dirty="0"/>
+          </a:p>
+          <a:p>
+            <a:pPr algn="ctr"/>
+            <a:r>
+              <a:rPr lang="ko-KR" altLang="en-US" dirty="0"/>
+              <a:t>시각화  </a:t>
+            </a:r>
+          </a:p>
+        </p:txBody>
+      </p:sp>
+      <p:sp>
+        <p:nvSpPr>
+          <p:cNvPr id="16" name="화살표: 오른쪽 15">
+            <a:extLst>
+              <a:ext uri="{FF2B5EF4-FFF2-40B4-BE49-F238E27FC236}">
+                <a16:creationId xmlns:a16="http://schemas.microsoft.com/office/drawing/2014/main" id="{93A10147-8368-5FF5-CD2C-73D2532E5EF8}"/>
+              </a:ext>
+            </a:extLst>
+          </p:cNvPr>
+          <p:cNvSpPr/>
+          <p:nvPr/>
+        </p:nvSpPr>
+        <p:spPr>
+          <a:xfrm>
+            <a:off x="3462291" y="1433744"/>
+            <a:ext cx="843379" cy="683580"/>
+          </a:xfrm>
+          <a:prstGeom prst="rightArrow">
+            <a:avLst/>
+          </a:prstGeom>
+        </p:spPr>
+        <p:style>
+          <a:lnRef idx="2">
+            <a:schemeClr val="accent1">
+              <a:shade val="50000"/>
+            </a:schemeClr>
+          </a:lnRef>
+          <a:fillRef idx="1">
+            <a:schemeClr val="accent1"/>
+          </a:fillRef>
+          <a:effectRef idx="0">
+            <a:schemeClr val="accent1"/>
+          </a:effectRef>
+          <a:fontRef idx="minor">
+            <a:schemeClr val="lt1"/>
+          </a:fontRef>
+        </p:style>
+        <p:txBody>
+          <a:bodyPr rtlCol="0" anchor="ctr"/>
+          <a:lstStyle/>
+          <a:p>
+            <a:pPr algn="ctr"/>
+            <a:endParaRPr lang="ko-KR" altLang="en-US"/>
+          </a:p>
+        </p:txBody>
+      </p:sp>
+      <p:sp>
+        <p:nvSpPr>
+          <p:cNvPr id="18" name="사각형: 둥근 모서리 17">
+            <a:extLst>
+              <a:ext uri="{FF2B5EF4-FFF2-40B4-BE49-F238E27FC236}">
+                <a16:creationId xmlns:a16="http://schemas.microsoft.com/office/drawing/2014/main" id="{BE47EF79-C370-FF3D-EF2B-252B1AD3F689}"/>
+              </a:ext>
+            </a:extLst>
+          </p:cNvPr>
+          <p:cNvSpPr/>
+          <p:nvPr/>
+        </p:nvSpPr>
+        <p:spPr>
+          <a:xfrm>
+            <a:off x="4653379" y="1225118"/>
+            <a:ext cx="2246050" cy="1100832"/>
+          </a:xfrm>
+          <a:prstGeom prst="roundRect">
+            <a:avLst/>
+          </a:prstGeom>
+        </p:spPr>
+        <p:style>
+          <a:lnRef idx="2">
+            <a:schemeClr val="accent1">
+              <a:shade val="50000"/>
+            </a:schemeClr>
+          </a:lnRef>
+          <a:fillRef idx="1">
+            <a:schemeClr val="accent1"/>
+          </a:fillRef>
+          <a:effectRef idx="0">
+            <a:schemeClr val="accent1"/>
+          </a:effectRef>
+          <a:fontRef idx="minor">
+            <a:schemeClr val="lt1"/>
+          </a:fontRef>
+        </p:style>
+        <p:txBody>
+          <a:bodyPr rtlCol="0" anchor="ctr"/>
+          <a:lstStyle/>
+          <a:p>
+            <a:pPr algn="ctr"/>
+            <a:r>
+              <a:rPr lang="ko-KR" altLang="en-US" dirty="0"/>
+              <a:t>취업률과 </a:t>
+            </a:r>
+            <a:r>
+              <a:rPr lang="ko-KR" altLang="en-US" dirty="0" err="1"/>
+              <a:t>창업률</a:t>
+            </a:r>
+            <a:endParaRPr lang="en-US" altLang="ko-KR" dirty="0"/>
+          </a:p>
+          <a:p>
+            <a:pPr algn="ctr"/>
+            <a:r>
+              <a:rPr lang="ko-KR" altLang="en-US" dirty="0"/>
+              <a:t>관련해 비교</a:t>
+            </a:r>
+          </a:p>
+        </p:txBody>
+      </p:sp>
+      <p:sp>
+        <p:nvSpPr>
+          <p:cNvPr id="19" name="사각형: 둥근 모서리 18">
+            <a:extLst>
+              <a:ext uri="{FF2B5EF4-FFF2-40B4-BE49-F238E27FC236}">
+                <a16:creationId xmlns:a16="http://schemas.microsoft.com/office/drawing/2014/main" id="{4EE55FD7-F094-D3FA-8B42-26AD19D51206}"/>
+              </a:ext>
+            </a:extLst>
+          </p:cNvPr>
+          <p:cNvSpPr/>
+          <p:nvPr/>
+        </p:nvSpPr>
+        <p:spPr>
+          <a:xfrm>
+            <a:off x="8422689" y="1211802"/>
+            <a:ext cx="2246050" cy="1100832"/>
+          </a:xfrm>
+          <a:prstGeom prst="roundRect">
+            <a:avLst/>
+          </a:prstGeom>
+        </p:spPr>
+        <p:style>
+          <a:lnRef idx="2">
+            <a:schemeClr val="accent1">
+              <a:shade val="50000"/>
+            </a:schemeClr>
+          </a:lnRef>
+          <a:fillRef idx="1">
+            <a:schemeClr val="accent1"/>
+          </a:fillRef>
+          <a:effectRef idx="0">
+            <a:schemeClr val="accent1"/>
+          </a:effectRef>
+          <a:fontRef idx="minor">
+            <a:schemeClr val="lt1"/>
+          </a:fontRef>
+        </p:style>
+        <p:txBody>
+          <a:bodyPr rtlCol="0" anchor="ctr"/>
+          <a:lstStyle/>
+          <a:p>
+            <a:pPr algn="ctr"/>
+            <a:r>
+              <a:rPr lang="ko-KR" altLang="en-US" dirty="0"/>
+              <a:t>앞서 나온 결과를</a:t>
+            </a:r>
+            <a:endParaRPr lang="en-US" altLang="ko-KR" dirty="0"/>
+          </a:p>
+          <a:p>
+            <a:pPr algn="ctr"/>
+            <a:r>
+              <a:rPr lang="ko-KR" altLang="en-US" dirty="0"/>
+              <a:t>가지고 미래전망 </a:t>
+            </a:r>
+            <a:endParaRPr lang="en-US" altLang="ko-KR" dirty="0"/>
+          </a:p>
+          <a:p>
+            <a:pPr algn="ctr"/>
+            <a:r>
+              <a:rPr lang="ko-KR" altLang="en-US" dirty="0"/>
+              <a:t>예측해보기</a:t>
+            </a:r>
+          </a:p>
+        </p:txBody>
+      </p:sp>
+      <p:sp>
+        <p:nvSpPr>
+          <p:cNvPr id="20" name="화살표: 오른쪽 19">
+            <a:extLst>
+              <a:ext uri="{FF2B5EF4-FFF2-40B4-BE49-F238E27FC236}">
+                <a16:creationId xmlns:a16="http://schemas.microsoft.com/office/drawing/2014/main" id="{47208267-6387-08C2-BD4F-48BA68FC419F}"/>
+              </a:ext>
+            </a:extLst>
+          </p:cNvPr>
+          <p:cNvSpPr/>
+          <p:nvPr/>
+        </p:nvSpPr>
+        <p:spPr>
+          <a:xfrm>
+            <a:off x="7239369" y="1433744"/>
+            <a:ext cx="843379" cy="683580"/>
+          </a:xfrm>
+          <a:prstGeom prst="rightArrow">
+            <a:avLst/>
+          </a:prstGeom>
+        </p:spPr>
+        <p:style>
+          <a:lnRef idx="2">
+            <a:schemeClr val="accent1">
+              <a:shade val="50000"/>
+            </a:schemeClr>
+          </a:lnRef>
+          <a:fillRef idx="1">
+            <a:schemeClr val="accent1"/>
+          </a:fillRef>
+          <a:effectRef idx="0">
+            <a:schemeClr val="accent1"/>
+          </a:effectRef>
+          <a:fontRef idx="minor">
+            <a:schemeClr val="lt1"/>
+          </a:fontRef>
+        </p:style>
+        <p:txBody>
+          <a:bodyPr rtlCol="0" anchor="ctr"/>
+          <a:lstStyle/>
+          <a:p>
+            <a:pPr algn="ctr"/>
+            <a:endParaRPr lang="ko-KR" altLang="en-US"/>
+          </a:p>
+        </p:txBody>
+      </p:sp>
+      <p:sp>
+        <p:nvSpPr>
+          <p:cNvPr id="21" name="TextBox 20">
+            <a:extLst>
+              <a:ext uri="{FF2B5EF4-FFF2-40B4-BE49-F238E27FC236}">
+                <a16:creationId xmlns:a16="http://schemas.microsoft.com/office/drawing/2014/main" id="{F2836824-2726-7703-8FC8-3E8948FA5A3C}"/>
+              </a:ext>
+            </a:extLst>
+          </p:cNvPr>
+          <p:cNvSpPr txBox="1"/>
+          <p:nvPr/>
+        </p:nvSpPr>
+        <p:spPr>
+          <a:xfrm>
+            <a:off x="710214" y="2937272"/>
+            <a:ext cx="2246050" cy="369332"/>
+          </a:xfrm>
+          <a:prstGeom prst="rect">
+            <a:avLst/>
+          </a:prstGeom>
+          <a:noFill/>
+        </p:spPr>
+        <p:txBody>
+          <a:bodyPr wrap="square" rtlCol="0">
+            <a:spAutoFit/>
+          </a:bodyPr>
+          <a:lstStyle/>
+          <a:p>
+            <a:r>
+              <a:rPr lang="ko-KR" altLang="en-US" dirty="0"/>
+              <a:t>활동 전 결과 예상 </a:t>
+            </a:r>
+          </a:p>
+        </p:txBody>
+      </p:sp>
+      <p:sp>
+        <p:nvSpPr>
+          <p:cNvPr id="23" name="타원 22">
+            <a:extLst>
+              <a:ext uri="{FF2B5EF4-FFF2-40B4-BE49-F238E27FC236}">
+                <a16:creationId xmlns:a16="http://schemas.microsoft.com/office/drawing/2014/main" id="{939997DB-6AC3-C98D-6B54-2B513BC9906E}"/>
+              </a:ext>
+            </a:extLst>
+          </p:cNvPr>
+          <p:cNvSpPr/>
+          <p:nvPr/>
+        </p:nvSpPr>
+        <p:spPr>
+          <a:xfrm>
+            <a:off x="7721352" y="3998877"/>
+            <a:ext cx="2947387" cy="2778711"/>
+          </a:xfrm>
+          <a:prstGeom prst="ellipse">
+            <a:avLst/>
+          </a:prstGeom>
+        </p:spPr>
+        <p:style>
+          <a:lnRef idx="2">
+            <a:schemeClr val="accent1">
+              <a:shade val="50000"/>
+            </a:schemeClr>
+          </a:lnRef>
+          <a:fillRef idx="1">
+            <a:schemeClr val="accent1"/>
+          </a:fillRef>
+          <a:effectRef idx="0">
+            <a:schemeClr val="accent1"/>
+          </a:effectRef>
+          <a:fontRef idx="minor">
+            <a:schemeClr val="lt1"/>
+          </a:fontRef>
+        </p:style>
+        <p:txBody>
+          <a:bodyPr rtlCol="0" anchor="ctr"/>
+          <a:lstStyle/>
+          <a:p>
+            <a:pPr algn="ctr"/>
+            <a:r>
+              <a:rPr lang="ko-KR" altLang="en-US" sz="1800" dirty="0"/>
+              <a:t>인문계열</a:t>
+            </a:r>
+            <a:endParaRPr lang="en-US" altLang="ko-KR" sz="1800" dirty="0"/>
+          </a:p>
+          <a:p>
+            <a:pPr algn="ctr"/>
+            <a:r>
+              <a:rPr lang="ko-KR" altLang="en-US" sz="1800" dirty="0"/>
+              <a:t>교육계열</a:t>
+            </a:r>
+            <a:endParaRPr lang="en-US" altLang="ko-KR" sz="1800" dirty="0"/>
+          </a:p>
+          <a:p>
+            <a:pPr algn="ctr"/>
+            <a:r>
+              <a:rPr lang="ko-KR" altLang="en-US" sz="1800" dirty="0"/>
+              <a:t>자연계열</a:t>
+            </a:r>
+            <a:endParaRPr lang="en-US" altLang="ko-KR" sz="1800" dirty="0"/>
+          </a:p>
+        </p:txBody>
+      </p:sp>
+      <p:sp>
+        <p:nvSpPr>
+          <p:cNvPr id="24" name="타원 23">
+            <a:extLst>
+              <a:ext uri="{FF2B5EF4-FFF2-40B4-BE49-F238E27FC236}">
+                <a16:creationId xmlns:a16="http://schemas.microsoft.com/office/drawing/2014/main" id="{D87EF442-F686-0366-D136-0C7C525F8ACE}"/>
+              </a:ext>
+            </a:extLst>
+          </p:cNvPr>
+          <p:cNvSpPr/>
+          <p:nvPr/>
+        </p:nvSpPr>
+        <p:spPr>
+          <a:xfrm>
+            <a:off x="421684" y="3998875"/>
+            <a:ext cx="2947387" cy="2778711"/>
+          </a:xfrm>
+          <a:prstGeom prst="ellipse">
+            <a:avLst/>
+          </a:prstGeom>
+        </p:spPr>
+        <p:style>
+          <a:lnRef idx="2">
+            <a:schemeClr val="accent1">
+              <a:shade val="50000"/>
+            </a:schemeClr>
+          </a:lnRef>
+          <a:fillRef idx="1">
+            <a:schemeClr val="accent1"/>
+          </a:fillRef>
+          <a:effectRef idx="0">
+            <a:schemeClr val="accent1"/>
+          </a:effectRef>
+          <a:fontRef idx="minor">
+            <a:schemeClr val="lt1"/>
+          </a:fontRef>
+        </p:style>
+        <p:txBody>
+          <a:bodyPr rtlCol="0" anchor="ctr"/>
+          <a:lstStyle/>
+          <a:p>
+            <a:pPr algn="ctr"/>
+            <a:r>
+              <a:rPr lang="ko-KR" altLang="en-US" sz="1800" dirty="0"/>
+              <a:t>공학계열</a:t>
+            </a:r>
+            <a:endParaRPr lang="en-US" altLang="ko-KR" sz="1800" dirty="0"/>
+          </a:p>
+          <a:p>
+            <a:pPr algn="ctr"/>
+            <a:r>
+              <a:rPr lang="ko-KR" altLang="en-US" sz="1800" dirty="0"/>
+              <a:t>의약계열</a:t>
+            </a:r>
+            <a:endParaRPr lang="en-US" altLang="ko-KR" sz="1800" dirty="0"/>
+          </a:p>
+        </p:txBody>
+      </p:sp>
+      <p:sp>
+        <p:nvSpPr>
+          <p:cNvPr id="25" name="타원 24">
+            <a:extLst>
+              <a:ext uri="{FF2B5EF4-FFF2-40B4-BE49-F238E27FC236}">
+                <a16:creationId xmlns:a16="http://schemas.microsoft.com/office/drawing/2014/main" id="{E6DF9946-B36E-09B0-E52A-D36F5FDC649C}"/>
+              </a:ext>
+            </a:extLst>
+          </p:cNvPr>
+          <p:cNvSpPr/>
+          <p:nvPr/>
+        </p:nvSpPr>
+        <p:spPr>
+          <a:xfrm>
+            <a:off x="4071518" y="3998875"/>
+            <a:ext cx="2947387" cy="2778711"/>
+          </a:xfrm>
+          <a:prstGeom prst="ellipse">
+            <a:avLst/>
+          </a:prstGeom>
+        </p:spPr>
+        <p:style>
+          <a:lnRef idx="2">
+            <a:schemeClr val="accent1">
+              <a:shade val="50000"/>
+            </a:schemeClr>
+          </a:lnRef>
+          <a:fillRef idx="1">
+            <a:schemeClr val="accent1"/>
+          </a:fillRef>
+          <a:effectRef idx="0">
+            <a:schemeClr val="accent1"/>
+          </a:effectRef>
+          <a:fontRef idx="minor">
+            <a:schemeClr val="lt1"/>
+          </a:fontRef>
+        </p:style>
+        <p:txBody>
+          <a:bodyPr rtlCol="0" anchor="ctr"/>
+          <a:lstStyle/>
+          <a:p>
+            <a:pPr algn="ctr"/>
+            <a:r>
+              <a:rPr lang="ko-KR" altLang="en-US" sz="1800" dirty="0"/>
+              <a:t>예체능계열</a:t>
+            </a:r>
+            <a:endParaRPr lang="en-US" altLang="ko-KR" sz="1800" dirty="0"/>
+          </a:p>
+          <a:p>
+            <a:pPr algn="ctr"/>
+            <a:r>
+              <a:rPr lang="ko-KR" altLang="en-US" sz="1800" dirty="0"/>
+              <a:t>사회계열</a:t>
+            </a:r>
+            <a:endParaRPr lang="en-US" altLang="ko-KR" sz="1800" dirty="0"/>
+          </a:p>
+        </p:txBody>
+      </p:sp>
+      <p:sp>
+        <p:nvSpPr>
+          <p:cNvPr id="26" name="TextBox 25">
+            <a:extLst>
+              <a:ext uri="{FF2B5EF4-FFF2-40B4-BE49-F238E27FC236}">
+                <a16:creationId xmlns:a16="http://schemas.microsoft.com/office/drawing/2014/main" id="{33DBDC6D-73E8-F52E-12F4-D7FA510B8B42}"/>
+              </a:ext>
+            </a:extLst>
+          </p:cNvPr>
+          <p:cNvSpPr txBox="1"/>
+          <p:nvPr/>
+        </p:nvSpPr>
+        <p:spPr>
+          <a:xfrm>
+            <a:off x="843374" y="3396734"/>
+            <a:ext cx="2104008" cy="369332"/>
+          </a:xfrm>
+          <a:prstGeom prst="rect">
+            <a:avLst/>
+          </a:prstGeom>
+          <a:noFill/>
+        </p:spPr>
+        <p:txBody>
+          <a:bodyPr wrap="square" rtlCol="0">
+            <a:spAutoFit/>
+          </a:bodyPr>
+          <a:lstStyle/>
+          <a:p>
+            <a:pPr algn="ctr"/>
+            <a:r>
+              <a:rPr lang="ko-KR" altLang="en-US" dirty="0"/>
+              <a:t>미래전망 좋음 </a:t>
+            </a:r>
+          </a:p>
+        </p:txBody>
+      </p:sp>
+      <p:sp>
+        <p:nvSpPr>
+          <p:cNvPr id="27" name="TextBox 26">
+            <a:extLst>
+              <a:ext uri="{FF2B5EF4-FFF2-40B4-BE49-F238E27FC236}">
+                <a16:creationId xmlns:a16="http://schemas.microsoft.com/office/drawing/2014/main" id="{39B7A4CD-E4D2-2B79-79B8-18A9B2E826E5}"/>
+              </a:ext>
+            </a:extLst>
+          </p:cNvPr>
+          <p:cNvSpPr txBox="1"/>
+          <p:nvPr/>
+        </p:nvSpPr>
+        <p:spPr>
+          <a:xfrm>
+            <a:off x="4304188" y="3396734"/>
+            <a:ext cx="2246050" cy="369332"/>
+          </a:xfrm>
+          <a:prstGeom prst="rect">
+            <a:avLst/>
+          </a:prstGeom>
+          <a:noFill/>
+        </p:spPr>
+        <p:txBody>
+          <a:bodyPr wrap="square" rtlCol="0">
+            <a:spAutoFit/>
+          </a:bodyPr>
+          <a:lstStyle/>
+          <a:p>
+            <a:pPr algn="ctr"/>
+            <a:r>
+              <a:rPr lang="ko-KR" altLang="en-US" dirty="0"/>
+              <a:t>미래전망 변화 없음 </a:t>
+            </a:r>
+          </a:p>
+        </p:txBody>
+      </p:sp>
+      <p:sp>
+        <p:nvSpPr>
+          <p:cNvPr id="28" name="TextBox 27">
+            <a:extLst>
+              <a:ext uri="{FF2B5EF4-FFF2-40B4-BE49-F238E27FC236}">
+                <a16:creationId xmlns:a16="http://schemas.microsoft.com/office/drawing/2014/main" id="{08C00A3F-3BCC-B7FC-A129-F5F1EAD2014B}"/>
+              </a:ext>
+            </a:extLst>
+          </p:cNvPr>
+          <p:cNvSpPr txBox="1"/>
+          <p:nvPr/>
+        </p:nvSpPr>
+        <p:spPr>
+          <a:xfrm>
+            <a:off x="8049086" y="3396734"/>
+            <a:ext cx="2104008" cy="369332"/>
+          </a:xfrm>
+          <a:prstGeom prst="rect">
+            <a:avLst/>
+          </a:prstGeom>
+          <a:noFill/>
+        </p:spPr>
+        <p:txBody>
+          <a:bodyPr wrap="square" rtlCol="0">
+            <a:spAutoFit/>
+          </a:bodyPr>
+          <a:lstStyle/>
+          <a:p>
+            <a:pPr algn="ctr"/>
+            <a:r>
+              <a:rPr lang="ko-KR" altLang="en-US" dirty="0"/>
+              <a:t>미래전망 나쁨</a:t>
+            </a:r>
+          </a:p>
+        </p:txBody>
+      </p:sp>
     </p:spTree>
     <p:extLst>
       <p:ext uri="{BB962C8B-B14F-4D97-AF65-F5344CB8AC3E}">

--- a/submit.pptx
+++ b/submit.pptx
@@ -9,6 +9,7 @@
     <p:sldId id="259" r:id="rId3"/>
     <p:sldId id="260" r:id="rId4"/>
     <p:sldId id="261" r:id="rId5"/>
+    <p:sldId id="262" r:id="rId6"/>
   </p:sldIdLst>
   <p:sldSz cx="12192000" cy="6858000"/>
   <p:notesSz cx="6858000" cy="9144000"/>
@@ -244,7 +245,7 @@
           <a:p>
             <a:fld id="{48F71B6D-55F6-4550-85C4-E25ACA6B0146}" type="datetimeFigureOut">
               <a:rPr lang="ko-KR" altLang="en-US" smtClean="0"/>
-              <a:t>2023-06-19</a:t>
+              <a:t>2023-06-22</a:t>
             </a:fld>
             <a:endParaRPr lang="ko-KR" altLang="en-US"/>
           </a:p>
@@ -412,7 +413,7 @@
           <a:p>
             <a:fld id="{48F71B6D-55F6-4550-85C4-E25ACA6B0146}" type="datetimeFigureOut">
               <a:rPr lang="ko-KR" altLang="en-US" smtClean="0"/>
-              <a:t>2023-06-19</a:t>
+              <a:t>2023-06-22</a:t>
             </a:fld>
             <a:endParaRPr lang="ko-KR" altLang="en-US"/>
           </a:p>
@@ -590,7 +591,7 @@
           <a:p>
             <a:fld id="{48F71B6D-55F6-4550-85C4-E25ACA6B0146}" type="datetimeFigureOut">
               <a:rPr lang="ko-KR" altLang="en-US" smtClean="0"/>
-              <a:t>2023-06-19</a:t>
+              <a:t>2023-06-22</a:t>
             </a:fld>
             <a:endParaRPr lang="ko-KR" altLang="en-US"/>
           </a:p>
@@ -758,7 +759,7 @@
           <a:p>
             <a:fld id="{48F71B6D-55F6-4550-85C4-E25ACA6B0146}" type="datetimeFigureOut">
               <a:rPr lang="ko-KR" altLang="en-US" smtClean="0"/>
-              <a:t>2023-06-19</a:t>
+              <a:t>2023-06-22</a:t>
             </a:fld>
             <a:endParaRPr lang="ko-KR" altLang="en-US"/>
           </a:p>
@@ -1003,7 +1004,7 @@
           <a:p>
             <a:fld id="{48F71B6D-55F6-4550-85C4-E25ACA6B0146}" type="datetimeFigureOut">
               <a:rPr lang="ko-KR" altLang="en-US" smtClean="0"/>
-              <a:t>2023-06-19</a:t>
+              <a:t>2023-06-22</a:t>
             </a:fld>
             <a:endParaRPr lang="ko-KR" altLang="en-US"/>
           </a:p>
@@ -1232,7 +1233,7 @@
           <a:p>
             <a:fld id="{48F71B6D-55F6-4550-85C4-E25ACA6B0146}" type="datetimeFigureOut">
               <a:rPr lang="ko-KR" altLang="en-US" smtClean="0"/>
-              <a:t>2023-06-19</a:t>
+              <a:t>2023-06-22</a:t>
             </a:fld>
             <a:endParaRPr lang="ko-KR" altLang="en-US"/>
           </a:p>
@@ -1596,7 +1597,7 @@
           <a:p>
             <a:fld id="{48F71B6D-55F6-4550-85C4-E25ACA6B0146}" type="datetimeFigureOut">
               <a:rPr lang="ko-KR" altLang="en-US" smtClean="0"/>
-              <a:t>2023-06-19</a:t>
+              <a:t>2023-06-22</a:t>
             </a:fld>
             <a:endParaRPr lang="ko-KR" altLang="en-US"/>
           </a:p>
@@ -1713,7 +1714,7 @@
           <a:p>
             <a:fld id="{48F71B6D-55F6-4550-85C4-E25ACA6B0146}" type="datetimeFigureOut">
               <a:rPr lang="ko-KR" altLang="en-US" smtClean="0"/>
-              <a:t>2023-06-19</a:t>
+              <a:t>2023-06-22</a:t>
             </a:fld>
             <a:endParaRPr lang="ko-KR" altLang="en-US"/>
           </a:p>
@@ -1808,7 +1809,7 @@
           <a:p>
             <a:fld id="{48F71B6D-55F6-4550-85C4-E25ACA6B0146}" type="datetimeFigureOut">
               <a:rPr lang="ko-KR" altLang="en-US" smtClean="0"/>
-              <a:t>2023-06-19</a:t>
+              <a:t>2023-06-22</a:t>
             </a:fld>
             <a:endParaRPr lang="ko-KR" altLang="en-US"/>
           </a:p>
@@ -2083,7 +2084,7 @@
           <a:p>
             <a:fld id="{48F71B6D-55F6-4550-85C4-E25ACA6B0146}" type="datetimeFigureOut">
               <a:rPr lang="ko-KR" altLang="en-US" smtClean="0"/>
-              <a:t>2023-06-19</a:t>
+              <a:t>2023-06-22</a:t>
             </a:fld>
             <a:endParaRPr lang="ko-KR" altLang="en-US"/>
           </a:p>
@@ -2335,7 +2336,7 @@
           <a:p>
             <a:fld id="{48F71B6D-55F6-4550-85C4-E25ACA6B0146}" type="datetimeFigureOut">
               <a:rPr lang="ko-KR" altLang="en-US" smtClean="0"/>
-              <a:t>2023-06-19</a:t>
+              <a:t>2023-06-22</a:t>
             </a:fld>
             <a:endParaRPr lang="ko-KR" altLang="en-US"/>
           </a:p>
@@ -2546,7 +2547,7 @@
           <a:p>
             <a:fld id="{48F71B6D-55F6-4550-85C4-E25ACA6B0146}" type="datetimeFigureOut">
               <a:rPr lang="ko-KR" altLang="en-US" smtClean="0"/>
-              <a:t>2023-06-19</a:t>
+              <a:t>2023-06-22</a:t>
             </a:fld>
             <a:endParaRPr lang="ko-KR" altLang="en-US"/>
           </a:p>
@@ -4027,7 +4028,7 @@
         </p:nvSpPr>
         <p:spPr>
           <a:xfrm>
-            <a:off x="0" y="152400"/>
+            <a:off x="0" y="-32266"/>
             <a:ext cx="12192000" cy="6858000"/>
           </a:xfrm>
           <a:prstGeom prst="rect">
@@ -4061,7 +4062,7 @@
           <a:lstStyle/>
           <a:p>
             <a:pPr algn="ctr"/>
-            <a:endParaRPr lang="ko-KR" altLang="en-US"/>
+            <a:endParaRPr lang="ko-KR" altLang="en-US" dirty="0"/>
           </a:p>
         </p:txBody>
       </p:sp>
@@ -4401,7 +4402,7 @@
         </p:nvSpPr>
         <p:spPr>
           <a:xfrm>
-            <a:off x="710214" y="2937272"/>
+            <a:off x="701332" y="2910998"/>
             <a:ext cx="2246050" cy="369332"/>
           </a:xfrm>
           <a:prstGeom prst="rect">
@@ -4742,10 +4743,403 @@
           <a:chExt cx="0" cy="0"/>
         </a:xfrm>
       </p:grpSpPr>
+      <p:sp>
+        <p:nvSpPr>
+          <p:cNvPr id="2" name="직사각형 1">
+            <a:extLst>
+              <a:ext uri="{FF2B5EF4-FFF2-40B4-BE49-F238E27FC236}">
+                <a16:creationId xmlns:a16="http://schemas.microsoft.com/office/drawing/2014/main" id="{BF485558-DF35-E8C2-7E88-5F978F2C22D7}"/>
+              </a:ext>
+            </a:extLst>
+          </p:cNvPr>
+          <p:cNvSpPr/>
+          <p:nvPr/>
+        </p:nvSpPr>
+        <p:spPr>
+          <a:xfrm>
+            <a:off x="0" y="0"/>
+            <a:ext cx="12192000" cy="6858000"/>
+          </a:xfrm>
+          <a:prstGeom prst="rect">
+            <a:avLst/>
+          </a:prstGeom>
+          <a:solidFill>
+            <a:srgbClr val="E8F5FC"/>
+          </a:solidFill>
+          <a:ln>
+            <a:noFill/>
+          </a:ln>
+        </p:spPr>
+        <p:style>
+          <a:lnRef idx="2">
+            <a:schemeClr val="accent1">
+              <a:shade val="50000"/>
+            </a:schemeClr>
+          </a:lnRef>
+          <a:fillRef idx="1">
+            <a:schemeClr val="accent1"/>
+          </a:fillRef>
+          <a:effectRef idx="0">
+            <a:schemeClr val="accent1"/>
+          </a:effectRef>
+          <a:fontRef idx="minor">
+            <a:schemeClr val="lt1"/>
+          </a:fontRef>
+        </p:style>
+        <p:txBody>
+          <a:bodyPr rtlCol="0" anchor="ctr"/>
+          <a:lstStyle/>
+          <a:p>
+            <a:pPr algn="ctr"/>
+            <a:endParaRPr lang="ko-KR" altLang="en-US" dirty="0"/>
+          </a:p>
+        </p:txBody>
+      </p:sp>
+      <p:pic>
+        <p:nvPicPr>
+          <p:cNvPr id="4" name="그림 3">
+            <a:extLst>
+              <a:ext uri="{FF2B5EF4-FFF2-40B4-BE49-F238E27FC236}">
+                <a16:creationId xmlns:a16="http://schemas.microsoft.com/office/drawing/2014/main" id="{971B3913-9E0C-673C-2490-A924CB0BC2F5}"/>
+              </a:ext>
+            </a:extLst>
+          </p:cNvPr>
+          <p:cNvPicPr>
+            <a:picLocks noChangeAspect="1"/>
+          </p:cNvPicPr>
+          <p:nvPr/>
+        </p:nvPicPr>
+        <p:blipFill>
+          <a:blip r:embed="rId2"/>
+          <a:stretch>
+            <a:fillRect/>
+          </a:stretch>
+        </p:blipFill>
+        <p:spPr>
+          <a:xfrm>
+            <a:off x="147744" y="284085"/>
+            <a:ext cx="2820179" cy="2281561"/>
+          </a:xfrm>
+          <a:prstGeom prst="rect">
+            <a:avLst/>
+          </a:prstGeom>
+        </p:spPr>
+      </p:pic>
+      <p:pic>
+        <p:nvPicPr>
+          <p:cNvPr id="6" name="그림 5">
+            <a:extLst>
+              <a:ext uri="{FF2B5EF4-FFF2-40B4-BE49-F238E27FC236}">
+                <a16:creationId xmlns:a16="http://schemas.microsoft.com/office/drawing/2014/main" id="{953BDC42-6E52-5405-E154-B28F8140DCD6}"/>
+              </a:ext>
+            </a:extLst>
+          </p:cNvPr>
+          <p:cNvPicPr>
+            <a:picLocks noChangeAspect="1"/>
+          </p:cNvPicPr>
+          <p:nvPr/>
+        </p:nvPicPr>
+        <p:blipFill>
+          <a:blip r:embed="rId3"/>
+          <a:stretch>
+            <a:fillRect/>
+          </a:stretch>
+        </p:blipFill>
+        <p:spPr>
+          <a:xfrm>
+            <a:off x="2967924" y="284085"/>
+            <a:ext cx="2833352" cy="2281561"/>
+          </a:xfrm>
+          <a:prstGeom prst="rect">
+            <a:avLst/>
+          </a:prstGeom>
+        </p:spPr>
+      </p:pic>
+      <p:pic>
+        <p:nvPicPr>
+          <p:cNvPr id="8" name="그림 7">
+            <a:extLst>
+              <a:ext uri="{FF2B5EF4-FFF2-40B4-BE49-F238E27FC236}">
+                <a16:creationId xmlns:a16="http://schemas.microsoft.com/office/drawing/2014/main" id="{AA6A5B24-9241-D6BB-7127-9EB0EC865FBD}"/>
+              </a:ext>
+            </a:extLst>
+          </p:cNvPr>
+          <p:cNvPicPr>
+            <a:picLocks noChangeAspect="1"/>
+          </p:cNvPicPr>
+          <p:nvPr/>
+        </p:nvPicPr>
+        <p:blipFill>
+          <a:blip r:embed="rId4"/>
+          <a:stretch>
+            <a:fillRect/>
+          </a:stretch>
+        </p:blipFill>
+        <p:spPr>
+          <a:xfrm>
+            <a:off x="5755691" y="284085"/>
+            <a:ext cx="2944426" cy="2258822"/>
+          </a:xfrm>
+          <a:prstGeom prst="rect">
+            <a:avLst/>
+          </a:prstGeom>
+        </p:spPr>
+      </p:pic>
+      <p:pic>
+        <p:nvPicPr>
+          <p:cNvPr id="10" name="그림 9">
+            <a:extLst>
+              <a:ext uri="{FF2B5EF4-FFF2-40B4-BE49-F238E27FC236}">
+                <a16:creationId xmlns:a16="http://schemas.microsoft.com/office/drawing/2014/main" id="{135940D2-7E0F-513A-750C-260F3BCDECCA}"/>
+              </a:ext>
+            </a:extLst>
+          </p:cNvPr>
+          <p:cNvPicPr>
+            <a:picLocks noChangeAspect="1"/>
+          </p:cNvPicPr>
+          <p:nvPr/>
+        </p:nvPicPr>
+        <p:blipFill>
+          <a:blip r:embed="rId5"/>
+          <a:stretch>
+            <a:fillRect/>
+          </a:stretch>
+        </p:blipFill>
+        <p:spPr>
+          <a:xfrm>
+            <a:off x="8668846" y="331825"/>
+            <a:ext cx="2820179" cy="2163342"/>
+          </a:xfrm>
+          <a:prstGeom prst="rect">
+            <a:avLst/>
+          </a:prstGeom>
+        </p:spPr>
+      </p:pic>
+      <p:pic>
+        <p:nvPicPr>
+          <p:cNvPr id="12" name="그림 11">
+            <a:extLst>
+              <a:ext uri="{FF2B5EF4-FFF2-40B4-BE49-F238E27FC236}">
+                <a16:creationId xmlns:a16="http://schemas.microsoft.com/office/drawing/2014/main" id="{4837C122-86E5-79FD-EE6F-2417AD4BBB84}"/>
+              </a:ext>
+            </a:extLst>
+          </p:cNvPr>
+          <p:cNvPicPr>
+            <a:picLocks noChangeAspect="1"/>
+          </p:cNvPicPr>
+          <p:nvPr/>
+        </p:nvPicPr>
+        <p:blipFill>
+          <a:blip r:embed="rId6"/>
+          <a:stretch>
+            <a:fillRect/>
+          </a:stretch>
+        </p:blipFill>
+        <p:spPr>
+          <a:xfrm>
+            <a:off x="180157" y="2542907"/>
+            <a:ext cx="2787767" cy="2263519"/>
+          </a:xfrm>
+          <a:prstGeom prst="rect">
+            <a:avLst/>
+          </a:prstGeom>
+        </p:spPr>
+      </p:pic>
+      <p:pic>
+        <p:nvPicPr>
+          <p:cNvPr id="14" name="그림 13">
+            <a:extLst>
+              <a:ext uri="{FF2B5EF4-FFF2-40B4-BE49-F238E27FC236}">
+                <a16:creationId xmlns:a16="http://schemas.microsoft.com/office/drawing/2014/main" id="{36CD617A-9162-3FC7-F9DA-9263E08DA713}"/>
+              </a:ext>
+            </a:extLst>
+          </p:cNvPr>
+          <p:cNvPicPr>
+            <a:picLocks noChangeAspect="1"/>
+          </p:cNvPicPr>
+          <p:nvPr/>
+        </p:nvPicPr>
+        <p:blipFill>
+          <a:blip r:embed="rId7"/>
+          <a:stretch>
+            <a:fillRect/>
+          </a:stretch>
+        </p:blipFill>
+        <p:spPr>
+          <a:xfrm>
+            <a:off x="2966783" y="2529072"/>
+            <a:ext cx="2944426" cy="2313928"/>
+          </a:xfrm>
+          <a:prstGeom prst="rect">
+            <a:avLst/>
+          </a:prstGeom>
+        </p:spPr>
+      </p:pic>
+      <p:pic>
+        <p:nvPicPr>
+          <p:cNvPr id="16" name="그림 15">
+            <a:extLst>
+              <a:ext uri="{FF2B5EF4-FFF2-40B4-BE49-F238E27FC236}">
+                <a16:creationId xmlns:a16="http://schemas.microsoft.com/office/drawing/2014/main" id="{12EAEF58-5040-254C-943E-4A32CF28B745}"/>
+              </a:ext>
+            </a:extLst>
+          </p:cNvPr>
+          <p:cNvPicPr>
+            <a:picLocks noChangeAspect="1"/>
+          </p:cNvPicPr>
+          <p:nvPr/>
+        </p:nvPicPr>
+        <p:blipFill>
+          <a:blip r:embed="rId8"/>
+          <a:stretch>
+            <a:fillRect/>
+          </a:stretch>
+        </p:blipFill>
+        <p:spPr>
+          <a:xfrm>
+            <a:off x="5860491" y="2542907"/>
+            <a:ext cx="2909343" cy="2263519"/>
+          </a:xfrm>
+          <a:prstGeom prst="rect">
+            <a:avLst/>
+          </a:prstGeom>
+        </p:spPr>
+      </p:pic>
+      <p:sp>
+        <p:nvSpPr>
+          <p:cNvPr id="17" name="TextBox 16">
+            <a:extLst>
+              <a:ext uri="{FF2B5EF4-FFF2-40B4-BE49-F238E27FC236}">
+                <a16:creationId xmlns:a16="http://schemas.microsoft.com/office/drawing/2014/main" id="{94810DC0-6629-FD42-24CB-D8D5546E74A6}"/>
+              </a:ext>
+            </a:extLst>
+          </p:cNvPr>
+          <p:cNvSpPr txBox="1"/>
+          <p:nvPr/>
+        </p:nvSpPr>
+        <p:spPr>
+          <a:xfrm>
+            <a:off x="147744" y="5220070"/>
+            <a:ext cx="10502283" cy="923330"/>
+          </a:xfrm>
+          <a:prstGeom prst="rect">
+            <a:avLst/>
+          </a:prstGeom>
+          <a:noFill/>
+        </p:spPr>
+        <p:txBody>
+          <a:bodyPr wrap="square" rtlCol="0">
+            <a:spAutoFit/>
+          </a:bodyPr>
+          <a:lstStyle/>
+          <a:p>
+            <a:r>
+              <a:rPr lang="ko-KR" altLang="en-US" dirty="0"/>
+              <a:t>현재 공학계열과 의학계열의 비중은 꾸준히 증가하고 있다</a:t>
+            </a:r>
+            <a:r>
+              <a:rPr lang="en-US" altLang="ko-KR" dirty="0"/>
+              <a:t>. </a:t>
+            </a:r>
+            <a:r>
+              <a:rPr lang="ko-KR" altLang="en-US" dirty="0"/>
+              <a:t>이에 반해 사회계열은 </a:t>
+            </a:r>
+            <a:r>
+              <a:rPr lang="en-US" altLang="ko-KR" dirty="0"/>
+              <a:t>2016</a:t>
+            </a:r>
+            <a:r>
+              <a:rPr lang="ko-KR" altLang="en-US" dirty="0"/>
+              <a:t>년 가장 많은 인원을 모집했지만 현재는 공학에 밀려 </a:t>
+            </a:r>
+            <a:r>
+              <a:rPr lang="en-US" altLang="ko-KR" dirty="0"/>
+              <a:t>2</a:t>
+            </a:r>
+            <a:r>
+              <a:rPr lang="ko-KR" altLang="en-US" dirty="0"/>
+              <a:t>위로 밀려났다</a:t>
+            </a:r>
+            <a:r>
+              <a:rPr lang="en-US" altLang="ko-KR" dirty="0"/>
+              <a:t>. </a:t>
+            </a:r>
+            <a:r>
+              <a:rPr lang="ko-KR" altLang="en-US" dirty="0"/>
+              <a:t>인문계열 또한 인원이 줄어들었다</a:t>
+            </a:r>
+            <a:r>
+              <a:rPr lang="en-US" altLang="ko-KR" dirty="0"/>
+              <a:t>.</a:t>
+            </a:r>
+          </a:p>
+          <a:p>
+            <a:r>
+              <a:rPr lang="ko-KR" altLang="en-US" dirty="0"/>
+              <a:t>전체적으로 문과계열이 감소하고 있고 예체능</a:t>
+            </a:r>
+            <a:r>
+              <a:rPr lang="en-US" altLang="ko-KR" dirty="0"/>
+              <a:t>, </a:t>
+            </a:r>
+            <a:r>
+              <a:rPr lang="ko-KR" altLang="en-US" dirty="0"/>
+              <a:t>교육</a:t>
+            </a:r>
+            <a:r>
+              <a:rPr lang="en-US" altLang="ko-KR" dirty="0"/>
+              <a:t>, </a:t>
+            </a:r>
+            <a:r>
+              <a:rPr lang="ko-KR" altLang="en-US" dirty="0"/>
+              <a:t>자연계열은 </a:t>
+            </a:r>
+            <a:r>
+              <a:rPr lang="en-US" altLang="ko-KR" dirty="0"/>
+              <a:t>6</a:t>
+            </a:r>
+            <a:r>
+              <a:rPr lang="ko-KR" altLang="en-US" dirty="0"/>
+              <a:t>년째 비슷한 추이를 보이고 있다</a:t>
+            </a:r>
+          </a:p>
+        </p:txBody>
+      </p:sp>
     </p:spTree>
     <p:extLst>
       <p:ext uri="{BB962C8B-B14F-4D97-AF65-F5344CB8AC3E}">
         <p14:creationId xmlns:p14="http://schemas.microsoft.com/office/powerpoint/2010/main" val="2861838382"/>
+      </p:ext>
+    </p:extLst>
+  </p:cSld>
+  <p:clrMapOvr>
+    <a:masterClrMapping/>
+  </p:clrMapOvr>
+</p:sld>
+</file>
+
+<file path=ppt/slides/slide5.xml><?xml version="1.0" encoding="utf-8"?>
+<p:sld xmlns:a="http://schemas.openxmlformats.org/drawingml/2006/main" xmlns:r="http://schemas.openxmlformats.org/officeDocument/2006/relationships" xmlns:p="http://schemas.openxmlformats.org/presentationml/2006/main">
+  <p:cSld>
+    <p:spTree>
+      <p:nvGrpSpPr>
+        <p:cNvPr id="1" name=""/>
+        <p:cNvGrpSpPr/>
+        <p:nvPr/>
+      </p:nvGrpSpPr>
+      <p:grpSpPr>
+        <a:xfrm>
+          <a:off x="0" y="0"/>
+          <a:ext cx="0" cy="0"/>
+          <a:chOff x="0" y="0"/>
+          <a:chExt cx="0" cy="0"/>
+        </a:xfrm>
+      </p:grpSpPr>
+    </p:spTree>
+    <p:extLst>
+      <p:ext uri="{BB962C8B-B14F-4D97-AF65-F5344CB8AC3E}">
+        <p14:creationId xmlns:p14="http://schemas.microsoft.com/office/powerpoint/2010/main" val="1025409300"/>
       </p:ext>
     </p:extLst>
   </p:cSld>

--- a/submit.pptx
+++ b/submit.pptx
@@ -10,6 +10,8 @@
     <p:sldId id="260" r:id="rId4"/>
     <p:sldId id="261" r:id="rId5"/>
     <p:sldId id="262" r:id="rId6"/>
+    <p:sldId id="263" r:id="rId7"/>
+    <p:sldId id="265" r:id="rId8"/>
   </p:sldIdLst>
   <p:sldSz cx="12192000" cy="6858000"/>
   <p:notesSz cx="6858000" cy="9144000"/>
@@ -110,7 +112,7 @@
   </p:defaultTextStyle>
   <p:extLst>
     <p:ext uri="{EFAFB233-063F-42B5-8137-9DF3F51BA10A}">
-      <p15:sldGuideLst xmlns:p15="http://schemas.microsoft.com/office/powerpoint/2012/main"/>
+      <p15:sldGuideLst xmlns:p15="http://schemas.microsoft.com/office/powerpoint/2012/main" xmlns=""/>
     </p:ext>
   </p:extLst>
 </p:presentation>
@@ -245,7 +247,7 @@
           <a:p>
             <a:fld id="{48F71B6D-55F6-4550-85C4-E25ACA6B0146}" type="datetimeFigureOut">
               <a:rPr lang="ko-KR" altLang="en-US" smtClean="0"/>
-              <a:t>2023-06-22</a:t>
+              <a:t>2023-06-25</a:t>
             </a:fld>
             <a:endParaRPr lang="ko-KR" altLang="en-US"/>
           </a:p>
@@ -413,7 +415,7 @@
           <a:p>
             <a:fld id="{48F71B6D-55F6-4550-85C4-E25ACA6B0146}" type="datetimeFigureOut">
               <a:rPr lang="ko-KR" altLang="en-US" smtClean="0"/>
-              <a:t>2023-06-22</a:t>
+              <a:t>2023-06-25</a:t>
             </a:fld>
             <a:endParaRPr lang="ko-KR" altLang="en-US"/>
           </a:p>
@@ -591,7 +593,7 @@
           <a:p>
             <a:fld id="{48F71B6D-55F6-4550-85C4-E25ACA6B0146}" type="datetimeFigureOut">
               <a:rPr lang="ko-KR" altLang="en-US" smtClean="0"/>
-              <a:t>2023-06-22</a:t>
+              <a:t>2023-06-25</a:t>
             </a:fld>
             <a:endParaRPr lang="ko-KR" altLang="en-US"/>
           </a:p>
@@ -759,7 +761,7 @@
           <a:p>
             <a:fld id="{48F71B6D-55F6-4550-85C4-E25ACA6B0146}" type="datetimeFigureOut">
               <a:rPr lang="ko-KR" altLang="en-US" smtClean="0"/>
-              <a:t>2023-06-22</a:t>
+              <a:t>2023-06-25</a:t>
             </a:fld>
             <a:endParaRPr lang="ko-KR" altLang="en-US"/>
           </a:p>
@@ -1004,7 +1006,7 @@
           <a:p>
             <a:fld id="{48F71B6D-55F6-4550-85C4-E25ACA6B0146}" type="datetimeFigureOut">
               <a:rPr lang="ko-KR" altLang="en-US" smtClean="0"/>
-              <a:t>2023-06-22</a:t>
+              <a:t>2023-06-25</a:t>
             </a:fld>
             <a:endParaRPr lang="ko-KR" altLang="en-US"/>
           </a:p>
@@ -1233,7 +1235,7 @@
           <a:p>
             <a:fld id="{48F71B6D-55F6-4550-85C4-E25ACA6B0146}" type="datetimeFigureOut">
               <a:rPr lang="ko-KR" altLang="en-US" smtClean="0"/>
-              <a:t>2023-06-22</a:t>
+              <a:t>2023-06-25</a:t>
             </a:fld>
             <a:endParaRPr lang="ko-KR" altLang="en-US"/>
           </a:p>
@@ -1597,7 +1599,7 @@
           <a:p>
             <a:fld id="{48F71B6D-55F6-4550-85C4-E25ACA6B0146}" type="datetimeFigureOut">
               <a:rPr lang="ko-KR" altLang="en-US" smtClean="0"/>
-              <a:t>2023-06-22</a:t>
+              <a:t>2023-06-25</a:t>
             </a:fld>
             <a:endParaRPr lang="ko-KR" altLang="en-US"/>
           </a:p>
@@ -1714,7 +1716,7 @@
           <a:p>
             <a:fld id="{48F71B6D-55F6-4550-85C4-E25ACA6B0146}" type="datetimeFigureOut">
               <a:rPr lang="ko-KR" altLang="en-US" smtClean="0"/>
-              <a:t>2023-06-22</a:t>
+              <a:t>2023-06-25</a:t>
             </a:fld>
             <a:endParaRPr lang="ko-KR" altLang="en-US"/>
           </a:p>
@@ -1809,7 +1811,7 @@
           <a:p>
             <a:fld id="{48F71B6D-55F6-4550-85C4-E25ACA6B0146}" type="datetimeFigureOut">
               <a:rPr lang="ko-KR" altLang="en-US" smtClean="0"/>
-              <a:t>2023-06-22</a:t>
+              <a:t>2023-06-25</a:t>
             </a:fld>
             <a:endParaRPr lang="ko-KR" altLang="en-US"/>
           </a:p>
@@ -2084,7 +2086,7 @@
           <a:p>
             <a:fld id="{48F71B6D-55F6-4550-85C4-E25ACA6B0146}" type="datetimeFigureOut">
               <a:rPr lang="ko-KR" altLang="en-US" smtClean="0"/>
-              <a:t>2023-06-22</a:t>
+              <a:t>2023-06-25</a:t>
             </a:fld>
             <a:endParaRPr lang="ko-KR" altLang="en-US"/>
           </a:p>
@@ -2336,7 +2338,7 @@
           <a:p>
             <a:fld id="{48F71B6D-55F6-4550-85C4-E25ACA6B0146}" type="datetimeFigureOut">
               <a:rPr lang="ko-KR" altLang="en-US" smtClean="0"/>
-              <a:t>2023-06-22</a:t>
+              <a:t>2023-06-25</a:t>
             </a:fld>
             <a:endParaRPr lang="ko-KR" altLang="en-US"/>
           </a:p>
@@ -2547,7 +2549,7 @@
           <a:p>
             <a:fld id="{48F71B6D-55F6-4550-85C4-E25ACA6B0146}" type="datetimeFigureOut">
               <a:rPr lang="ko-KR" altLang="en-US" smtClean="0"/>
-              <a:t>2023-06-22</a:t>
+              <a:t>2023-06-25</a:t>
             </a:fld>
             <a:endParaRPr lang="ko-KR" altLang="en-US"/>
           </a:p>
@@ -2967,7 +2969,7 @@
             <a:avLst/>
           </a:prstGeom>
           <a:solidFill>
-            <a:srgbClr val="1FA1E4"/>
+            <a:srgbClr val="0275D8"/>
           </a:solidFill>
         </p:spPr>
         <p:style>
@@ -3008,6 +3010,9 @@
             <a:chOff x="0" y="0"/>
             <a:chExt cx="6272214" cy="3353428"/>
           </a:xfrm>
+          <a:solidFill>
+            <a:schemeClr val="bg1"/>
+          </a:solidFill>
         </p:grpSpPr>
         <p:sp>
           <p:nvSpPr>
@@ -3063,11 +3068,7 @@
                 </a:path>
               </a:pathLst>
             </a:custGeom>
-            <a:solidFill>
-              <a:srgbClr val="FFFFFF">
-                <a:alpha val="19608"/>
-              </a:srgbClr>
-            </a:solidFill>
+            <a:grpFill/>
           </p:spPr>
         </p:sp>
       </p:grpSp>
@@ -3134,7 +3135,7 @@
         </p:nvSpPr>
         <p:spPr>
           <a:xfrm>
-            <a:off x="6774543" y="2291443"/>
+            <a:off x="6774543" y="2022022"/>
             <a:ext cx="4820220" cy="4056318"/>
           </a:xfrm>
           <a:custGeom>
@@ -3175,7 +3176,7 @@
               </a:duotone>
               <a:extLst>
                 <a:ext uri="{96DAC541-7B7A-43D3-8B79-37D633B846F1}">
-                  <asvg:svgBlip xmlns:asvg="http://schemas.microsoft.com/office/drawing/2016/SVG/main" r:embed="rId3"/>
+                  <asvg:svgBlip xmlns:asvg="http://schemas.microsoft.com/office/drawing/2016/SVG/main" xmlns="" r:embed="rId3"/>
                 </a:ext>
               </a:extLst>
             </a:blip>
@@ -3190,7 +3191,7 @@
           <p:cNvPr id="2" name="TextBox 1">
             <a:extLst>
               <a:ext uri="{FF2B5EF4-FFF2-40B4-BE49-F238E27FC236}">
-                <a16:creationId xmlns:a16="http://schemas.microsoft.com/office/drawing/2014/main" id="{F3F8C181-8DD1-5FD5-4BF7-E2B426CC6C17}"/>
+                <a16:creationId xmlns:a16="http://schemas.microsoft.com/office/drawing/2014/main" xmlns="" id="{F3F8C181-8DD1-5FD5-4BF7-E2B426CC6C17}"/>
               </a:ext>
             </a:extLst>
           </p:cNvPr>
@@ -3277,21 +3278,30 @@
       </p:grpSpPr>
       <p:sp>
         <p:nvSpPr>
-          <p:cNvPr id="4" name="직사각형 3"/>
+          <p:cNvPr id="42" name="직사각형 41"/>
           <p:cNvSpPr/>
           <p:nvPr/>
         </p:nvSpPr>
         <p:spPr>
           <a:xfrm>
-            <a:off x="0" y="0"/>
-            <a:ext cx="12192000" cy="6211669"/>
-          </a:xfrm>
-          <a:prstGeom prst="rect">
-            <a:avLst/>
-          </a:prstGeom>
-          <a:solidFill>
-            <a:srgbClr val="E8F5FC"/>
-          </a:solidFill>
+            <a:off x="0" y="6400800"/>
+            <a:ext cx="12192000" cy="464223"/>
+          </a:xfrm>
+          <a:prstGeom prst="rect">
+            <a:avLst/>
+          </a:prstGeom>
+          <a:gradFill flip="none" rotWithShape="1">
+            <a:gsLst>
+              <a:gs pos="58000">
+                <a:srgbClr val="0275D8"/>
+              </a:gs>
+              <a:gs pos="100000">
+                <a:srgbClr val="59B3FD"/>
+              </a:gs>
+            </a:gsLst>
+            <a:lin ang="0" scaled="1"/>
+            <a:tileRect/>
+          </a:gradFill>
           <a:ln>
             <a:noFill/>
           </a:ln>
@@ -3323,14 +3333,14 @@
       </p:sp>
       <p:sp>
         <p:nvSpPr>
-          <p:cNvPr id="6" name="TextBox 5"/>
+          <p:cNvPr id="21" name="TextBox 20"/>
           <p:cNvSpPr txBox="1"/>
           <p:nvPr/>
         </p:nvSpPr>
         <p:spPr>
           <a:xfrm>
-            <a:off x="726404" y="609087"/>
-            <a:ext cx="2844795" cy="2616101"/>
+            <a:off x="726404" y="1336185"/>
+            <a:ext cx="2844795" cy="2092881"/>
           </a:xfrm>
           <a:prstGeom prst="rect">
             <a:avLst/>
@@ -3343,51 +3353,51 @@
           </a:bodyPr>
           <a:lstStyle/>
           <a:p>
-            <a:endParaRPr lang="en-US" altLang="ko-KR" sz="1200" dirty="0"/>
-          </a:p>
-          <a:p>
-            <a:r>
-              <a:rPr lang="en-US" altLang="ko-KR" sz="1600" dirty="0"/>
+            <a:endParaRPr lang="en-US" altLang="ko-KR" sz="1100" dirty="0"/>
+          </a:p>
+          <a:p>
+            <a:r>
+              <a:rPr lang="en-US" altLang="ko-KR" sz="1400" dirty="0"/>
               <a:t>2023</a:t>
             </a:r>
             <a:r>
-              <a:rPr lang="ko-KR" altLang="en-US" sz="1600" dirty="0"/>
+              <a:rPr lang="ko-KR" altLang="en-US" sz="1400" dirty="0"/>
               <a:t>년 현재 다양한 학과의 통폐합이 진행되고 있다</a:t>
             </a:r>
             <a:r>
-              <a:rPr lang="en-US" altLang="ko-KR" sz="1600" dirty="0"/>
+              <a:rPr lang="en-US" altLang="ko-KR" sz="1400" dirty="0"/>
               <a:t>.</a:t>
             </a:r>
           </a:p>
           <a:p>
             <a:r>
-              <a:rPr lang="ko-KR" altLang="en-US" sz="1600" dirty="0"/>
+              <a:rPr lang="ko-KR" altLang="en-US" sz="1400" dirty="0"/>
               <a:t>내가 가고 싶은 학과는 무사할지 궁금하고 그 학과의 미래 상황은 어떨지 궁금해서 직접 데이터를 분석하여 계열별로 어떤 추이를 보이고 있는지 분석했다</a:t>
             </a:r>
             <a:r>
-              <a:rPr lang="en-US" altLang="ko-KR" sz="1600" dirty="0"/>
+              <a:rPr lang="en-US" altLang="ko-KR" sz="1400" dirty="0"/>
               <a:t>. </a:t>
             </a:r>
             <a:r>
-              <a:rPr lang="en-US" altLang="ko-KR" sz="1200" dirty="0"/>
+              <a:rPr lang="en-US" altLang="ko-KR" sz="1100" dirty="0"/>
               <a:t>		</a:t>
             </a:r>
           </a:p>
           <a:p>
-            <a:endParaRPr lang="ko-KR" altLang="en-US" sz="1200" dirty="0"/>
-          </a:p>
-        </p:txBody>
-      </p:sp>
-      <p:sp>
-        <p:nvSpPr>
-          <p:cNvPr id="7" name="TextBox 6"/>
+            <a:endParaRPr lang="ko-KR" altLang="en-US" sz="1100" dirty="0"/>
+          </a:p>
+        </p:txBody>
+      </p:sp>
+      <p:sp>
+        <p:nvSpPr>
+          <p:cNvPr id="22" name="TextBox 21"/>
           <p:cNvSpPr txBox="1"/>
           <p:nvPr/>
         </p:nvSpPr>
         <p:spPr>
           <a:xfrm>
-            <a:off x="4019999" y="646331"/>
-            <a:ext cx="2797547" cy="1446550"/>
+            <a:off x="4591499" y="1336185"/>
+            <a:ext cx="2466525" cy="1292662"/>
           </a:xfrm>
           <a:prstGeom prst="rect">
             <a:avLst/>
@@ -3400,26 +3410,259 @@
           </a:bodyPr>
           <a:lstStyle/>
           <a:p>
-            <a:endParaRPr lang="en-US" altLang="ko-KR" sz="1200" b="1" dirty="0"/>
-          </a:p>
-          <a:p>
-            <a:r>
-              <a:rPr lang="ko-KR" altLang="en-US" sz="1600" dirty="0"/>
+            <a:endParaRPr lang="en-US" altLang="ko-KR" sz="1100" b="1" dirty="0"/>
+          </a:p>
+          <a:p>
+            <a:r>
+              <a:rPr lang="ko-KR" altLang="en-US" sz="1400" dirty="0"/>
               <a:t>계열별로 분류하여 비교하면서 계열의 현 상황을 분석해보고 이를 바탕으로 계열별 미래 상황을 예측해 본다</a:t>
             </a:r>
             <a:r>
-              <a:rPr lang="en-US" altLang="ko-KR" sz="1600" dirty="0"/>
+              <a:rPr lang="en-US" altLang="ko-KR" sz="1400" dirty="0"/>
               <a:t>.</a:t>
             </a:r>
           </a:p>
           <a:p>
+            <a:endParaRPr lang="en-US" altLang="ko-KR" sz="1100" dirty="0"/>
+          </a:p>
+        </p:txBody>
+      </p:sp>
+      <p:sp>
+        <p:nvSpPr>
+          <p:cNvPr id="23" name="TextBox 22"/>
+          <p:cNvSpPr txBox="1"/>
+          <p:nvPr/>
+        </p:nvSpPr>
+        <p:spPr>
+          <a:xfrm>
+            <a:off x="8327267" y="1336185"/>
+            <a:ext cx="3655302" cy="1754326"/>
+          </a:xfrm>
+          <a:prstGeom prst="rect">
+            <a:avLst/>
+          </a:prstGeom>
+          <a:noFill/>
+        </p:spPr>
+        <p:txBody>
+          <a:bodyPr wrap="square" rtlCol="0">
+            <a:spAutoFit/>
+          </a:bodyPr>
+          <a:lstStyle/>
+          <a:p>
+            <a:r>
+              <a:rPr lang="ko-KR" altLang="en-US" sz="1200" smtClean="0"/>
+              <a:t>계열은 </a:t>
+            </a:r>
+            <a:r>
+              <a:rPr lang="en-US" altLang="ko-KR" sz="1200" dirty="0"/>
+              <a:t>7</a:t>
+            </a:r>
+            <a:r>
+              <a:rPr lang="ko-KR" altLang="en-US" sz="1200" dirty="0"/>
+              <a:t>개로 분류한다</a:t>
+            </a:r>
+            <a:r>
+              <a:rPr lang="en-US" altLang="ko-KR" sz="1200" dirty="0"/>
+              <a:t>.</a:t>
+            </a:r>
+          </a:p>
+          <a:p>
             <a:endParaRPr lang="en-US" altLang="ko-KR" sz="1200" dirty="0"/>
+          </a:p>
+          <a:p>
+            <a:pPr marL="228600" indent="-228600">
+              <a:buAutoNum type="arabicPeriod"/>
+            </a:pPr>
+            <a:r>
+              <a:rPr lang="ko-KR" altLang="en-US" sz="1200" dirty="0"/>
+              <a:t>공학계열</a:t>
+            </a:r>
+            <a:endParaRPr lang="en-US" altLang="ko-KR" sz="1200" dirty="0"/>
+          </a:p>
+          <a:p>
+            <a:pPr marL="228600" indent="-228600">
+              <a:buAutoNum type="arabicPeriod"/>
+            </a:pPr>
+            <a:r>
+              <a:rPr lang="ko-KR" altLang="en-US" sz="1200" dirty="0"/>
+              <a:t>인문계열</a:t>
+            </a:r>
+            <a:endParaRPr lang="en-US" altLang="ko-KR" sz="1200" dirty="0"/>
+          </a:p>
+          <a:p>
+            <a:pPr marL="228600" indent="-228600">
+              <a:buAutoNum type="arabicPeriod"/>
+            </a:pPr>
+            <a:r>
+              <a:rPr lang="ko-KR" altLang="en-US" sz="1200" dirty="0"/>
+              <a:t>예체능계열</a:t>
+            </a:r>
+            <a:endParaRPr lang="en-US" altLang="ko-KR" sz="1200" dirty="0"/>
+          </a:p>
+          <a:p>
+            <a:pPr marL="228600" indent="-228600">
+              <a:buAutoNum type="arabicPeriod"/>
+            </a:pPr>
+            <a:r>
+              <a:rPr lang="ko-KR" altLang="en-US" sz="1200" dirty="0"/>
+              <a:t>사회계열</a:t>
+            </a:r>
+            <a:endParaRPr lang="en-US" altLang="ko-KR" sz="1200" dirty="0"/>
+          </a:p>
+          <a:p>
+            <a:pPr marL="228600" indent="-228600">
+              <a:buAutoNum type="arabicPeriod"/>
+            </a:pPr>
+            <a:r>
+              <a:rPr lang="ko-KR" altLang="en-US" sz="1200" dirty="0" err="1"/>
+              <a:t>의약계열</a:t>
+            </a:r>
+            <a:endParaRPr lang="en-US" altLang="ko-KR" sz="1200" dirty="0"/>
+          </a:p>
+          <a:p>
+            <a:pPr marL="228600" indent="-228600">
+              <a:buAutoNum type="arabicPeriod"/>
+            </a:pPr>
+            <a:r>
+              <a:rPr lang="ko-KR" altLang="en-US" sz="1200" dirty="0"/>
+              <a:t>교육계열</a:t>
+            </a:r>
+            <a:endParaRPr lang="en-US" altLang="ko-KR" sz="1200" dirty="0"/>
+          </a:p>
+          <a:p>
+            <a:pPr marL="228600" indent="-228600">
+              <a:buAutoNum type="arabicPeriod"/>
+            </a:pPr>
+            <a:r>
+              <a:rPr lang="ko-KR" altLang="en-US" sz="1200" dirty="0"/>
+              <a:t>자연계열</a:t>
+            </a:r>
+            <a:endParaRPr lang="en-US" altLang="ko-KR" sz="1200" dirty="0"/>
+          </a:p>
+        </p:txBody>
+      </p:sp>
+      <p:sp>
+        <p:nvSpPr>
+          <p:cNvPr id="24" name="직사각형 23"/>
+          <p:cNvSpPr/>
+          <p:nvPr/>
+        </p:nvSpPr>
+        <p:spPr>
+          <a:xfrm>
+            <a:off x="726404" y="879782"/>
+            <a:ext cx="861133" cy="400110"/>
+          </a:xfrm>
+          <a:prstGeom prst="rect">
+            <a:avLst/>
+          </a:prstGeom>
+        </p:spPr>
+        <p:txBody>
+          <a:bodyPr wrap="none">
+            <a:spAutoFit/>
+          </a:bodyPr>
+          <a:lstStyle/>
+          <a:p>
+            <a:r>
+              <a:rPr lang="ko-KR" altLang="en-US" sz="2000" b="1" dirty="0">
+                <a:solidFill>
+                  <a:srgbClr val="0275D8"/>
+                </a:solidFill>
+              </a:rPr>
+              <a:t>동기</a:t>
+            </a:r>
+            <a:r>
+              <a:rPr lang="ko-KR" altLang="en-US" sz="1600" dirty="0">
+                <a:solidFill>
+                  <a:srgbClr val="0275D8"/>
+                </a:solidFill>
+              </a:rPr>
+              <a:t>  </a:t>
+            </a:r>
+            <a:endParaRPr lang="en-US" altLang="ko-KR" sz="1600" dirty="0">
+              <a:solidFill>
+                <a:srgbClr val="0275D8"/>
+              </a:solidFill>
+            </a:endParaRPr>
+          </a:p>
+        </p:txBody>
+      </p:sp>
+      <p:sp>
+        <p:nvSpPr>
+          <p:cNvPr id="25" name="직사각형 24"/>
+          <p:cNvSpPr/>
+          <p:nvPr/>
+        </p:nvSpPr>
+        <p:spPr>
+          <a:xfrm>
+            <a:off x="4574952" y="879782"/>
+            <a:ext cx="697627" cy="400110"/>
+          </a:xfrm>
+          <a:prstGeom prst="rect">
+            <a:avLst/>
+          </a:prstGeom>
+        </p:spPr>
+        <p:txBody>
+          <a:bodyPr wrap="none">
+            <a:spAutoFit/>
+          </a:bodyPr>
+          <a:lstStyle/>
+          <a:p>
+            <a:r>
+              <a:rPr lang="ko-KR" altLang="en-US" sz="2000" b="1" dirty="0">
+                <a:solidFill>
+                  <a:srgbClr val="0275D8"/>
+                </a:solidFill>
+              </a:rPr>
+              <a:t>목적</a:t>
+            </a:r>
+            <a:endParaRPr lang="en-US" altLang="ko-KR" sz="2000" b="1" dirty="0">
+              <a:solidFill>
+                <a:srgbClr val="0275D8"/>
+              </a:solidFill>
+            </a:endParaRPr>
+          </a:p>
+        </p:txBody>
+      </p:sp>
+      <p:sp>
+        <p:nvSpPr>
+          <p:cNvPr id="26" name="직사각형 25"/>
+          <p:cNvSpPr/>
+          <p:nvPr/>
+        </p:nvSpPr>
+        <p:spPr>
+          <a:xfrm>
+            <a:off x="8179249" y="874520"/>
+            <a:ext cx="697627" cy="400110"/>
+          </a:xfrm>
+          <a:prstGeom prst="rect">
+            <a:avLst/>
+          </a:prstGeom>
+        </p:spPr>
+        <p:txBody>
+          <a:bodyPr wrap="none">
+            <a:spAutoFit/>
+          </a:bodyPr>
+          <a:lstStyle/>
+          <a:p>
+            <a:r>
+              <a:rPr lang="ko-KR" altLang="en-US" sz="2000" b="1" dirty="0">
+                <a:solidFill>
+                  <a:srgbClr val="0275D8"/>
+                </a:solidFill>
+              </a:rPr>
+              <a:t>분류</a:t>
+            </a:r>
+            <a:endParaRPr lang="en-US" altLang="ko-KR" sz="2000" b="1" dirty="0">
+              <a:solidFill>
+                <a:srgbClr val="0275D8"/>
+              </a:solidFill>
+            </a:endParaRPr>
           </a:p>
         </p:txBody>
       </p:sp>
       <p:pic>
         <p:nvPicPr>
-          <p:cNvPr id="8" name="그림 7"/>
+          <p:cNvPr id="29" name="그림 28"/>
           <p:cNvPicPr>
             <a:picLocks noChangeAspect="1"/>
           </p:cNvPicPr>
@@ -3433,7 +3676,7 @@
         </p:blipFill>
         <p:spPr>
           <a:xfrm>
-            <a:off x="555812" y="3656587"/>
+            <a:off x="619125" y="4033027"/>
             <a:ext cx="5915851" cy="962159"/>
           </a:xfrm>
           <a:prstGeom prst="rect">
@@ -3450,7 +3693,7 @@
       </p:pic>
       <p:pic>
         <p:nvPicPr>
-          <p:cNvPr id="9" name="그림 8"/>
+          <p:cNvPr id="30" name="그림 29"/>
           <p:cNvPicPr>
             <a:picLocks noChangeAspect="1"/>
           </p:cNvPicPr>
@@ -3464,8 +3707,8 @@
         </p:blipFill>
         <p:spPr>
           <a:xfrm>
-            <a:off x="1109449" y="4797770"/>
-            <a:ext cx="5925377" cy="952633"/>
+            <a:off x="619125" y="5215044"/>
+            <a:ext cx="5915851" cy="952633"/>
           </a:xfrm>
           <a:prstGeom prst="rect">
             <a:avLst/>
@@ -3481,14 +3724,191 @@
       </p:pic>
       <p:sp>
         <p:nvSpPr>
-          <p:cNvPr id="10" name="TextBox 9"/>
+          <p:cNvPr id="31" name="직사각형 30"/>
+          <p:cNvSpPr/>
+          <p:nvPr/>
+        </p:nvSpPr>
+        <p:spPr>
+          <a:xfrm>
+            <a:off x="619125" y="3443837"/>
+            <a:ext cx="1300356" cy="400110"/>
+          </a:xfrm>
+          <a:prstGeom prst="rect">
+            <a:avLst/>
+          </a:prstGeom>
+        </p:spPr>
+        <p:txBody>
+          <a:bodyPr wrap="none">
+            <a:spAutoFit/>
+          </a:bodyPr>
+          <a:lstStyle/>
+          <a:p>
+            <a:r>
+              <a:rPr lang="ko-KR" altLang="en-US" sz="2000" b="1" smtClean="0">
+                <a:solidFill>
+                  <a:srgbClr val="0275D8"/>
+                </a:solidFill>
+              </a:rPr>
+              <a:t>관련 기사</a:t>
+            </a:r>
+            <a:endParaRPr lang="en-US" altLang="ko-KR" sz="2000" b="1" dirty="0">
+              <a:solidFill>
+                <a:srgbClr val="0275D8"/>
+              </a:solidFill>
+            </a:endParaRPr>
+          </a:p>
+        </p:txBody>
+      </p:sp>
+      <p:cxnSp>
+        <p:nvCxnSpPr>
+          <p:cNvPr id="36" name="직선 연결선 35"/>
+          <p:cNvCxnSpPr/>
+          <p:nvPr/>
+        </p:nvCxnSpPr>
+        <p:spPr>
+          <a:xfrm>
+            <a:off x="742950" y="1341447"/>
+            <a:ext cx="2667000" cy="0"/>
+          </a:xfrm>
+          <a:prstGeom prst="line">
+            <a:avLst/>
+          </a:prstGeom>
+          <a:ln w="19050">
+            <a:solidFill>
+              <a:srgbClr val="0275D8"/>
+            </a:solidFill>
+          </a:ln>
+        </p:spPr>
+        <p:style>
+          <a:lnRef idx="1">
+            <a:schemeClr val="accent1"/>
+          </a:lnRef>
+          <a:fillRef idx="0">
+            <a:schemeClr val="accent1"/>
+          </a:fillRef>
+          <a:effectRef idx="0">
+            <a:schemeClr val="accent1"/>
+          </a:effectRef>
+          <a:fontRef idx="minor">
+            <a:schemeClr val="tx1"/>
+          </a:fontRef>
+        </p:style>
+      </p:cxnSp>
+      <p:cxnSp>
+        <p:nvCxnSpPr>
+          <p:cNvPr id="37" name="직선 연결선 36"/>
+          <p:cNvCxnSpPr/>
+          <p:nvPr/>
+        </p:nvCxnSpPr>
+        <p:spPr>
+          <a:xfrm>
+            <a:off x="4591499" y="1341447"/>
+            <a:ext cx="2667000" cy="0"/>
+          </a:xfrm>
+          <a:prstGeom prst="line">
+            <a:avLst/>
+          </a:prstGeom>
+          <a:ln w="19050">
+            <a:solidFill>
+              <a:srgbClr val="0275D8"/>
+            </a:solidFill>
+          </a:ln>
+        </p:spPr>
+        <p:style>
+          <a:lnRef idx="1">
+            <a:schemeClr val="accent1"/>
+          </a:lnRef>
+          <a:fillRef idx="0">
+            <a:schemeClr val="accent1"/>
+          </a:fillRef>
+          <a:effectRef idx="0">
+            <a:schemeClr val="accent1"/>
+          </a:effectRef>
+          <a:fontRef idx="minor">
+            <a:schemeClr val="tx1"/>
+          </a:fontRef>
+        </p:style>
+      </p:cxnSp>
+      <p:cxnSp>
+        <p:nvCxnSpPr>
+          <p:cNvPr id="38" name="직선 연결선 37"/>
+          <p:cNvCxnSpPr/>
+          <p:nvPr/>
+        </p:nvCxnSpPr>
+        <p:spPr>
+          <a:xfrm>
+            <a:off x="8179249" y="1341447"/>
+            <a:ext cx="3638940" cy="0"/>
+          </a:xfrm>
+          <a:prstGeom prst="line">
+            <a:avLst/>
+          </a:prstGeom>
+          <a:ln w="19050">
+            <a:solidFill>
+              <a:srgbClr val="0275D8"/>
+            </a:solidFill>
+          </a:ln>
+        </p:spPr>
+        <p:style>
+          <a:lnRef idx="1">
+            <a:schemeClr val="accent1"/>
+          </a:lnRef>
+          <a:fillRef idx="0">
+            <a:schemeClr val="accent1"/>
+          </a:fillRef>
+          <a:effectRef idx="0">
+            <a:schemeClr val="accent1"/>
+          </a:effectRef>
+          <a:fontRef idx="minor">
+            <a:schemeClr val="tx1"/>
+          </a:fontRef>
+        </p:style>
+      </p:cxnSp>
+      <p:cxnSp>
+        <p:nvCxnSpPr>
+          <p:cNvPr id="39" name="직선 연결선 38"/>
+          <p:cNvCxnSpPr/>
+          <p:nvPr/>
+        </p:nvCxnSpPr>
+        <p:spPr>
+          <a:xfrm>
+            <a:off x="666913" y="3860653"/>
+            <a:ext cx="5808572" cy="0"/>
+          </a:xfrm>
+          <a:prstGeom prst="line">
+            <a:avLst/>
+          </a:prstGeom>
+          <a:ln w="19050">
+            <a:solidFill>
+              <a:srgbClr val="0275D8"/>
+            </a:solidFill>
+          </a:ln>
+        </p:spPr>
+        <p:style>
+          <a:lnRef idx="1">
+            <a:schemeClr val="accent1"/>
+          </a:lnRef>
+          <a:fillRef idx="0">
+            <a:schemeClr val="accent1"/>
+          </a:fillRef>
+          <a:effectRef idx="0">
+            <a:schemeClr val="accent1"/>
+          </a:effectRef>
+          <a:fontRef idx="minor">
+            <a:schemeClr val="tx1"/>
+          </a:fontRef>
+        </p:style>
+      </p:cxnSp>
+      <p:sp>
+        <p:nvSpPr>
+          <p:cNvPr id="41" name="TextBox 40"/>
           <p:cNvSpPr txBox="1"/>
           <p:nvPr/>
         </p:nvSpPr>
         <p:spPr>
           <a:xfrm>
-            <a:off x="0" y="6211669"/>
-            <a:ext cx="6620434" cy="646331"/>
+            <a:off x="69010" y="6495691"/>
+            <a:ext cx="6551423" cy="369332"/>
           </a:xfrm>
           <a:prstGeom prst="rect">
             <a:avLst/>
@@ -3502,46 +3922,243 @@
           <a:lstStyle/>
           <a:p>
             <a:r>
+              <a:rPr lang="en-US" altLang="ko-KR" sz="900" smtClean="0">
+                <a:solidFill>
+                  <a:schemeClr val="bg1"/>
+                </a:solidFill>
+              </a:rPr>
+              <a:t>1: https</a:t>
+            </a:r>
+            <a:r>
               <a:rPr lang="en-US" altLang="ko-KR" sz="900" dirty="0">
-                <a:hlinkClick r:id="rId4"/>
+                <a:solidFill>
+                  <a:schemeClr val="bg1"/>
+                </a:solidFill>
               </a:rPr>
-              <a:t>1:</a:t>
-            </a:r>
-          </a:p>
-          <a:p>
+              <a:t>://news.nate.com/view/20220401n22281</a:t>
+            </a:r>
+          </a:p>
+          <a:p>
+            <a:r>
+              <a:rPr lang="en-US" altLang="ko-KR" sz="900" smtClean="0">
+                <a:solidFill>
+                  <a:schemeClr val="bg1"/>
+                </a:solidFill>
+              </a:rPr>
+              <a:t>2: https</a:t>
+            </a:r>
             <a:r>
               <a:rPr lang="en-US" altLang="ko-KR" sz="900" dirty="0">
-                <a:hlinkClick r:id="rId4"/>
+                <a:solidFill>
+                  <a:schemeClr val="bg1"/>
+                </a:solidFill>
               </a:rPr>
-              <a:t>https://news.nate.com/view/20220401n22281</a:t>
-            </a:r>
-            <a:endParaRPr lang="en-US" altLang="ko-KR" sz="900" dirty="0"/>
-          </a:p>
-          <a:p>
-            <a:r>
-              <a:rPr lang="en-US" altLang="ko-KR" sz="900" dirty="0"/>
-              <a:t>2:</a:t>
-            </a:r>
-          </a:p>
-          <a:p>
-            <a:r>
-              <a:rPr lang="en-US" altLang="ko-KR" sz="900" dirty="0"/>
-              <a:t>https://news.mt.co.kr/mtview.php?no=2014041010113327536</a:t>
-            </a:r>
-            <a:endParaRPr lang="ko-KR" altLang="en-US" sz="900" dirty="0"/>
-          </a:p>
-        </p:txBody>
-      </p:sp>
-      <p:sp>
-        <p:nvSpPr>
-          <p:cNvPr id="11" name="TextBox 10"/>
+              <a:t>://news.mt.co.kr/mtview.php?no=2014041010113327536</a:t>
+            </a:r>
+            <a:endParaRPr lang="ko-KR" altLang="en-US" sz="900" dirty="0">
+              <a:solidFill>
+                <a:schemeClr val="bg1"/>
+              </a:solidFill>
+            </a:endParaRPr>
+          </a:p>
+        </p:txBody>
+      </p:sp>
+      <p:sp>
+        <p:nvSpPr>
+          <p:cNvPr id="43" name="직사각형 42"/>
+          <p:cNvSpPr/>
+          <p:nvPr/>
+        </p:nvSpPr>
+        <p:spPr>
+          <a:xfrm>
+            <a:off x="7258499" y="3474615"/>
+            <a:ext cx="1487908" cy="338554"/>
+          </a:xfrm>
+          <a:prstGeom prst="rect">
+            <a:avLst/>
+          </a:prstGeom>
+        </p:spPr>
+        <p:txBody>
+          <a:bodyPr wrap="none">
+            <a:spAutoFit/>
+          </a:bodyPr>
+          <a:lstStyle/>
+          <a:p>
+            <a:r>
+              <a:rPr lang="ko-KR" altLang="en-US" sz="1600" b="1" dirty="0">
+                <a:solidFill>
+                  <a:srgbClr val="0275D8"/>
+                </a:solidFill>
+              </a:rPr>
+              <a:t>사용한 데이터</a:t>
+            </a:r>
+            <a:endParaRPr lang="en-US" altLang="ko-KR" sz="1600" b="1" dirty="0">
+              <a:solidFill>
+                <a:srgbClr val="0275D8"/>
+              </a:solidFill>
+            </a:endParaRPr>
+          </a:p>
+        </p:txBody>
+      </p:sp>
+      <p:cxnSp>
+        <p:nvCxnSpPr>
+          <p:cNvPr id="44" name="직선 연결선 43"/>
+          <p:cNvCxnSpPr/>
+          <p:nvPr/>
+        </p:nvCxnSpPr>
+        <p:spPr>
+          <a:xfrm>
+            <a:off x="7258499" y="3860653"/>
+            <a:ext cx="4559690" cy="0"/>
+          </a:xfrm>
+          <a:prstGeom prst="line">
+            <a:avLst/>
+          </a:prstGeom>
+          <a:ln w="19050">
+            <a:solidFill>
+              <a:srgbClr val="0275D8"/>
+            </a:solidFill>
+          </a:ln>
+        </p:spPr>
+        <p:style>
+          <a:lnRef idx="1">
+            <a:schemeClr val="accent1"/>
+          </a:lnRef>
+          <a:fillRef idx="0">
+            <a:schemeClr val="accent1"/>
+          </a:fillRef>
+          <a:effectRef idx="0">
+            <a:schemeClr val="accent1"/>
+          </a:effectRef>
+          <a:fontRef idx="minor">
+            <a:schemeClr val="tx1"/>
+          </a:fontRef>
+        </p:style>
+      </p:cxnSp>
+      <p:sp>
+        <p:nvSpPr>
+          <p:cNvPr id="48" name="모서리가 둥근 직사각형 47"/>
+          <p:cNvSpPr/>
+          <p:nvPr/>
+        </p:nvSpPr>
+        <p:spPr>
+          <a:xfrm>
+            <a:off x="7375584" y="4033026"/>
+            <a:ext cx="2031343" cy="2031343"/>
+          </a:xfrm>
+          <a:prstGeom prst="roundRect">
+            <a:avLst/>
+          </a:prstGeom>
+          <a:solidFill>
+            <a:schemeClr val="bg1"/>
+          </a:solidFill>
+          <a:ln>
+            <a:solidFill>
+              <a:schemeClr val="bg1">
+                <a:lumMod val="95000"/>
+              </a:schemeClr>
+            </a:solidFill>
+          </a:ln>
+          <a:effectLst>
+            <a:outerShdw blurRad="50800" dist="38100" dir="2700000" algn="tl" rotWithShape="0">
+              <a:prstClr val="black">
+                <a:alpha val="40000"/>
+              </a:prstClr>
+            </a:outerShdw>
+          </a:effectLst>
+        </p:spPr>
+        <p:style>
+          <a:lnRef idx="2">
+            <a:schemeClr val="accent1">
+              <a:shade val="50000"/>
+            </a:schemeClr>
+          </a:lnRef>
+          <a:fillRef idx="1">
+            <a:schemeClr val="accent1"/>
+          </a:fillRef>
+          <a:effectRef idx="0">
+            <a:schemeClr val="accent1"/>
+          </a:effectRef>
+          <a:fontRef idx="minor">
+            <a:schemeClr val="lt1"/>
+          </a:fontRef>
+        </p:style>
+        <p:txBody>
+          <a:bodyPr rtlCol="0" anchor="ctr"/>
+          <a:lstStyle/>
+          <a:p>
+            <a:pPr algn="ctr"/>
+            <a:endParaRPr lang="ko-KR" altLang="en-US"/>
+          </a:p>
+        </p:txBody>
+      </p:sp>
+      <p:sp>
+        <p:nvSpPr>
+          <p:cNvPr id="49" name="모서리가 둥근 직사각형 48"/>
+          <p:cNvSpPr/>
+          <p:nvPr/>
+        </p:nvSpPr>
+        <p:spPr>
+          <a:xfrm>
+            <a:off x="9786846" y="4033026"/>
+            <a:ext cx="2031343" cy="2031343"/>
+          </a:xfrm>
+          <a:prstGeom prst="roundRect">
+            <a:avLst/>
+          </a:prstGeom>
+          <a:solidFill>
+            <a:schemeClr val="bg1"/>
+          </a:solidFill>
+          <a:ln>
+            <a:solidFill>
+              <a:schemeClr val="bg1">
+                <a:lumMod val="95000"/>
+              </a:schemeClr>
+            </a:solidFill>
+          </a:ln>
+          <a:effectLst>
+            <a:outerShdw blurRad="50800" dist="38100" dir="2700000" algn="tl" rotWithShape="0">
+              <a:prstClr val="black">
+                <a:alpha val="40000"/>
+              </a:prstClr>
+            </a:outerShdw>
+          </a:effectLst>
+        </p:spPr>
+        <p:style>
+          <a:lnRef idx="2">
+            <a:schemeClr val="accent1">
+              <a:shade val="50000"/>
+            </a:schemeClr>
+          </a:lnRef>
+          <a:fillRef idx="1">
+            <a:schemeClr val="accent1"/>
+          </a:fillRef>
+          <a:effectRef idx="0">
+            <a:schemeClr val="accent1"/>
+          </a:effectRef>
+          <a:fontRef idx="minor">
+            <a:schemeClr val="lt1"/>
+          </a:fontRef>
+        </p:style>
+        <p:txBody>
+          <a:bodyPr rtlCol="0" anchor="ctr"/>
+          <a:lstStyle/>
+          <a:p>
+            <a:pPr algn="ctr"/>
+            <a:endParaRPr lang="ko-KR" altLang="en-US"/>
+          </a:p>
+        </p:txBody>
+      </p:sp>
+      <p:sp>
+        <p:nvSpPr>
+          <p:cNvPr id="54" name="TextBox 53"/>
           <p:cNvSpPr txBox="1"/>
           <p:nvPr/>
         </p:nvSpPr>
         <p:spPr>
           <a:xfrm>
-            <a:off x="7527048" y="609087"/>
-            <a:ext cx="2388933" cy="2554545"/>
+            <a:off x="7390187" y="4147165"/>
+            <a:ext cx="2016740" cy="1800493"/>
           </a:xfrm>
           <a:prstGeom prst="rect">
             <a:avLst/>
@@ -3554,111 +4171,59 @@
           </a:bodyPr>
           <a:lstStyle/>
           <a:p>
-            <a:endParaRPr lang="en-US" altLang="ko-KR" sz="1600" b="1" dirty="0"/>
-          </a:p>
-          <a:p>
-            <a:r>
-              <a:rPr lang="ko-KR" altLang="en-US" sz="1600" dirty="0"/>
-              <a:t>계열은 </a:t>
-            </a:r>
-            <a:r>
-              <a:rPr lang="en-US" altLang="ko-KR" sz="1600" dirty="0"/>
-              <a:t>7</a:t>
-            </a:r>
-            <a:r>
-              <a:rPr lang="ko-KR" altLang="en-US" sz="1600" dirty="0"/>
-              <a:t>개로 분류한다</a:t>
-            </a:r>
-            <a:r>
-              <a:rPr lang="en-US" altLang="ko-KR" sz="1600" dirty="0"/>
-              <a:t>.</a:t>
-            </a:r>
-          </a:p>
-          <a:p>
-            <a:endParaRPr lang="en-US" altLang="ko-KR" sz="1600" dirty="0"/>
-          </a:p>
-          <a:p>
-            <a:pPr marL="228600" indent="-228600">
-              <a:buAutoNum type="arabicPeriod"/>
-            </a:pPr>
-            <a:r>
-              <a:rPr lang="ko-KR" altLang="en-US" sz="1600" dirty="0"/>
-              <a:t>공학계열</a:t>
-            </a:r>
-            <a:endParaRPr lang="en-US" altLang="ko-KR" sz="1600" dirty="0"/>
-          </a:p>
-          <a:p>
-            <a:pPr marL="228600" indent="-228600">
-              <a:buAutoNum type="arabicPeriod"/>
-            </a:pPr>
-            <a:r>
-              <a:rPr lang="ko-KR" altLang="en-US" sz="1600" dirty="0"/>
-              <a:t>인문계열</a:t>
-            </a:r>
-            <a:endParaRPr lang="en-US" altLang="ko-KR" sz="1600" dirty="0"/>
-          </a:p>
-          <a:p>
-            <a:pPr marL="228600" indent="-228600">
-              <a:buAutoNum type="arabicPeriod"/>
-            </a:pPr>
-            <a:r>
-              <a:rPr lang="ko-KR" altLang="en-US" sz="1600" dirty="0"/>
-              <a:t>예체능계열</a:t>
-            </a:r>
-            <a:endParaRPr lang="en-US" altLang="ko-KR" sz="1600" dirty="0"/>
-          </a:p>
-          <a:p>
-            <a:pPr marL="228600" indent="-228600">
-              <a:buAutoNum type="arabicPeriod"/>
-            </a:pPr>
-            <a:r>
-              <a:rPr lang="ko-KR" altLang="en-US" sz="1600" dirty="0"/>
-              <a:t>사회계열</a:t>
-            </a:r>
-            <a:endParaRPr lang="en-US" altLang="ko-KR" sz="1600" dirty="0"/>
-          </a:p>
-          <a:p>
-            <a:pPr marL="228600" indent="-228600">
-              <a:buAutoNum type="arabicPeriod"/>
-            </a:pPr>
-            <a:r>
-              <a:rPr lang="ko-KR" altLang="en-US" sz="1600" dirty="0" err="1"/>
-              <a:t>의약계열</a:t>
-            </a:r>
-            <a:endParaRPr lang="en-US" altLang="ko-KR" sz="1600" dirty="0"/>
-          </a:p>
-          <a:p>
-            <a:pPr marL="228600" indent="-228600">
-              <a:buAutoNum type="arabicPeriod"/>
-            </a:pPr>
-            <a:r>
-              <a:rPr lang="ko-KR" altLang="en-US" sz="1600" dirty="0"/>
-              <a:t>교육계열</a:t>
-            </a:r>
-            <a:endParaRPr lang="en-US" altLang="ko-KR" sz="1600" dirty="0"/>
-          </a:p>
-          <a:p>
-            <a:pPr marL="228600" indent="-228600">
-              <a:buAutoNum type="arabicPeriod"/>
-            </a:pPr>
-            <a:r>
-              <a:rPr lang="ko-KR" altLang="en-US" sz="1600" dirty="0"/>
-              <a:t>자연계열</a:t>
-            </a:r>
-            <a:endParaRPr lang="en-US" altLang="ko-KR" sz="1600" dirty="0"/>
-          </a:p>
-        </p:txBody>
-      </p:sp>
-      <p:sp>
-        <p:nvSpPr>
-          <p:cNvPr id="12" name="TextBox 11"/>
+            <a:endParaRPr lang="en-US" altLang="ko-KR" sz="1200" dirty="0"/>
+          </a:p>
+          <a:p>
+            <a:r>
+              <a:rPr lang="ko-KR" altLang="en-US" sz="900" dirty="0"/>
+              <a:t>고등교육기관 </a:t>
+            </a:r>
+            <a:r>
+              <a:rPr lang="ko-KR" altLang="en-US" sz="900"/>
+              <a:t>졸업자 </a:t>
+            </a:r>
+            <a:r>
+              <a:rPr lang="ko-KR" altLang="en-US" sz="900" smtClean="0"/>
+              <a:t>취업통계</a:t>
+            </a:r>
+            <a:endParaRPr lang="en-US" altLang="ko-KR" sz="900" smtClean="0"/>
+          </a:p>
+          <a:p>
+            <a:endParaRPr lang="en-US" altLang="ko-KR" sz="900" dirty="0"/>
+          </a:p>
+          <a:p>
+            <a:r>
+              <a:rPr lang="en-US" altLang="ko-KR" sz="900" dirty="0"/>
+              <a:t>https://www.moe.go.kr/boardCnts/viewRenew.do?boardID=294&amp;boardSeq=90188&amp;lev=0&amp;searchType=null&amp;statusYN=W&amp;page=1&amp;s=moe&amp;m=020402&amp;opType=N</a:t>
+            </a:r>
+          </a:p>
+          <a:p>
+            <a:r>
+              <a:rPr lang="en-US" altLang="ko-KR" sz="900" dirty="0"/>
+              <a:t>https</a:t>
+            </a:r>
+            <a:r>
+              <a:rPr lang="en-US" altLang="ko-KR" sz="900"/>
+              <a:t>://</a:t>
+            </a:r>
+            <a:r>
+              <a:rPr lang="en-US" altLang="ko-KR" sz="900" smtClean="0"/>
+              <a:t>www.kedi.re.kr/khome/main/announce/selectBroadAnnounceForm.do?selectTp=0&amp;board_sq_no=3&amp;article_sq_no=34905</a:t>
+            </a:r>
+            <a:endParaRPr lang="en-US" altLang="ko-KR" sz="900" dirty="0"/>
+          </a:p>
+        </p:txBody>
+      </p:sp>
+      <p:sp>
+        <p:nvSpPr>
+          <p:cNvPr id="55" name="TextBox 54"/>
           <p:cNvSpPr txBox="1"/>
           <p:nvPr/>
         </p:nvSpPr>
         <p:spPr>
           <a:xfrm>
-            <a:off x="8581051" y="3309917"/>
-            <a:ext cx="3424518" cy="3046988"/>
+            <a:off x="9865127" y="4194262"/>
+            <a:ext cx="1874780" cy="1892826"/>
           </a:xfrm>
           <a:prstGeom prst="rect">
             <a:avLst/>
@@ -3671,315 +4236,266 @@
           </a:bodyPr>
           <a:lstStyle/>
           <a:p>
-            <a:endParaRPr lang="en-US" altLang="ko-KR" sz="1200" dirty="0"/>
-          </a:p>
-          <a:p>
-            <a:r>
-              <a:rPr lang="ko-KR" altLang="en-US" sz="1050" dirty="0"/>
-              <a:t>고등교육기관 졸업자 </a:t>
-            </a:r>
-            <a:r>
-              <a:rPr lang="ko-KR" altLang="en-US" sz="1050" dirty="0" err="1"/>
-              <a:t>취업통계</a:t>
-            </a:r>
-            <a:endParaRPr lang="en-US" altLang="ko-KR" sz="1050" dirty="0"/>
-          </a:p>
-          <a:p>
-            <a:r>
-              <a:rPr lang="en-US" altLang="ko-KR" sz="1050" dirty="0">
-                <a:hlinkClick r:id="rId5"/>
-              </a:rPr>
-              <a:t>https://www.moe.go.kr/boardCnts/viewRenew.do?boardID=294&amp;boardSeq=90188&amp;lev=0&amp;searchType=null&amp;statusYN=W&amp;page=1&amp;s=moe&amp;m=020402&amp;opType=N</a:t>
-            </a:r>
-            <a:endParaRPr lang="en-US" altLang="ko-KR" sz="1050" dirty="0"/>
-          </a:p>
-          <a:p>
-            <a:r>
-              <a:rPr lang="en-US" altLang="ko-KR" sz="1050" dirty="0">
-                <a:hlinkClick r:id="rId6"/>
-              </a:rPr>
-              <a:t>https://www.kedi.re.kr/khome/main/announce/selectBroadAnnounceForm.do?selectTp=0&amp;board_sq_no=3&amp;article_sq_no=34905</a:t>
-            </a:r>
-            <a:endParaRPr lang="en-US" altLang="ko-KR" sz="1050" dirty="0"/>
-          </a:p>
-          <a:p>
-            <a:endParaRPr lang="en-US" altLang="ko-KR" sz="1050" dirty="0"/>
-          </a:p>
-          <a:p>
-            <a:r>
-              <a:rPr lang="ko-KR" altLang="en-US" sz="1050" dirty="0" err="1"/>
+            <a:r>
+              <a:rPr lang="ko-KR" altLang="en-US" sz="1000"/>
               <a:t>창업진흥원</a:t>
             </a:r>
             <a:r>
-              <a:rPr lang="en-US" altLang="ko-KR" sz="1050" dirty="0"/>
+              <a:rPr lang="en-US" altLang="ko-KR" sz="1000"/>
               <a:t> </a:t>
             </a:r>
             <a:r>
-              <a:rPr lang="ko-KR" altLang="en-US" sz="1050" dirty="0"/>
-              <a:t>창업기업 창업자의 </a:t>
-            </a:r>
-            <a:r>
-              <a:rPr lang="ko-KR" altLang="en-US" sz="1050" dirty="0" err="1"/>
+              <a:rPr lang="ko-KR" altLang="en-US" sz="1000"/>
+              <a:t>창업기업</a:t>
+            </a:r>
+            <a:r>
+              <a:rPr lang="ko-KR" altLang="en-US" sz="700"/>
+              <a:t> </a:t>
+            </a:r>
+            <a:r>
+              <a:rPr lang="ko-KR" altLang="en-US" sz="1000"/>
+              <a:t>창업자의 </a:t>
+            </a:r>
+            <a:r>
+              <a:rPr lang="ko-KR" altLang="en-US" sz="1000" smtClean="0"/>
               <a:t>전공정보</a:t>
             </a:r>
-            <a:endParaRPr lang="en-US" altLang="ko-KR" sz="1050" dirty="0"/>
-          </a:p>
-          <a:p>
-            <a:r>
-              <a:rPr lang="en-US" altLang="ko-KR" sz="1050" dirty="0">
-                <a:hlinkClick r:id="rId7"/>
-              </a:rPr>
+            <a:endParaRPr lang="en-US" altLang="ko-KR" sz="1000" smtClean="0"/>
+          </a:p>
+          <a:p>
+            <a:endParaRPr lang="en-US" altLang="ko-KR" sz="1000"/>
+          </a:p>
+          <a:p>
+            <a:r>
+              <a:rPr lang="en-US" altLang="ko-KR" sz="1000"/>
               <a:t>https://www.data.go.kr/data/15048999/fileData.do</a:t>
             </a:r>
-            <a:endParaRPr lang="en-US" altLang="ko-KR" sz="1050" dirty="0"/>
-          </a:p>
-          <a:p>
-            <a:endParaRPr lang="en-US" altLang="ko-KR" sz="1050" dirty="0"/>
-          </a:p>
-          <a:p>
-            <a:r>
-              <a:rPr lang="ko-KR" altLang="en-US" sz="1050" dirty="0"/>
+          </a:p>
+          <a:p>
+            <a:endParaRPr lang="en-US" altLang="ko-KR" sz="1000"/>
+          </a:p>
+          <a:p>
+            <a:r>
+              <a:rPr lang="ko-KR" altLang="en-US" sz="1000"/>
               <a:t>한국교육개발원</a:t>
             </a:r>
             <a:r>
-              <a:rPr lang="en-US" altLang="ko-KR" sz="1050" dirty="0"/>
+              <a:rPr lang="en-US" altLang="ko-KR" sz="1000"/>
               <a:t>_</a:t>
             </a:r>
             <a:r>
-              <a:rPr lang="ko-KR" altLang="en-US" sz="1050" dirty="0"/>
+              <a:rPr lang="ko-KR" altLang="en-US" sz="1000"/>
               <a:t>대학별 학과별 모집인원 및 졸업자 현황</a:t>
             </a:r>
-            <a:endParaRPr lang="en-US" altLang="ko-KR" sz="1050" dirty="0"/>
-          </a:p>
-          <a:p>
-            <a:endParaRPr lang="en-US" altLang="ko-KR" sz="1050" dirty="0"/>
-          </a:p>
-          <a:p>
-            <a:r>
-              <a:rPr lang="en-US" altLang="ko-KR" sz="1050" dirty="0"/>
+            <a:endParaRPr lang="en-US" altLang="ko-KR" sz="1000"/>
+          </a:p>
+          <a:p>
+            <a:endParaRPr lang="en-US" altLang="ko-KR" sz="1000"/>
+          </a:p>
+          <a:p>
+            <a:r>
+              <a:rPr lang="en-US" altLang="ko-KR" sz="1000"/>
               <a:t>https://www.data.go.kr/data/15053809/fileData.do</a:t>
             </a:r>
           </a:p>
           <a:p>
-            <a:endParaRPr lang="en-US" altLang="ko-KR" sz="1200" dirty="0"/>
-          </a:p>
-        </p:txBody>
-      </p:sp>
-      <p:sp>
-        <p:nvSpPr>
-          <p:cNvPr id="13" name="직사각형 12"/>
+            <a:endParaRPr lang="ko-KR" altLang="en-US" sz="700"/>
+          </a:p>
+        </p:txBody>
+      </p:sp>
+      <p:sp>
+        <p:nvSpPr>
+          <p:cNvPr id="63" name="직사각형 62"/>
           <p:cNvSpPr/>
           <p:nvPr/>
         </p:nvSpPr>
         <p:spPr>
           <a:xfrm>
-            <a:off x="726404" y="245552"/>
-            <a:ext cx="963725" cy="461665"/>
-          </a:xfrm>
-          <a:prstGeom prst="rect">
-            <a:avLst/>
-          </a:prstGeom>
-        </p:spPr>
-        <p:txBody>
-          <a:bodyPr wrap="none">
+            <a:off x="0" y="0"/>
+            <a:ext cx="12192000" cy="609600"/>
+          </a:xfrm>
+          <a:prstGeom prst="rect">
+            <a:avLst/>
+          </a:prstGeom>
+          <a:gradFill flip="none" rotWithShape="1">
+            <a:gsLst>
+              <a:gs pos="58000">
+                <a:srgbClr val="0275D8"/>
+              </a:gs>
+              <a:gs pos="100000">
+                <a:srgbClr val="59B3FD"/>
+              </a:gs>
+            </a:gsLst>
+            <a:lin ang="0" scaled="1"/>
+            <a:tileRect/>
+          </a:gradFill>
+          <a:ln>
+            <a:noFill/>
+          </a:ln>
+        </p:spPr>
+        <p:style>
+          <a:lnRef idx="2">
+            <a:schemeClr val="accent1">
+              <a:shade val="50000"/>
+            </a:schemeClr>
+          </a:lnRef>
+          <a:fillRef idx="1">
+            <a:schemeClr val="accent1"/>
+          </a:fillRef>
+          <a:effectRef idx="0">
+            <a:schemeClr val="accent1"/>
+          </a:effectRef>
+          <a:fontRef idx="minor">
+            <a:schemeClr val="lt1"/>
+          </a:fontRef>
+        </p:style>
+        <p:txBody>
+          <a:bodyPr rtlCol="0" anchor="ctr"/>
+          <a:lstStyle/>
+          <a:p>
+            <a:pPr algn="ctr"/>
+            <a:endParaRPr lang="ko-KR" altLang="en-US"/>
+          </a:p>
+        </p:txBody>
+      </p:sp>
+      <p:sp>
+        <p:nvSpPr>
+          <p:cNvPr id="64" name="직사각형 63"/>
+          <p:cNvSpPr/>
+          <p:nvPr/>
+        </p:nvSpPr>
+        <p:spPr>
+          <a:xfrm>
+            <a:off x="619125" y="0"/>
+            <a:ext cx="2228850" cy="609600"/>
+          </a:xfrm>
+          <a:prstGeom prst="rect">
+            <a:avLst/>
+          </a:prstGeom>
+          <a:solidFill>
+            <a:schemeClr val="bg1"/>
+          </a:solidFill>
+          <a:ln>
+            <a:noFill/>
+          </a:ln>
+        </p:spPr>
+        <p:style>
+          <a:lnRef idx="2">
+            <a:schemeClr val="accent1">
+              <a:shade val="50000"/>
+            </a:schemeClr>
+          </a:lnRef>
+          <a:fillRef idx="1">
+            <a:schemeClr val="accent1"/>
+          </a:fillRef>
+          <a:effectRef idx="0">
+            <a:schemeClr val="accent1"/>
+          </a:effectRef>
+          <a:fontRef idx="minor">
+            <a:schemeClr val="lt1"/>
+          </a:fontRef>
+        </p:style>
+        <p:txBody>
+          <a:bodyPr rtlCol="0" anchor="ctr"/>
+          <a:lstStyle/>
+          <a:p>
+            <a:pPr algn="ctr"/>
+            <a:endParaRPr lang="ko-KR" altLang="en-US"/>
+          </a:p>
+        </p:txBody>
+      </p:sp>
+      <p:sp>
+        <p:nvSpPr>
+          <p:cNvPr id="65" name="TextBox 64"/>
+          <p:cNvSpPr txBox="1"/>
+          <p:nvPr/>
+        </p:nvSpPr>
+        <p:spPr>
+          <a:xfrm>
+            <a:off x="606551" y="35957"/>
+            <a:ext cx="2255746" cy="246221"/>
+          </a:xfrm>
+          <a:prstGeom prst="rect">
+            <a:avLst/>
+          </a:prstGeom>
+          <a:noFill/>
+        </p:spPr>
+        <p:txBody>
+          <a:bodyPr wrap="none" rtlCol="0">
             <a:spAutoFit/>
           </a:bodyPr>
           <a:lstStyle/>
           <a:p>
             <a:r>
-              <a:rPr lang="ko-KR" altLang="en-US" sz="2400" b="1" dirty="0">
+              <a:rPr lang="en-US" altLang="ko-KR" sz="1000" smtClean="0">
                 <a:solidFill>
-                  <a:srgbClr val="1FA1E4"/>
+                  <a:schemeClr val="bg1">
+                    <a:lumMod val="50000"/>
+                  </a:schemeClr>
                 </a:solidFill>
-                <a:effectLst>
-                  <a:outerShdw blurRad="50800" dist="38100" dir="2700000" algn="tl" rotWithShape="0">
-                    <a:prstClr val="black">
-                      <a:alpha val="40000"/>
-                    </a:prstClr>
-                  </a:outerShdw>
-                </a:effectLst>
               </a:rPr>
-              <a:t>동기</a:t>
-            </a:r>
-            <a:r>
-              <a:rPr lang="ko-KR" altLang="en-US" dirty="0">
+              <a:t>23</a:t>
+            </a:r>
+            <a:r>
+              <a:rPr lang="ko-KR" altLang="en-US" sz="1000" smtClean="0">
                 <a:solidFill>
-                  <a:srgbClr val="1FA1E4"/>
+                  <a:schemeClr val="bg1">
+                    <a:lumMod val="50000"/>
+                  </a:schemeClr>
                 </a:solidFill>
-                <a:effectLst>
-                  <a:outerShdw blurRad="50800" dist="38100" dir="2700000" algn="tl" rotWithShape="0">
-                    <a:prstClr val="black">
-                      <a:alpha val="40000"/>
-                    </a:prstClr>
-                  </a:outerShdw>
-                </a:effectLst>
               </a:rPr>
-              <a:t>  </a:t>
-            </a:r>
-            <a:endParaRPr lang="en-US" altLang="ko-KR" dirty="0">
+              <a:t>년 교육 공공데이터 분석활용대회</a:t>
+            </a:r>
+            <a:endParaRPr lang="ko-KR" altLang="en-US" sz="1000">
               <a:solidFill>
-                <a:srgbClr val="1FA1E4"/>
+                <a:schemeClr val="bg1">
+                  <a:lumMod val="50000"/>
+                </a:schemeClr>
               </a:solidFill>
-              <a:effectLst>
-                <a:outerShdw blurRad="50800" dist="38100" dir="2700000" algn="tl" rotWithShape="0">
-                  <a:prstClr val="black">
-                    <a:alpha val="40000"/>
-                  </a:prstClr>
-                </a:outerShdw>
-              </a:effectLst>
             </a:endParaRPr>
           </a:p>
         </p:txBody>
       </p:sp>
       <p:sp>
         <p:nvSpPr>
-          <p:cNvPr id="14" name="직사각형 13"/>
-          <p:cNvSpPr/>
-          <p:nvPr/>
-        </p:nvSpPr>
-        <p:spPr>
-          <a:xfrm>
-            <a:off x="4019999" y="245552"/>
-            <a:ext cx="800219" cy="461665"/>
-          </a:xfrm>
-          <a:prstGeom prst="rect">
-            <a:avLst/>
-          </a:prstGeom>
-        </p:spPr>
-        <p:txBody>
-          <a:bodyPr wrap="none">
+          <p:cNvPr id="66" name="TextBox 65"/>
+          <p:cNvSpPr txBox="1"/>
+          <p:nvPr/>
+        </p:nvSpPr>
+        <p:spPr>
+          <a:xfrm>
+            <a:off x="742950" y="293132"/>
+            <a:ext cx="1221809" cy="261610"/>
+          </a:xfrm>
+          <a:prstGeom prst="rect">
+            <a:avLst/>
+          </a:prstGeom>
+          <a:noFill/>
+        </p:spPr>
+        <p:txBody>
+          <a:bodyPr wrap="none" rtlCol="0">
             <a:spAutoFit/>
           </a:bodyPr>
           <a:lstStyle/>
           <a:p>
             <a:r>
-              <a:rPr lang="ko-KR" altLang="en-US" sz="2400" b="1" dirty="0">
+              <a:rPr lang="ko-KR" altLang="en-US" sz="1100" smtClean="0">
                 <a:solidFill>
-                  <a:srgbClr val="1FA1E4"/>
+                  <a:schemeClr val="tx1">
+                    <a:lumMod val="75000"/>
+                    <a:lumOff val="25000"/>
+                  </a:schemeClr>
                 </a:solidFill>
-                <a:effectLst>
-                  <a:outerShdw blurRad="50800" dist="38100" dir="2700000" algn="tl" rotWithShape="0">
-                    <a:prstClr val="black">
-                      <a:alpha val="40000"/>
-                    </a:prstClr>
-                  </a:outerShdw>
-                </a:effectLst>
               </a:rPr>
-              <a:t>목적</a:t>
-            </a:r>
-            <a:endParaRPr lang="en-US" altLang="ko-KR" sz="2400" b="1" dirty="0">
+              <a:t>ㅇㅇㅇ학교 김준</a:t>
+            </a:r>
+            <a:endParaRPr lang="ko-KR" altLang="en-US" sz="1100">
               <a:solidFill>
-                <a:srgbClr val="1FA1E4"/>
+                <a:schemeClr val="tx1">
+                  <a:lumMod val="75000"/>
+                  <a:lumOff val="25000"/>
+                </a:schemeClr>
               </a:solidFill>
-              <a:effectLst>
-                <a:outerShdw blurRad="50800" dist="38100" dir="2700000" algn="tl" rotWithShape="0">
-                  <a:prstClr val="black">
-                    <a:alpha val="40000"/>
-                  </a:prstClr>
-                </a:outerShdw>
-              </a:effectLst>
-            </a:endParaRPr>
-          </a:p>
-        </p:txBody>
-      </p:sp>
-      <p:sp>
-        <p:nvSpPr>
-          <p:cNvPr id="15" name="직사각형 14"/>
-          <p:cNvSpPr/>
-          <p:nvPr/>
-        </p:nvSpPr>
-        <p:spPr>
-          <a:xfrm>
-            <a:off x="7527048" y="245551"/>
-            <a:ext cx="800219" cy="461665"/>
-          </a:xfrm>
-          <a:prstGeom prst="rect">
-            <a:avLst/>
-          </a:prstGeom>
-        </p:spPr>
-        <p:txBody>
-          <a:bodyPr wrap="none">
-            <a:spAutoFit/>
-          </a:bodyPr>
-          <a:lstStyle/>
-          <a:p>
-            <a:r>
-              <a:rPr lang="ko-KR" altLang="en-US" sz="2400" b="1" dirty="0">
-                <a:solidFill>
-                  <a:srgbClr val="1FA1E4"/>
-                </a:solidFill>
-                <a:effectLst>
-                  <a:outerShdw blurRad="50800" dist="38100" dir="2700000" algn="tl" rotWithShape="0">
-                    <a:prstClr val="black">
-                      <a:alpha val="40000"/>
-                    </a:prstClr>
-                  </a:outerShdw>
-                </a:effectLst>
-              </a:rPr>
-              <a:t>분류</a:t>
-            </a:r>
-            <a:endParaRPr lang="en-US" altLang="ko-KR" sz="2400" b="1" dirty="0">
-              <a:solidFill>
-                <a:srgbClr val="1FA1E4"/>
-              </a:solidFill>
-              <a:effectLst>
-                <a:outerShdw blurRad="50800" dist="38100" dir="2700000" algn="tl" rotWithShape="0">
-                  <a:prstClr val="black">
-                    <a:alpha val="40000"/>
-                  </a:prstClr>
-                </a:outerShdw>
-              </a:effectLst>
-            </a:endParaRPr>
-          </a:p>
-        </p:txBody>
-      </p:sp>
-      <p:sp>
-        <p:nvSpPr>
-          <p:cNvPr id="17" name="직사각형 16"/>
-          <p:cNvSpPr/>
-          <p:nvPr/>
-        </p:nvSpPr>
-        <p:spPr>
-          <a:xfrm>
-            <a:off x="9467603" y="3040522"/>
-            <a:ext cx="1651414" cy="369332"/>
-          </a:xfrm>
-          <a:prstGeom prst="rect">
-            <a:avLst/>
-          </a:prstGeom>
-        </p:spPr>
-        <p:txBody>
-          <a:bodyPr wrap="none">
-            <a:spAutoFit/>
-          </a:bodyPr>
-          <a:lstStyle/>
-          <a:p>
-            <a:r>
-              <a:rPr lang="ko-KR" altLang="en-US" b="1" dirty="0">
-                <a:solidFill>
-                  <a:srgbClr val="1FA1E4"/>
-                </a:solidFill>
-                <a:effectLst>
-                  <a:outerShdw blurRad="50800" dist="38100" dir="2700000" algn="tl" rotWithShape="0">
-                    <a:prstClr val="black">
-                      <a:alpha val="40000"/>
-                    </a:prstClr>
-                  </a:outerShdw>
-                </a:effectLst>
-              </a:rPr>
-              <a:t>사용한 데이터</a:t>
-            </a:r>
-            <a:endParaRPr lang="en-US" altLang="ko-KR" b="1" dirty="0">
-              <a:solidFill>
-                <a:srgbClr val="1FA1E4"/>
-              </a:solidFill>
-              <a:effectLst>
-                <a:outerShdw blurRad="50800" dist="38100" dir="2700000" algn="tl" rotWithShape="0">
-                  <a:prstClr val="black">
-                    <a:alpha val="40000"/>
-                  </a:prstClr>
-                </a:outerShdw>
-              </a:effectLst>
             </a:endParaRPr>
           </a:p>
         </p:txBody>
@@ -4016,10 +4532,45 @@
       </p:grpSpPr>
       <p:sp>
         <p:nvSpPr>
-          <p:cNvPr id="2" name="직사각형 1">
+          <p:cNvPr id="12" name="TextBox 11">
             <a:extLst>
               <a:ext uri="{FF2B5EF4-FFF2-40B4-BE49-F238E27FC236}">
-                <a16:creationId xmlns:a16="http://schemas.microsoft.com/office/drawing/2014/main" id="{1D3D94FC-C641-E560-0E05-6DD9599A358E}"/>
+                <a16:creationId xmlns:a16="http://schemas.microsoft.com/office/drawing/2014/main" xmlns="" id="{BA54766E-B47E-FB76-1E3A-17A94EDECBD6}"/>
+              </a:ext>
+            </a:extLst>
+          </p:cNvPr>
+          <p:cNvSpPr txBox="1"/>
+          <p:nvPr/>
+        </p:nvSpPr>
+        <p:spPr>
+          <a:xfrm>
+            <a:off x="710214" y="1079778"/>
+            <a:ext cx="4225771" cy="369332"/>
+          </a:xfrm>
+          <a:prstGeom prst="rect">
+            <a:avLst/>
+          </a:prstGeom>
+          <a:noFill/>
+        </p:spPr>
+        <p:txBody>
+          <a:bodyPr wrap="square" rtlCol="0">
+            <a:spAutoFit/>
+          </a:bodyPr>
+          <a:lstStyle/>
+          <a:p>
+            <a:r>
+              <a:rPr lang="ko-KR" altLang="en-US" dirty="0"/>
+              <a:t>계획</a:t>
+            </a:r>
+          </a:p>
+        </p:txBody>
+      </p:sp>
+      <p:sp>
+        <p:nvSpPr>
+          <p:cNvPr id="15" name="사각형: 둥근 모서리 14">
+            <a:extLst>
+              <a:ext uri="{FF2B5EF4-FFF2-40B4-BE49-F238E27FC236}">
+                <a16:creationId xmlns:a16="http://schemas.microsoft.com/office/drawing/2014/main" xmlns="" id="{99CF42C1-74F5-E79F-E8E9-71359DF9C90B}"/>
               </a:ext>
             </a:extLst>
           </p:cNvPr>
@@ -4028,18 +4579,12 @@
         </p:nvSpPr>
         <p:spPr>
           <a:xfrm>
-            <a:off x="0" y="-32266"/>
-            <a:ext cx="12192000" cy="6858000"/>
-          </a:xfrm>
-          <a:prstGeom prst="rect">
-            <a:avLst/>
-          </a:prstGeom>
-          <a:solidFill>
-            <a:srgbClr val="E8F5FC"/>
-          </a:solidFill>
-          <a:ln>
-            <a:noFill/>
-          </a:ln>
+            <a:off x="710214" y="1535213"/>
+            <a:ext cx="2010126" cy="1029292"/>
+          </a:xfrm>
+          <a:prstGeom prst="roundRect">
+            <a:avLst/>
+          </a:prstGeom>
         </p:spPr>
         <p:style>
           <a:lnRef idx="2">
@@ -4062,51 +4607,39 @@
           <a:lstStyle/>
           <a:p>
             <a:pPr algn="ctr"/>
-            <a:endParaRPr lang="ko-KR" altLang="en-US" dirty="0"/>
-          </a:p>
-        </p:txBody>
-      </p:sp>
-      <p:sp>
-        <p:nvSpPr>
-          <p:cNvPr id="12" name="TextBox 11">
+            <a:r>
+              <a:rPr lang="ko-KR" altLang="en-US" dirty="0"/>
+              <a:t>현재 대학이 </a:t>
+            </a:r>
+            <a:endParaRPr lang="en-US" altLang="ko-KR" dirty="0"/>
+          </a:p>
+          <a:p>
+            <a:pPr algn="ctr"/>
+            <a:r>
+              <a:rPr lang="ko-KR" altLang="en-US" dirty="0" err="1"/>
+              <a:t>필요로하는</a:t>
+            </a:r>
+            <a:r>
+              <a:rPr lang="ko-KR" altLang="en-US" dirty="0"/>
+              <a:t> 계열</a:t>
+            </a:r>
+            <a:endParaRPr lang="en-US" altLang="ko-KR" dirty="0"/>
+          </a:p>
+          <a:p>
+            <a:pPr algn="ctr"/>
+            <a:r>
+              <a:rPr lang="ko-KR" altLang="en-US" dirty="0"/>
+              <a:t>시각화  </a:t>
+            </a:r>
+          </a:p>
+        </p:txBody>
+      </p:sp>
+      <p:sp>
+        <p:nvSpPr>
+          <p:cNvPr id="18" name="사각형: 둥근 모서리 17">
             <a:extLst>
               <a:ext uri="{FF2B5EF4-FFF2-40B4-BE49-F238E27FC236}">
-                <a16:creationId xmlns:a16="http://schemas.microsoft.com/office/drawing/2014/main" id="{BA54766E-B47E-FB76-1E3A-17A94EDECBD6}"/>
-              </a:ext>
-            </a:extLst>
-          </p:cNvPr>
-          <p:cNvSpPr txBox="1"/>
-          <p:nvPr/>
-        </p:nvSpPr>
-        <p:spPr>
-          <a:xfrm>
-            <a:off x="710214" y="427893"/>
-            <a:ext cx="4225771" cy="369332"/>
-          </a:xfrm>
-          <a:prstGeom prst="rect">
-            <a:avLst/>
-          </a:prstGeom>
-          <a:noFill/>
-        </p:spPr>
-        <p:txBody>
-          <a:bodyPr wrap="square" rtlCol="0">
-            <a:spAutoFit/>
-          </a:bodyPr>
-          <a:lstStyle/>
-          <a:p>
-            <a:r>
-              <a:rPr lang="ko-KR" altLang="en-US" dirty="0"/>
-              <a:t>계획</a:t>
-            </a:r>
-          </a:p>
-        </p:txBody>
-      </p:sp>
-      <p:sp>
-        <p:nvSpPr>
-          <p:cNvPr id="15" name="사각형: 둥근 모서리 14">
-            <a:extLst>
-              <a:ext uri="{FF2B5EF4-FFF2-40B4-BE49-F238E27FC236}">
-                <a16:creationId xmlns:a16="http://schemas.microsoft.com/office/drawing/2014/main" id="{99CF42C1-74F5-E79F-E8E9-71359DF9C90B}"/>
+                <a16:creationId xmlns:a16="http://schemas.microsoft.com/office/drawing/2014/main" xmlns="" id="{BE47EF79-C370-FF3D-EF2B-252B1AD3F689}"/>
               </a:ext>
             </a:extLst>
           </p:cNvPr>
@@ -4115,8 +4648,8 @@
         </p:nvSpPr>
         <p:spPr>
           <a:xfrm>
-            <a:off x="710214" y="1225118"/>
-            <a:ext cx="2246050" cy="1100832"/>
+            <a:off x="710214" y="3789379"/>
+            <a:ext cx="2112885" cy="1047749"/>
           </a:xfrm>
           <a:prstGeom prst="roundRect">
             <a:avLst/>
@@ -4145,37 +4678,29 @@
             <a:pPr algn="ctr"/>
             <a:r>
               <a:rPr lang="ko-KR" altLang="en-US" dirty="0"/>
-              <a:t>현재 대학이 </a:t>
+              <a:t>취업률과 </a:t>
+            </a:r>
+            <a:r>
+              <a:rPr lang="ko-KR" altLang="en-US" dirty="0" err="1"/>
+              <a:t>창업률</a:t>
             </a:r>
             <a:endParaRPr lang="en-US" altLang="ko-KR" dirty="0"/>
           </a:p>
           <a:p>
             <a:pPr algn="ctr"/>
             <a:r>
-              <a:rPr lang="ko-KR" altLang="en-US" dirty="0" err="1"/>
-              <a:t>필요로하는</a:t>
-            </a:r>
-            <a:r>
               <a:rPr lang="ko-KR" altLang="en-US" dirty="0"/>
-              <a:t> 계열</a:t>
-            </a:r>
-            <a:endParaRPr lang="en-US" altLang="ko-KR" dirty="0"/>
-          </a:p>
-          <a:p>
-            <a:pPr algn="ctr"/>
-            <a:r>
-              <a:rPr lang="ko-KR" altLang="en-US" dirty="0"/>
-              <a:t>시각화  </a:t>
-            </a:r>
-          </a:p>
-        </p:txBody>
-      </p:sp>
-      <p:sp>
-        <p:nvSpPr>
-          <p:cNvPr id="16" name="화살표: 오른쪽 15">
+              <a:t>관련해 비교</a:t>
+            </a:r>
+          </a:p>
+        </p:txBody>
+      </p:sp>
+      <p:sp>
+        <p:nvSpPr>
+          <p:cNvPr id="19" name="사각형: 둥근 모서리 18">
             <a:extLst>
               <a:ext uri="{FF2B5EF4-FFF2-40B4-BE49-F238E27FC236}">
-                <a16:creationId xmlns:a16="http://schemas.microsoft.com/office/drawing/2014/main" id="{93A10147-8368-5FF5-CD2C-73D2532E5EF8}"/>
+                <a16:creationId xmlns:a16="http://schemas.microsoft.com/office/drawing/2014/main" xmlns="" id="{4EE55FD7-F094-D3FA-8B42-26AD19D51206}"/>
               </a:ext>
             </a:extLst>
           </p:cNvPr>
@@ -4184,10 +4709,10 @@
         </p:nvSpPr>
         <p:spPr>
           <a:xfrm>
-            <a:off x="3462291" y="1433744"/>
-            <a:ext cx="843379" cy="683580"/>
-          </a:xfrm>
-          <a:prstGeom prst="rightArrow">
+            <a:off x="731890" y="5795829"/>
+            <a:ext cx="2112885" cy="1043718"/>
+          </a:xfrm>
+          <a:prstGeom prst="roundRect">
             <a:avLst/>
           </a:prstGeom>
         </p:spPr>
@@ -4212,16 +4737,70 @@
           <a:lstStyle/>
           <a:p>
             <a:pPr algn="ctr"/>
-            <a:endParaRPr lang="ko-KR" altLang="en-US"/>
-          </a:p>
-        </p:txBody>
-      </p:sp>
-      <p:sp>
-        <p:nvSpPr>
-          <p:cNvPr id="18" name="사각형: 둥근 모서리 17">
+            <a:r>
+              <a:rPr lang="ko-KR" altLang="en-US" dirty="0"/>
+              <a:t>앞서 나온 결과를</a:t>
+            </a:r>
+            <a:endParaRPr lang="en-US" altLang="ko-KR" dirty="0"/>
+          </a:p>
+          <a:p>
+            <a:pPr algn="ctr"/>
+            <a:r>
+              <a:rPr lang="ko-KR" altLang="en-US" dirty="0"/>
+              <a:t>가지고 미래전망 </a:t>
+            </a:r>
+            <a:endParaRPr lang="en-US" altLang="ko-KR" dirty="0"/>
+          </a:p>
+          <a:p>
+            <a:pPr algn="ctr"/>
+            <a:r>
+              <a:rPr lang="ko-KR" altLang="en-US" dirty="0"/>
+              <a:t>예측해보기</a:t>
+            </a:r>
+          </a:p>
+        </p:txBody>
+      </p:sp>
+      <p:sp>
+        <p:nvSpPr>
+          <p:cNvPr id="21" name="TextBox 20">
             <a:extLst>
               <a:ext uri="{FF2B5EF4-FFF2-40B4-BE49-F238E27FC236}">
-                <a16:creationId xmlns:a16="http://schemas.microsoft.com/office/drawing/2014/main" id="{BE47EF79-C370-FF3D-EF2B-252B1AD3F689}"/>
+                <a16:creationId xmlns:a16="http://schemas.microsoft.com/office/drawing/2014/main" xmlns="" id="{F2836824-2726-7703-8FC8-3E8948FA5A3C}"/>
+              </a:ext>
+            </a:extLst>
+          </p:cNvPr>
+          <p:cNvSpPr txBox="1"/>
+          <p:nvPr/>
+        </p:nvSpPr>
+        <p:spPr>
+          <a:xfrm>
+            <a:off x="3503983" y="710446"/>
+            <a:ext cx="2246050" cy="369332"/>
+          </a:xfrm>
+          <a:prstGeom prst="rect">
+            <a:avLst/>
+          </a:prstGeom>
+          <a:noFill/>
+        </p:spPr>
+        <p:txBody>
+          <a:bodyPr wrap="square" rtlCol="0">
+            <a:spAutoFit/>
+          </a:bodyPr>
+          <a:lstStyle/>
+          <a:p>
+            <a:r>
+              <a:rPr lang="ko-KR" altLang="en-US" dirty="0"/>
+              <a:t>활동 전 결과 예상 </a:t>
+            </a:r>
+          </a:p>
+        </p:txBody>
+      </p:sp>
+      <p:sp>
+        <p:nvSpPr>
+          <p:cNvPr id="23" name="타원 22">
+            <a:extLst>
+              <a:ext uri="{FF2B5EF4-FFF2-40B4-BE49-F238E27FC236}">
+                <a16:creationId xmlns:a16="http://schemas.microsoft.com/office/drawing/2014/main" xmlns="" id="{939997DB-6AC3-C98D-6B54-2B513BC9906E}"/>
               </a:ext>
             </a:extLst>
           </p:cNvPr>
@@ -4230,10 +4809,10 @@
         </p:nvSpPr>
         <p:spPr>
           <a:xfrm>
-            <a:off x="4653379" y="1225118"/>
-            <a:ext cx="2246050" cy="1100832"/>
-          </a:xfrm>
-          <a:prstGeom prst="roundRect">
+            <a:off x="9371042" y="1449110"/>
+            <a:ext cx="2321808" cy="1755475"/>
+          </a:xfrm>
+          <a:prstGeom prst="ellipse">
             <a:avLst/>
           </a:prstGeom>
         </p:spPr>
@@ -4259,30 +4838,35 @@
           <a:p>
             <a:pPr algn="ctr"/>
             <a:r>
-              <a:rPr lang="ko-KR" altLang="en-US" dirty="0"/>
-              <a:t>취업률과 </a:t>
-            </a:r>
-            <a:r>
-              <a:rPr lang="ko-KR" altLang="en-US" dirty="0" err="1"/>
-              <a:t>창업률</a:t>
-            </a:r>
-            <a:endParaRPr lang="en-US" altLang="ko-KR" dirty="0"/>
+              <a:rPr lang="ko-KR" altLang="en-US" sz="1800" dirty="0"/>
+              <a:t>인문계열</a:t>
+            </a:r>
+            <a:endParaRPr lang="en-US" altLang="ko-KR" sz="1800" dirty="0"/>
           </a:p>
           <a:p>
             <a:pPr algn="ctr"/>
             <a:r>
-              <a:rPr lang="ko-KR" altLang="en-US" dirty="0"/>
-              <a:t>관련해 비교</a:t>
-            </a:r>
-          </a:p>
-        </p:txBody>
-      </p:sp>
-      <p:sp>
-        <p:nvSpPr>
-          <p:cNvPr id="19" name="사각형: 둥근 모서리 18">
+              <a:rPr lang="ko-KR" altLang="en-US" sz="1800" dirty="0"/>
+              <a:t>교육계열</a:t>
+            </a:r>
+            <a:endParaRPr lang="en-US" altLang="ko-KR" sz="1800" dirty="0"/>
+          </a:p>
+          <a:p>
+            <a:pPr algn="ctr"/>
+            <a:r>
+              <a:rPr lang="ko-KR" altLang="en-US" sz="1800" dirty="0"/>
+              <a:t>자연계열</a:t>
+            </a:r>
+            <a:endParaRPr lang="en-US" altLang="ko-KR" sz="1800" dirty="0"/>
+          </a:p>
+        </p:txBody>
+      </p:sp>
+      <p:sp>
+        <p:nvSpPr>
+          <p:cNvPr id="24" name="타원 23">
             <a:extLst>
               <a:ext uri="{FF2B5EF4-FFF2-40B4-BE49-F238E27FC236}">
-                <a16:creationId xmlns:a16="http://schemas.microsoft.com/office/drawing/2014/main" id="{4EE55FD7-F094-D3FA-8B42-26AD19D51206}"/>
+                <a16:creationId xmlns:a16="http://schemas.microsoft.com/office/drawing/2014/main" xmlns="" id="{D87EF442-F686-0366-D136-0C7C525F8ACE}"/>
               </a:ext>
             </a:extLst>
           </p:cNvPr>
@@ -4291,10 +4875,10 @@
         </p:nvSpPr>
         <p:spPr>
           <a:xfrm>
-            <a:off x="8422689" y="1211802"/>
-            <a:ext cx="2246050" cy="1100832"/>
-          </a:xfrm>
-          <a:prstGeom prst="roundRect">
+            <a:off x="3710457" y="1535213"/>
+            <a:ext cx="2039576" cy="1615702"/>
+          </a:xfrm>
+          <a:prstGeom prst="ellipse">
             <a:avLst/>
           </a:prstGeom>
         </p:spPr>
@@ -4320,34 +4904,27 @@
           <a:p>
             <a:pPr algn="ctr"/>
             <a:r>
-              <a:rPr lang="ko-KR" altLang="en-US" dirty="0"/>
-              <a:t>앞서 나온 결과를</a:t>
-            </a:r>
-            <a:endParaRPr lang="en-US" altLang="ko-KR" dirty="0"/>
+              <a:rPr lang="ko-KR" altLang="en-US" sz="1800" dirty="0"/>
+              <a:t>공학계열</a:t>
+            </a:r>
+            <a:endParaRPr lang="en-US" altLang="ko-KR" sz="1800" dirty="0"/>
           </a:p>
           <a:p>
             <a:pPr algn="ctr"/>
             <a:r>
-              <a:rPr lang="ko-KR" altLang="en-US" dirty="0"/>
-              <a:t>가지고 미래전망 </a:t>
-            </a:r>
-            <a:endParaRPr lang="en-US" altLang="ko-KR" dirty="0"/>
-          </a:p>
-          <a:p>
-            <a:pPr algn="ctr"/>
-            <a:r>
-              <a:rPr lang="ko-KR" altLang="en-US" dirty="0"/>
-              <a:t>예측해보기</a:t>
-            </a:r>
-          </a:p>
-        </p:txBody>
-      </p:sp>
-      <p:sp>
-        <p:nvSpPr>
-          <p:cNvPr id="20" name="화살표: 오른쪽 19">
+              <a:rPr lang="ko-KR" altLang="en-US" sz="1800" dirty="0"/>
+              <a:t>의약계열</a:t>
+            </a:r>
+            <a:endParaRPr lang="en-US" altLang="ko-KR" sz="1800" dirty="0"/>
+          </a:p>
+        </p:txBody>
+      </p:sp>
+      <p:sp>
+        <p:nvSpPr>
+          <p:cNvPr id="25" name="타원 24">
             <a:extLst>
               <a:ext uri="{FF2B5EF4-FFF2-40B4-BE49-F238E27FC236}">
-                <a16:creationId xmlns:a16="http://schemas.microsoft.com/office/drawing/2014/main" id="{47208267-6387-08C2-BD4F-48BA68FC419F}"/>
+                <a16:creationId xmlns:a16="http://schemas.microsoft.com/office/drawing/2014/main" xmlns="" id="{E6DF9946-B36E-09B0-E52A-D36F5FDC649C}"/>
               </a:ext>
             </a:extLst>
           </p:cNvPr>
@@ -4356,10 +4933,10 @@
         </p:nvSpPr>
         <p:spPr>
           <a:xfrm>
-            <a:off x="7239369" y="1433744"/>
-            <a:ext cx="843379" cy="683580"/>
-          </a:xfrm>
-          <a:prstGeom prst="rightArrow">
+            <a:off x="6688918" y="1535213"/>
+            <a:ext cx="2112182" cy="1583765"/>
+          </a:xfrm>
+          <a:prstGeom prst="ellipse">
             <a:avLst/>
           </a:prstGeom>
         </p:spPr>
@@ -4384,16 +4961,28 @@
           <a:lstStyle/>
           <a:p>
             <a:pPr algn="ctr"/>
-            <a:endParaRPr lang="ko-KR" altLang="en-US"/>
-          </a:p>
-        </p:txBody>
-      </p:sp>
-      <p:sp>
-        <p:nvSpPr>
-          <p:cNvPr id="21" name="TextBox 20">
+            <a:r>
+              <a:rPr lang="ko-KR" altLang="en-US" sz="1800" dirty="0"/>
+              <a:t>예체능계열</a:t>
+            </a:r>
+            <a:endParaRPr lang="en-US" altLang="ko-KR" sz="1800" dirty="0"/>
+          </a:p>
+          <a:p>
+            <a:pPr algn="ctr"/>
+            <a:r>
+              <a:rPr lang="ko-KR" altLang="en-US" sz="1800" dirty="0"/>
+              <a:t>사회계열</a:t>
+            </a:r>
+            <a:endParaRPr lang="en-US" altLang="ko-KR" sz="1800" dirty="0"/>
+          </a:p>
+        </p:txBody>
+      </p:sp>
+      <p:sp>
+        <p:nvSpPr>
+          <p:cNvPr id="26" name="TextBox 25">
             <a:extLst>
               <a:ext uri="{FF2B5EF4-FFF2-40B4-BE49-F238E27FC236}">
-                <a16:creationId xmlns:a16="http://schemas.microsoft.com/office/drawing/2014/main" id="{F2836824-2726-7703-8FC8-3E8948FA5A3C}"/>
+                <a16:creationId xmlns:a16="http://schemas.microsoft.com/office/drawing/2014/main" xmlns="" id="{33DBDC6D-73E8-F52E-12F4-D7FA510B8B42}"/>
               </a:ext>
             </a:extLst>
           </p:cNvPr>
@@ -4402,8 +4991,8 @@
         </p:nvSpPr>
         <p:spPr>
           <a:xfrm>
-            <a:off x="701332" y="2910998"/>
-            <a:ext cx="2246050" cy="369332"/>
+            <a:off x="3646025" y="1251306"/>
+            <a:ext cx="2104008" cy="369332"/>
           </a:xfrm>
           <a:prstGeom prst="rect">
             <a:avLst/>
@@ -4416,31 +5005,98 @@
           </a:bodyPr>
           <a:lstStyle/>
           <a:p>
+            <a:pPr algn="ctr"/>
             <a:r>
               <a:rPr lang="ko-KR" altLang="en-US" dirty="0"/>
-              <a:t>활동 전 결과 예상 </a:t>
-            </a:r>
-          </a:p>
-        </p:txBody>
-      </p:sp>
-      <p:sp>
-        <p:nvSpPr>
-          <p:cNvPr id="23" name="타원 22">
+              <a:t>미래전망 좋음 </a:t>
+            </a:r>
+          </a:p>
+        </p:txBody>
+      </p:sp>
+      <p:sp>
+        <p:nvSpPr>
+          <p:cNvPr id="27" name="TextBox 26">
             <a:extLst>
               <a:ext uri="{FF2B5EF4-FFF2-40B4-BE49-F238E27FC236}">
-                <a16:creationId xmlns:a16="http://schemas.microsoft.com/office/drawing/2014/main" id="{939997DB-6AC3-C98D-6B54-2B513BC9906E}"/>
+                <a16:creationId xmlns:a16="http://schemas.microsoft.com/office/drawing/2014/main" xmlns="" id="{39B7A4CD-E4D2-2B79-79B8-18A9B2E826E5}"/>
               </a:ext>
             </a:extLst>
           </p:cNvPr>
+          <p:cNvSpPr txBox="1"/>
+          <p:nvPr/>
+        </p:nvSpPr>
+        <p:spPr>
+          <a:xfrm>
+            <a:off x="6555050" y="992999"/>
+            <a:ext cx="2246050" cy="369332"/>
+          </a:xfrm>
+          <a:prstGeom prst="rect">
+            <a:avLst/>
+          </a:prstGeom>
+          <a:noFill/>
+        </p:spPr>
+        <p:txBody>
+          <a:bodyPr wrap="square" rtlCol="0">
+            <a:spAutoFit/>
+          </a:bodyPr>
+          <a:lstStyle/>
+          <a:p>
+            <a:pPr algn="ctr"/>
+            <a:r>
+              <a:rPr lang="ko-KR" altLang="en-US" dirty="0"/>
+              <a:t>미래전망 변화 없음 </a:t>
+            </a:r>
+          </a:p>
+        </p:txBody>
+      </p:sp>
+      <p:sp>
+        <p:nvSpPr>
+          <p:cNvPr id="28" name="TextBox 27">
+            <a:extLst>
+              <a:ext uri="{FF2B5EF4-FFF2-40B4-BE49-F238E27FC236}">
+                <a16:creationId xmlns:a16="http://schemas.microsoft.com/office/drawing/2014/main" xmlns="" id="{08C00A3F-3BCC-B7FC-A129-F5F1EAD2014B}"/>
+              </a:ext>
+            </a:extLst>
+          </p:cNvPr>
+          <p:cNvSpPr txBox="1"/>
+          <p:nvPr/>
+        </p:nvSpPr>
+        <p:spPr>
+          <a:xfrm>
+            <a:off x="9479942" y="992999"/>
+            <a:ext cx="2104008" cy="369332"/>
+          </a:xfrm>
+          <a:prstGeom prst="rect">
+            <a:avLst/>
+          </a:prstGeom>
+          <a:noFill/>
+        </p:spPr>
+        <p:txBody>
+          <a:bodyPr wrap="square" rtlCol="0">
+            <a:spAutoFit/>
+          </a:bodyPr>
+          <a:lstStyle/>
+          <a:p>
+            <a:pPr algn="ctr"/>
+            <a:r>
+              <a:rPr lang="ko-KR" altLang="en-US" dirty="0"/>
+              <a:t>미래전망 나쁨</a:t>
+            </a:r>
+          </a:p>
+        </p:txBody>
+      </p:sp>
+      <p:sp>
+        <p:nvSpPr>
+          <p:cNvPr id="3" name="아래쪽 화살표 2"/>
           <p:cNvSpPr/>
           <p:nvPr/>
         </p:nvSpPr>
         <p:spPr>
           <a:xfrm>
-            <a:off x="7721352" y="3998877"/>
-            <a:ext cx="2947387" cy="2778711"/>
-          </a:xfrm>
-          <a:prstGeom prst="ellipse">
+            <a:off x="1348000" y="2769209"/>
+            <a:ext cx="734553" cy="663976"/>
+          </a:xfrm>
+          <a:prstGeom prst="downArrow">
             <a:avLst/>
           </a:prstGeom>
         </p:spPr>
@@ -4465,48 +5121,22 @@
           <a:lstStyle/>
           <a:p>
             <a:pPr algn="ctr"/>
-            <a:r>
-              <a:rPr lang="ko-KR" altLang="en-US" sz="1800" dirty="0"/>
-              <a:t>인문계열</a:t>
-            </a:r>
-            <a:endParaRPr lang="en-US" altLang="ko-KR" sz="1800" dirty="0"/>
-          </a:p>
-          <a:p>
-            <a:pPr algn="ctr"/>
-            <a:r>
-              <a:rPr lang="ko-KR" altLang="en-US" sz="1800" dirty="0"/>
-              <a:t>교육계열</a:t>
-            </a:r>
-            <a:endParaRPr lang="en-US" altLang="ko-KR" sz="1800" dirty="0"/>
-          </a:p>
-          <a:p>
-            <a:pPr algn="ctr"/>
-            <a:r>
-              <a:rPr lang="ko-KR" altLang="en-US" sz="1800" dirty="0"/>
-              <a:t>자연계열</a:t>
-            </a:r>
-            <a:endParaRPr lang="en-US" altLang="ko-KR" sz="1800" dirty="0"/>
-          </a:p>
-        </p:txBody>
-      </p:sp>
-      <p:sp>
-        <p:nvSpPr>
-          <p:cNvPr id="24" name="타원 23">
-            <a:extLst>
-              <a:ext uri="{FF2B5EF4-FFF2-40B4-BE49-F238E27FC236}">
-                <a16:creationId xmlns:a16="http://schemas.microsoft.com/office/drawing/2014/main" id="{D87EF442-F686-0366-D136-0C7C525F8ACE}"/>
-              </a:ext>
-            </a:extLst>
-          </p:cNvPr>
+            <a:endParaRPr lang="ko-KR" altLang="en-US"/>
+          </a:p>
+        </p:txBody>
+      </p:sp>
+      <p:sp>
+        <p:nvSpPr>
+          <p:cNvPr id="4" name="아래쪽 화살표 3"/>
           <p:cNvSpPr/>
           <p:nvPr/>
         </p:nvSpPr>
         <p:spPr>
           <a:xfrm>
-            <a:off x="421684" y="3998875"/>
-            <a:ext cx="2947387" cy="2778711"/>
-          </a:xfrm>
-          <a:prstGeom prst="ellipse">
+            <a:off x="1444398" y="4980045"/>
+            <a:ext cx="616072" cy="655320"/>
+          </a:xfrm>
+          <a:prstGeom prst="downArrow">
             <a:avLst/>
           </a:prstGeom>
         </p:spPr>
@@ -4531,42 +5161,133 @@
           <a:lstStyle/>
           <a:p>
             <a:pPr algn="ctr"/>
-            <a:r>
-              <a:rPr lang="ko-KR" altLang="en-US" sz="1800" dirty="0"/>
-              <a:t>공학계열</a:t>
-            </a:r>
-            <a:endParaRPr lang="en-US" altLang="ko-KR" sz="1800" dirty="0"/>
-          </a:p>
-          <a:p>
-            <a:pPr algn="ctr"/>
-            <a:r>
-              <a:rPr lang="ko-KR" altLang="en-US" sz="1800" dirty="0"/>
-              <a:t>의약계열</a:t>
-            </a:r>
-            <a:endParaRPr lang="en-US" altLang="ko-KR" sz="1800" dirty="0"/>
-          </a:p>
-        </p:txBody>
-      </p:sp>
-      <p:sp>
-        <p:nvSpPr>
-          <p:cNvPr id="25" name="타원 24">
+            <a:endParaRPr lang="ko-KR" altLang="en-US"/>
+          </a:p>
+        </p:txBody>
+      </p:sp>
+      <p:sp>
+        <p:nvSpPr>
+          <p:cNvPr id="5" name="TextBox 4"/>
+          <p:cNvSpPr txBox="1"/>
+          <p:nvPr/>
+        </p:nvSpPr>
+        <p:spPr>
+          <a:xfrm>
+            <a:off x="3646025" y="3468584"/>
+            <a:ext cx="7795743" cy="369332"/>
+          </a:xfrm>
+          <a:prstGeom prst="rect">
+            <a:avLst/>
+          </a:prstGeom>
+          <a:noFill/>
+        </p:spPr>
+        <p:txBody>
+          <a:bodyPr wrap="square" rtlCol="0">
+            <a:spAutoFit/>
+          </a:bodyPr>
+          <a:lstStyle/>
+          <a:p>
+            <a:r>
+              <a:rPr lang="ko-KR" altLang="en-US" smtClean="0"/>
+              <a:t>대학 모집인원 </a:t>
+            </a:r>
+            <a:endParaRPr lang="en-US" altLang="ko-KR" smtClean="0"/>
+          </a:p>
+        </p:txBody>
+      </p:sp>
+      <p:pic>
+        <p:nvPicPr>
+          <p:cNvPr id="2050" name="Picture 2"/>
+          <p:cNvPicPr>
+            <a:picLocks noChangeAspect="1" noChangeArrowheads="1"/>
+          </p:cNvPicPr>
+          <p:nvPr/>
+        </p:nvPicPr>
+        <p:blipFill>
+          <a:blip r:embed="rId2">
             <a:extLst>
-              <a:ext uri="{FF2B5EF4-FFF2-40B4-BE49-F238E27FC236}">
-                <a16:creationId xmlns:a16="http://schemas.microsoft.com/office/drawing/2014/main" id="{E6DF9946-B36E-09B0-E52A-D36F5FDC649C}"/>
+              <a:ext uri="{28A0092B-C50C-407E-A947-70E740481C1C}">
+                <a14:useLocalDpi xmlns:a14="http://schemas.microsoft.com/office/drawing/2010/main" val="0"/>
               </a:ext>
             </a:extLst>
-          </p:cNvPr>
+          </a:blip>
+          <a:srcRect/>
+          <a:stretch>
+            <a:fillRect/>
+          </a:stretch>
+        </p:blipFill>
+        <p:spPr bwMode="auto">
+          <a:xfrm>
+            <a:off x="3646025" y="4004920"/>
+            <a:ext cx="7199313" cy="1950250"/>
+          </a:xfrm>
+          <a:prstGeom prst="rect">
+            <a:avLst/>
+          </a:prstGeom>
+          <a:noFill/>
+          <a:ln>
+            <a:noFill/>
+          </a:ln>
+          <a:effectLst/>
+          <a:extLst>
+            <a:ext uri="{909E8E84-426E-40DD-AFC4-6F175D3DCCD1}">
+              <a14:hiddenFill xmlns:a14="http://schemas.microsoft.com/office/drawing/2010/main">
+                <a:solidFill>
+                  <a:schemeClr val="accent1"/>
+                </a:solidFill>
+              </a14:hiddenFill>
+            </a:ext>
+            <a:ext uri="{91240B29-F687-4F45-9708-019B960494DF}">
+              <a14:hiddenLine xmlns:a14="http://schemas.microsoft.com/office/drawing/2010/main" w="9525">
+                <a:solidFill>
+                  <a:schemeClr val="tx1"/>
+                </a:solidFill>
+                <a:miter lim="800000"/>
+                <a:headEnd/>
+                <a:tailEnd/>
+              </a14:hiddenLine>
+            </a:ext>
+            <a:ext uri="{AF507438-7753-43E0-B8FC-AC1667EBCBE1}">
+              <a14:hiddenEffects xmlns:a14="http://schemas.microsoft.com/office/drawing/2010/main">
+                <a:effectLst>
+                  <a:outerShdw dist="35921" dir="2700000" algn="ctr" rotWithShape="0">
+                    <a:schemeClr val="bg2"/>
+                  </a:outerShdw>
+                </a:effectLst>
+              </a14:hiddenEffects>
+            </a:ext>
+          </a:extLst>
+        </p:spPr>
+      </p:pic>
+      <p:sp>
+        <p:nvSpPr>
+          <p:cNvPr id="36" name="직사각형 35"/>
           <p:cNvSpPr/>
           <p:nvPr/>
         </p:nvSpPr>
         <p:spPr>
           <a:xfrm>
-            <a:off x="4071518" y="3998875"/>
-            <a:ext cx="2947387" cy="2778711"/>
-          </a:xfrm>
-          <a:prstGeom prst="ellipse">
-            <a:avLst/>
-          </a:prstGeom>
+            <a:off x="0" y="0"/>
+            <a:ext cx="12192000" cy="609600"/>
+          </a:xfrm>
+          <a:prstGeom prst="rect">
+            <a:avLst/>
+          </a:prstGeom>
+          <a:gradFill flip="none" rotWithShape="1">
+            <a:gsLst>
+              <a:gs pos="58000">
+                <a:srgbClr val="0275D8"/>
+              </a:gs>
+              <a:gs pos="100000">
+                <a:srgbClr val="59B3FD"/>
+              </a:gs>
+            </a:gsLst>
+            <a:lin ang="0" scaled="1"/>
+            <a:tileRect/>
+          </a:gradFill>
+          <a:ln>
+            <a:noFill/>
+          </a:ln>
         </p:spPr>
         <p:style>
           <a:lnRef idx="2">
@@ -4589,38 +5310,66 @@
           <a:lstStyle/>
           <a:p>
             <a:pPr algn="ctr"/>
-            <a:r>
-              <a:rPr lang="ko-KR" altLang="en-US" sz="1800" dirty="0"/>
-              <a:t>예체능계열</a:t>
-            </a:r>
-            <a:endParaRPr lang="en-US" altLang="ko-KR" sz="1800" dirty="0"/>
-          </a:p>
+            <a:endParaRPr lang="ko-KR" altLang="en-US"/>
+          </a:p>
+        </p:txBody>
+      </p:sp>
+      <p:sp>
+        <p:nvSpPr>
+          <p:cNvPr id="37" name="직사각형 36"/>
+          <p:cNvSpPr/>
+          <p:nvPr/>
+        </p:nvSpPr>
+        <p:spPr>
+          <a:xfrm>
+            <a:off x="619125" y="0"/>
+            <a:ext cx="2228850" cy="609600"/>
+          </a:xfrm>
+          <a:prstGeom prst="rect">
+            <a:avLst/>
+          </a:prstGeom>
+          <a:solidFill>
+            <a:schemeClr val="bg1"/>
+          </a:solidFill>
+          <a:ln>
+            <a:noFill/>
+          </a:ln>
+        </p:spPr>
+        <p:style>
+          <a:lnRef idx="2">
+            <a:schemeClr val="accent1">
+              <a:shade val="50000"/>
+            </a:schemeClr>
+          </a:lnRef>
+          <a:fillRef idx="1">
+            <a:schemeClr val="accent1"/>
+          </a:fillRef>
+          <a:effectRef idx="0">
+            <a:schemeClr val="accent1"/>
+          </a:effectRef>
+          <a:fontRef idx="minor">
+            <a:schemeClr val="lt1"/>
+          </a:fontRef>
+        </p:style>
+        <p:txBody>
+          <a:bodyPr rtlCol="0" anchor="ctr"/>
+          <a:lstStyle/>
           <a:p>
             <a:pPr algn="ctr"/>
-            <a:r>
-              <a:rPr lang="ko-KR" altLang="en-US" sz="1800" dirty="0"/>
-              <a:t>사회계열</a:t>
-            </a:r>
-            <a:endParaRPr lang="en-US" altLang="ko-KR" sz="1800" dirty="0"/>
-          </a:p>
-        </p:txBody>
-      </p:sp>
-      <p:sp>
-        <p:nvSpPr>
-          <p:cNvPr id="26" name="TextBox 25">
-            <a:extLst>
-              <a:ext uri="{FF2B5EF4-FFF2-40B4-BE49-F238E27FC236}">
-                <a16:creationId xmlns:a16="http://schemas.microsoft.com/office/drawing/2014/main" id="{33DBDC6D-73E8-F52E-12F4-D7FA510B8B42}"/>
-              </a:ext>
-            </a:extLst>
-          </p:cNvPr>
+            <a:endParaRPr lang="ko-KR" altLang="en-US"/>
+          </a:p>
+        </p:txBody>
+      </p:sp>
+      <p:sp>
+        <p:nvSpPr>
+          <p:cNvPr id="38" name="TextBox 37"/>
           <p:cNvSpPr txBox="1"/>
           <p:nvPr/>
         </p:nvSpPr>
         <p:spPr>
           <a:xfrm>
-            <a:off x="843374" y="3396734"/>
-            <a:ext cx="2104008" cy="369332"/>
+            <a:off x="606551" y="35957"/>
+            <a:ext cx="2255746" cy="246221"/>
           </a:xfrm>
           <a:prstGeom prst="rect">
             <a:avLst/>
@@ -4628,35 +5377,51 @@
           <a:noFill/>
         </p:spPr>
         <p:txBody>
-          <a:bodyPr wrap="square" rtlCol="0">
+          <a:bodyPr wrap="none" rtlCol="0">
             <a:spAutoFit/>
           </a:bodyPr>
           <a:lstStyle/>
           <a:p>
-            <a:pPr algn="ctr"/>
-            <a:r>
-              <a:rPr lang="ko-KR" altLang="en-US" dirty="0"/>
-              <a:t>미래전망 좋음 </a:t>
-            </a:r>
-          </a:p>
-        </p:txBody>
-      </p:sp>
-      <p:sp>
-        <p:nvSpPr>
-          <p:cNvPr id="27" name="TextBox 26">
-            <a:extLst>
-              <a:ext uri="{FF2B5EF4-FFF2-40B4-BE49-F238E27FC236}">
-                <a16:creationId xmlns:a16="http://schemas.microsoft.com/office/drawing/2014/main" id="{39B7A4CD-E4D2-2B79-79B8-18A9B2E826E5}"/>
-              </a:ext>
-            </a:extLst>
-          </p:cNvPr>
+            <a:r>
+              <a:rPr lang="en-US" altLang="ko-KR" sz="1000" smtClean="0">
+                <a:solidFill>
+                  <a:schemeClr val="bg1">
+                    <a:lumMod val="50000"/>
+                  </a:schemeClr>
+                </a:solidFill>
+              </a:rPr>
+              <a:t>23</a:t>
+            </a:r>
+            <a:r>
+              <a:rPr lang="ko-KR" altLang="en-US" sz="1000" smtClean="0">
+                <a:solidFill>
+                  <a:schemeClr val="bg1">
+                    <a:lumMod val="50000"/>
+                  </a:schemeClr>
+                </a:solidFill>
+              </a:rPr>
+              <a:t>년 교육 공공데이터 분석활용대회</a:t>
+            </a:r>
+            <a:endParaRPr lang="ko-KR" altLang="en-US" sz="1000">
+              <a:solidFill>
+                <a:schemeClr val="bg1">
+                  <a:lumMod val="50000"/>
+                </a:schemeClr>
+              </a:solidFill>
+            </a:endParaRPr>
+          </a:p>
+        </p:txBody>
+      </p:sp>
+      <p:sp>
+        <p:nvSpPr>
+          <p:cNvPr id="39" name="TextBox 38"/>
           <p:cNvSpPr txBox="1"/>
           <p:nvPr/>
         </p:nvSpPr>
         <p:spPr>
           <a:xfrm>
-            <a:off x="4304188" y="3396734"/>
-            <a:ext cx="2246050" cy="369332"/>
+            <a:off x="742950" y="293132"/>
+            <a:ext cx="1221809" cy="261610"/>
           </a:xfrm>
           <a:prstGeom prst="rect">
             <a:avLst/>
@@ -4664,52 +5429,30 @@
           <a:noFill/>
         </p:spPr>
         <p:txBody>
-          <a:bodyPr wrap="square" rtlCol="0">
+          <a:bodyPr wrap="none" rtlCol="0">
             <a:spAutoFit/>
           </a:bodyPr>
           <a:lstStyle/>
           <a:p>
-            <a:pPr algn="ctr"/>
-            <a:r>
-              <a:rPr lang="ko-KR" altLang="en-US" dirty="0"/>
-              <a:t>미래전망 변화 없음 </a:t>
-            </a:r>
-          </a:p>
-        </p:txBody>
-      </p:sp>
-      <p:sp>
-        <p:nvSpPr>
-          <p:cNvPr id="28" name="TextBox 27">
-            <a:extLst>
-              <a:ext uri="{FF2B5EF4-FFF2-40B4-BE49-F238E27FC236}">
-                <a16:creationId xmlns:a16="http://schemas.microsoft.com/office/drawing/2014/main" id="{08C00A3F-3BCC-B7FC-A129-F5F1EAD2014B}"/>
-              </a:ext>
-            </a:extLst>
-          </p:cNvPr>
-          <p:cNvSpPr txBox="1"/>
-          <p:nvPr/>
-        </p:nvSpPr>
-        <p:spPr>
-          <a:xfrm>
-            <a:off x="8049086" y="3396734"/>
-            <a:ext cx="2104008" cy="369332"/>
-          </a:xfrm>
-          <a:prstGeom prst="rect">
-            <a:avLst/>
-          </a:prstGeom>
-          <a:noFill/>
-        </p:spPr>
-        <p:txBody>
-          <a:bodyPr wrap="square" rtlCol="0">
-            <a:spAutoFit/>
-          </a:bodyPr>
-          <a:lstStyle/>
-          <a:p>
-            <a:pPr algn="ctr"/>
-            <a:r>
-              <a:rPr lang="ko-KR" altLang="en-US" dirty="0"/>
-              <a:t>미래전망 나쁨</a:t>
-            </a:r>
+            <a:r>
+              <a:rPr lang="ko-KR" altLang="en-US" sz="1100" smtClean="0">
+                <a:solidFill>
+                  <a:schemeClr val="tx1">
+                    <a:lumMod val="75000"/>
+                    <a:lumOff val="25000"/>
+                  </a:schemeClr>
+                </a:solidFill>
+              </a:rPr>
+              <a:t>ㅇㅇㅇ학교 김준</a:t>
+            </a:r>
+            <a:endParaRPr lang="ko-KR" altLang="en-US" sz="1100">
+              <a:solidFill>
+                <a:schemeClr val="tx1">
+                  <a:lumMod val="75000"/>
+                  <a:lumOff val="25000"/>
+                </a:schemeClr>
+              </a:solidFill>
+            </a:endParaRPr>
           </a:p>
         </p:txBody>
       </p:sp>
@@ -4743,29 +5486,314 @@
           <a:chExt cx="0" cy="0"/>
         </a:xfrm>
       </p:grpSpPr>
-      <p:sp>
-        <p:nvSpPr>
-          <p:cNvPr id="2" name="직사각형 1">
+      <p:pic>
+        <p:nvPicPr>
+          <p:cNvPr id="4" name="그림 3">
             <a:extLst>
               <a:ext uri="{FF2B5EF4-FFF2-40B4-BE49-F238E27FC236}">
-                <a16:creationId xmlns:a16="http://schemas.microsoft.com/office/drawing/2014/main" id="{BF485558-DF35-E8C2-7E88-5F978F2C22D7}"/>
+                <a16:creationId xmlns:a16="http://schemas.microsoft.com/office/drawing/2014/main" xmlns="" id="{971B3913-9E0C-673C-2490-A924CB0BC2F5}"/>
               </a:ext>
             </a:extLst>
           </p:cNvPr>
+          <p:cNvPicPr>
+            <a:picLocks noChangeAspect="1"/>
+          </p:cNvPicPr>
+          <p:nvPr/>
+        </p:nvPicPr>
+        <p:blipFill>
+          <a:blip r:embed="rId2"/>
+          <a:stretch>
+            <a:fillRect/>
+          </a:stretch>
+        </p:blipFill>
+        <p:spPr>
+          <a:xfrm>
+            <a:off x="229387" y="1921597"/>
+            <a:ext cx="2820179" cy="2281561"/>
+          </a:xfrm>
+          <a:prstGeom prst="rect">
+            <a:avLst/>
+          </a:prstGeom>
+        </p:spPr>
+      </p:pic>
+      <p:pic>
+        <p:nvPicPr>
+          <p:cNvPr id="6" name="그림 5">
+            <a:extLst>
+              <a:ext uri="{FF2B5EF4-FFF2-40B4-BE49-F238E27FC236}">
+                <a16:creationId xmlns:a16="http://schemas.microsoft.com/office/drawing/2014/main" xmlns="" id="{953BDC42-6E52-5405-E154-B28F8140DCD6}"/>
+              </a:ext>
+            </a:extLst>
+          </p:cNvPr>
+          <p:cNvPicPr>
+            <a:picLocks noChangeAspect="1"/>
+          </p:cNvPicPr>
+          <p:nvPr/>
+        </p:nvPicPr>
+        <p:blipFill>
+          <a:blip r:embed="rId3"/>
+          <a:stretch>
+            <a:fillRect/>
+          </a:stretch>
+        </p:blipFill>
+        <p:spPr>
+          <a:xfrm>
+            <a:off x="3100996" y="1910227"/>
+            <a:ext cx="2833352" cy="2281561"/>
+          </a:xfrm>
+          <a:prstGeom prst="rect">
+            <a:avLst/>
+          </a:prstGeom>
+        </p:spPr>
+      </p:pic>
+      <p:pic>
+        <p:nvPicPr>
+          <p:cNvPr id="8" name="그림 7">
+            <a:extLst>
+              <a:ext uri="{FF2B5EF4-FFF2-40B4-BE49-F238E27FC236}">
+                <a16:creationId xmlns:a16="http://schemas.microsoft.com/office/drawing/2014/main" xmlns="" id="{AA6A5B24-9241-D6BB-7127-9EB0EC865FBD}"/>
+              </a:ext>
+            </a:extLst>
+          </p:cNvPr>
+          <p:cNvPicPr>
+            <a:picLocks noChangeAspect="1"/>
+          </p:cNvPicPr>
+          <p:nvPr/>
+        </p:nvPicPr>
+        <p:blipFill>
+          <a:blip r:embed="rId4"/>
+          <a:stretch>
+            <a:fillRect/>
+          </a:stretch>
+        </p:blipFill>
+        <p:spPr>
+          <a:xfrm>
+            <a:off x="5837334" y="1921597"/>
+            <a:ext cx="2944426" cy="2258822"/>
+          </a:xfrm>
+          <a:prstGeom prst="rect">
+            <a:avLst/>
+          </a:prstGeom>
+        </p:spPr>
+      </p:pic>
+      <p:pic>
+        <p:nvPicPr>
+          <p:cNvPr id="10" name="그림 9">
+            <a:extLst>
+              <a:ext uri="{FF2B5EF4-FFF2-40B4-BE49-F238E27FC236}">
+                <a16:creationId xmlns:a16="http://schemas.microsoft.com/office/drawing/2014/main" xmlns="" id="{135940D2-7E0F-513A-750C-260F3BCDECCA}"/>
+              </a:ext>
+            </a:extLst>
+          </p:cNvPr>
+          <p:cNvPicPr>
+            <a:picLocks noChangeAspect="1"/>
+          </p:cNvPicPr>
+          <p:nvPr/>
+        </p:nvPicPr>
+        <p:blipFill>
+          <a:blip r:embed="rId5"/>
+          <a:stretch>
+            <a:fillRect/>
+          </a:stretch>
+        </p:blipFill>
+        <p:spPr>
+          <a:xfrm>
+            <a:off x="8750489" y="1969337"/>
+            <a:ext cx="2820179" cy="2163342"/>
+          </a:xfrm>
+          <a:prstGeom prst="rect">
+            <a:avLst/>
+          </a:prstGeom>
+        </p:spPr>
+      </p:pic>
+      <p:pic>
+        <p:nvPicPr>
+          <p:cNvPr id="12" name="그림 11">
+            <a:extLst>
+              <a:ext uri="{FF2B5EF4-FFF2-40B4-BE49-F238E27FC236}">
+                <a16:creationId xmlns:a16="http://schemas.microsoft.com/office/drawing/2014/main" xmlns="" id="{4837C122-86E5-79FD-EE6F-2417AD4BBB84}"/>
+              </a:ext>
+            </a:extLst>
+          </p:cNvPr>
+          <p:cNvPicPr>
+            <a:picLocks noChangeAspect="1"/>
+          </p:cNvPicPr>
+          <p:nvPr/>
+        </p:nvPicPr>
+        <p:blipFill>
+          <a:blip r:embed="rId6"/>
+          <a:stretch>
+            <a:fillRect/>
+          </a:stretch>
+        </p:blipFill>
+        <p:spPr>
+          <a:xfrm>
+            <a:off x="1755425" y="4228362"/>
+            <a:ext cx="2787767" cy="2263519"/>
+          </a:xfrm>
+          <a:prstGeom prst="rect">
+            <a:avLst/>
+          </a:prstGeom>
+        </p:spPr>
+      </p:pic>
+      <p:pic>
+        <p:nvPicPr>
+          <p:cNvPr id="14" name="그림 13">
+            <a:extLst>
+              <a:ext uri="{FF2B5EF4-FFF2-40B4-BE49-F238E27FC236}">
+                <a16:creationId xmlns:a16="http://schemas.microsoft.com/office/drawing/2014/main" xmlns="" id="{36CD617A-9162-3FC7-F9DA-9263E08DA713}"/>
+              </a:ext>
+            </a:extLst>
+          </p:cNvPr>
+          <p:cNvPicPr>
+            <a:picLocks noChangeAspect="1"/>
+          </p:cNvPicPr>
+          <p:nvPr/>
+        </p:nvPicPr>
+        <p:blipFill>
+          <a:blip r:embed="rId7"/>
+          <a:stretch>
+            <a:fillRect/>
+          </a:stretch>
+        </p:blipFill>
+        <p:spPr>
+          <a:xfrm>
+            <a:off x="4517672" y="4191788"/>
+            <a:ext cx="2944426" cy="2313928"/>
+          </a:xfrm>
+          <a:prstGeom prst="rect">
+            <a:avLst/>
+          </a:prstGeom>
+        </p:spPr>
+      </p:pic>
+      <p:pic>
+        <p:nvPicPr>
+          <p:cNvPr id="16" name="그림 15">
+            <a:extLst>
+              <a:ext uri="{FF2B5EF4-FFF2-40B4-BE49-F238E27FC236}">
+                <a16:creationId xmlns:a16="http://schemas.microsoft.com/office/drawing/2014/main" xmlns="" id="{12EAEF58-5040-254C-943E-4A32CF28B745}"/>
+              </a:ext>
+            </a:extLst>
+          </p:cNvPr>
+          <p:cNvPicPr>
+            <a:picLocks noChangeAspect="1"/>
+          </p:cNvPicPr>
+          <p:nvPr/>
+        </p:nvPicPr>
+        <p:blipFill>
+          <a:blip r:embed="rId8"/>
+          <a:stretch>
+            <a:fillRect/>
+          </a:stretch>
+        </p:blipFill>
+        <p:spPr>
+          <a:xfrm>
+            <a:off x="7327088" y="4180419"/>
+            <a:ext cx="2909343" cy="2263519"/>
+          </a:xfrm>
+          <a:prstGeom prst="rect">
+            <a:avLst/>
+          </a:prstGeom>
+        </p:spPr>
+      </p:pic>
+      <p:sp>
+        <p:nvSpPr>
+          <p:cNvPr id="11" name="TextBox 10">
+            <a:extLst>
+              <a:ext uri="{FF2B5EF4-FFF2-40B4-BE49-F238E27FC236}">
+                <a16:creationId xmlns:a16="http://schemas.microsoft.com/office/drawing/2014/main" xmlns="" id="{BA54766E-B47E-FB76-1E3A-17A94EDECBD6}"/>
+              </a:ext>
+            </a:extLst>
+          </p:cNvPr>
+          <p:cNvSpPr txBox="1"/>
+          <p:nvPr/>
+        </p:nvSpPr>
+        <p:spPr>
+          <a:xfrm>
+            <a:off x="317421" y="797225"/>
+            <a:ext cx="4225771" cy="369332"/>
+          </a:xfrm>
+          <a:prstGeom prst="rect">
+            <a:avLst/>
+          </a:prstGeom>
+          <a:noFill/>
+        </p:spPr>
+        <p:txBody>
+          <a:bodyPr wrap="square" rtlCol="0">
+            <a:spAutoFit/>
+          </a:bodyPr>
+          <a:lstStyle/>
+          <a:p>
+            <a:r>
+              <a:rPr lang="ko-KR" altLang="en-US" smtClean="0"/>
+              <a:t>전체 프리뷰</a:t>
+            </a:r>
+            <a:endParaRPr lang="ko-KR" altLang="en-US" dirty="0"/>
+          </a:p>
+        </p:txBody>
+      </p:sp>
+      <p:sp>
+        <p:nvSpPr>
+          <p:cNvPr id="13" name="TextBox 12">
+            <a:extLst>
+              <a:ext uri="{FF2B5EF4-FFF2-40B4-BE49-F238E27FC236}">
+                <a16:creationId xmlns:a16="http://schemas.microsoft.com/office/drawing/2014/main" xmlns="" id="{BA54766E-B47E-FB76-1E3A-17A94EDECBD6}"/>
+              </a:ext>
+            </a:extLst>
+          </p:cNvPr>
+          <p:cNvSpPr txBox="1"/>
+          <p:nvPr/>
+        </p:nvSpPr>
+        <p:spPr>
+          <a:xfrm>
+            <a:off x="254907" y="1195336"/>
+            <a:ext cx="4225771" cy="369332"/>
+          </a:xfrm>
+          <a:prstGeom prst="rect">
+            <a:avLst/>
+          </a:prstGeom>
+          <a:noFill/>
+        </p:spPr>
+        <p:txBody>
+          <a:bodyPr wrap="square" rtlCol="0">
+            <a:spAutoFit/>
+          </a:bodyPr>
+          <a:lstStyle/>
+          <a:p>
+            <a:r>
+              <a:rPr lang="en-US" altLang="ko-KR" smtClean="0"/>
+              <a:t>Ipsum Loreasdfakjflkajfdkl</a:t>
+            </a:r>
+            <a:endParaRPr lang="ko-KR" altLang="en-US" dirty="0"/>
+          </a:p>
+        </p:txBody>
+      </p:sp>
+      <p:sp>
+        <p:nvSpPr>
+          <p:cNvPr id="23" name="직사각형 22"/>
           <p:cNvSpPr/>
           <p:nvPr/>
         </p:nvSpPr>
         <p:spPr>
           <a:xfrm>
             <a:off x="0" y="0"/>
-            <a:ext cx="12192000" cy="6858000"/>
-          </a:xfrm>
-          <a:prstGeom prst="rect">
-            <a:avLst/>
-          </a:prstGeom>
-          <a:solidFill>
-            <a:srgbClr val="E8F5FC"/>
-          </a:solidFill>
+            <a:ext cx="12192000" cy="609600"/>
+          </a:xfrm>
+          <a:prstGeom prst="rect">
+            <a:avLst/>
+          </a:prstGeom>
+          <a:gradFill flip="none" rotWithShape="1">
+            <a:gsLst>
+              <a:gs pos="58000">
+                <a:srgbClr val="0275D8"/>
+              </a:gs>
+              <a:gs pos="100000">
+                <a:srgbClr val="59B3FD"/>
+              </a:gs>
+            </a:gsLst>
+            <a:lin ang="0" scaled="1"/>
+            <a:tileRect/>
+          </a:gradFill>
           <a:ln>
             <a:noFill/>
           </a:ln>
@@ -4791,236 +5819,66 @@
           <a:lstStyle/>
           <a:p>
             <a:pPr algn="ctr"/>
-            <a:endParaRPr lang="ko-KR" altLang="en-US" dirty="0"/>
-          </a:p>
-        </p:txBody>
-      </p:sp>
-      <p:pic>
-        <p:nvPicPr>
-          <p:cNvPr id="4" name="그림 3">
-            <a:extLst>
-              <a:ext uri="{FF2B5EF4-FFF2-40B4-BE49-F238E27FC236}">
-                <a16:creationId xmlns:a16="http://schemas.microsoft.com/office/drawing/2014/main" id="{971B3913-9E0C-673C-2490-A924CB0BC2F5}"/>
-              </a:ext>
-            </a:extLst>
-          </p:cNvPr>
-          <p:cNvPicPr>
-            <a:picLocks noChangeAspect="1"/>
-          </p:cNvPicPr>
-          <p:nvPr/>
-        </p:nvPicPr>
-        <p:blipFill>
-          <a:blip r:embed="rId2"/>
-          <a:stretch>
-            <a:fillRect/>
-          </a:stretch>
-        </p:blipFill>
-        <p:spPr>
-          <a:xfrm>
-            <a:off x="147744" y="284085"/>
-            <a:ext cx="2820179" cy="2281561"/>
-          </a:xfrm>
-          <a:prstGeom prst="rect">
-            <a:avLst/>
-          </a:prstGeom>
-        </p:spPr>
-      </p:pic>
-      <p:pic>
-        <p:nvPicPr>
-          <p:cNvPr id="6" name="그림 5">
-            <a:extLst>
-              <a:ext uri="{FF2B5EF4-FFF2-40B4-BE49-F238E27FC236}">
-                <a16:creationId xmlns:a16="http://schemas.microsoft.com/office/drawing/2014/main" id="{953BDC42-6E52-5405-E154-B28F8140DCD6}"/>
-              </a:ext>
-            </a:extLst>
-          </p:cNvPr>
-          <p:cNvPicPr>
-            <a:picLocks noChangeAspect="1"/>
-          </p:cNvPicPr>
-          <p:nvPr/>
-        </p:nvPicPr>
-        <p:blipFill>
-          <a:blip r:embed="rId3"/>
-          <a:stretch>
-            <a:fillRect/>
-          </a:stretch>
-        </p:blipFill>
-        <p:spPr>
-          <a:xfrm>
-            <a:off x="2967924" y="284085"/>
-            <a:ext cx="2833352" cy="2281561"/>
-          </a:xfrm>
-          <a:prstGeom prst="rect">
-            <a:avLst/>
-          </a:prstGeom>
-        </p:spPr>
-      </p:pic>
-      <p:pic>
-        <p:nvPicPr>
-          <p:cNvPr id="8" name="그림 7">
-            <a:extLst>
-              <a:ext uri="{FF2B5EF4-FFF2-40B4-BE49-F238E27FC236}">
-                <a16:creationId xmlns:a16="http://schemas.microsoft.com/office/drawing/2014/main" id="{AA6A5B24-9241-D6BB-7127-9EB0EC865FBD}"/>
-              </a:ext>
-            </a:extLst>
-          </p:cNvPr>
-          <p:cNvPicPr>
-            <a:picLocks noChangeAspect="1"/>
-          </p:cNvPicPr>
-          <p:nvPr/>
-        </p:nvPicPr>
-        <p:blipFill>
-          <a:blip r:embed="rId4"/>
-          <a:stretch>
-            <a:fillRect/>
-          </a:stretch>
-        </p:blipFill>
-        <p:spPr>
-          <a:xfrm>
-            <a:off x="5755691" y="284085"/>
-            <a:ext cx="2944426" cy="2258822"/>
-          </a:xfrm>
-          <a:prstGeom prst="rect">
-            <a:avLst/>
-          </a:prstGeom>
-        </p:spPr>
-      </p:pic>
-      <p:pic>
-        <p:nvPicPr>
-          <p:cNvPr id="10" name="그림 9">
-            <a:extLst>
-              <a:ext uri="{FF2B5EF4-FFF2-40B4-BE49-F238E27FC236}">
-                <a16:creationId xmlns:a16="http://schemas.microsoft.com/office/drawing/2014/main" id="{135940D2-7E0F-513A-750C-260F3BCDECCA}"/>
-              </a:ext>
-            </a:extLst>
-          </p:cNvPr>
-          <p:cNvPicPr>
-            <a:picLocks noChangeAspect="1"/>
-          </p:cNvPicPr>
-          <p:nvPr/>
-        </p:nvPicPr>
-        <p:blipFill>
-          <a:blip r:embed="rId5"/>
-          <a:stretch>
-            <a:fillRect/>
-          </a:stretch>
-        </p:blipFill>
-        <p:spPr>
-          <a:xfrm>
-            <a:off x="8668846" y="331825"/>
-            <a:ext cx="2820179" cy="2163342"/>
-          </a:xfrm>
-          <a:prstGeom prst="rect">
-            <a:avLst/>
-          </a:prstGeom>
-        </p:spPr>
-      </p:pic>
-      <p:pic>
-        <p:nvPicPr>
-          <p:cNvPr id="12" name="그림 11">
-            <a:extLst>
-              <a:ext uri="{FF2B5EF4-FFF2-40B4-BE49-F238E27FC236}">
-                <a16:creationId xmlns:a16="http://schemas.microsoft.com/office/drawing/2014/main" id="{4837C122-86E5-79FD-EE6F-2417AD4BBB84}"/>
-              </a:ext>
-            </a:extLst>
-          </p:cNvPr>
-          <p:cNvPicPr>
-            <a:picLocks noChangeAspect="1"/>
-          </p:cNvPicPr>
-          <p:nvPr/>
-        </p:nvPicPr>
-        <p:blipFill>
-          <a:blip r:embed="rId6"/>
-          <a:stretch>
-            <a:fillRect/>
-          </a:stretch>
-        </p:blipFill>
-        <p:spPr>
-          <a:xfrm>
-            <a:off x="180157" y="2542907"/>
-            <a:ext cx="2787767" cy="2263519"/>
-          </a:xfrm>
-          <a:prstGeom prst="rect">
-            <a:avLst/>
-          </a:prstGeom>
-        </p:spPr>
-      </p:pic>
-      <p:pic>
-        <p:nvPicPr>
-          <p:cNvPr id="14" name="그림 13">
-            <a:extLst>
-              <a:ext uri="{FF2B5EF4-FFF2-40B4-BE49-F238E27FC236}">
-                <a16:creationId xmlns:a16="http://schemas.microsoft.com/office/drawing/2014/main" id="{36CD617A-9162-3FC7-F9DA-9263E08DA713}"/>
-              </a:ext>
-            </a:extLst>
-          </p:cNvPr>
-          <p:cNvPicPr>
-            <a:picLocks noChangeAspect="1"/>
-          </p:cNvPicPr>
-          <p:nvPr/>
-        </p:nvPicPr>
-        <p:blipFill>
-          <a:blip r:embed="rId7"/>
-          <a:stretch>
-            <a:fillRect/>
-          </a:stretch>
-        </p:blipFill>
-        <p:spPr>
-          <a:xfrm>
-            <a:off x="2966783" y="2529072"/>
-            <a:ext cx="2944426" cy="2313928"/>
-          </a:xfrm>
-          <a:prstGeom prst="rect">
-            <a:avLst/>
-          </a:prstGeom>
-        </p:spPr>
-      </p:pic>
-      <p:pic>
-        <p:nvPicPr>
-          <p:cNvPr id="16" name="그림 15">
-            <a:extLst>
-              <a:ext uri="{FF2B5EF4-FFF2-40B4-BE49-F238E27FC236}">
-                <a16:creationId xmlns:a16="http://schemas.microsoft.com/office/drawing/2014/main" id="{12EAEF58-5040-254C-943E-4A32CF28B745}"/>
-              </a:ext>
-            </a:extLst>
-          </p:cNvPr>
-          <p:cNvPicPr>
-            <a:picLocks noChangeAspect="1"/>
-          </p:cNvPicPr>
-          <p:nvPr/>
-        </p:nvPicPr>
-        <p:blipFill>
-          <a:blip r:embed="rId8"/>
-          <a:stretch>
-            <a:fillRect/>
-          </a:stretch>
-        </p:blipFill>
-        <p:spPr>
-          <a:xfrm>
-            <a:off x="5860491" y="2542907"/>
-            <a:ext cx="2909343" cy="2263519"/>
-          </a:xfrm>
-          <a:prstGeom prst="rect">
-            <a:avLst/>
-          </a:prstGeom>
-        </p:spPr>
-      </p:pic>
-      <p:sp>
-        <p:nvSpPr>
-          <p:cNvPr id="17" name="TextBox 16">
-            <a:extLst>
-              <a:ext uri="{FF2B5EF4-FFF2-40B4-BE49-F238E27FC236}">
-                <a16:creationId xmlns:a16="http://schemas.microsoft.com/office/drawing/2014/main" id="{94810DC0-6629-FD42-24CB-D8D5546E74A6}"/>
-              </a:ext>
-            </a:extLst>
-          </p:cNvPr>
+            <a:endParaRPr lang="ko-KR" altLang="en-US"/>
+          </a:p>
+        </p:txBody>
+      </p:sp>
+      <p:sp>
+        <p:nvSpPr>
+          <p:cNvPr id="24" name="직사각형 23"/>
+          <p:cNvSpPr/>
+          <p:nvPr/>
+        </p:nvSpPr>
+        <p:spPr>
+          <a:xfrm>
+            <a:off x="619125" y="0"/>
+            <a:ext cx="2228850" cy="609600"/>
+          </a:xfrm>
+          <a:prstGeom prst="rect">
+            <a:avLst/>
+          </a:prstGeom>
+          <a:solidFill>
+            <a:schemeClr val="bg1"/>
+          </a:solidFill>
+          <a:ln>
+            <a:noFill/>
+          </a:ln>
+        </p:spPr>
+        <p:style>
+          <a:lnRef idx="2">
+            <a:schemeClr val="accent1">
+              <a:shade val="50000"/>
+            </a:schemeClr>
+          </a:lnRef>
+          <a:fillRef idx="1">
+            <a:schemeClr val="accent1"/>
+          </a:fillRef>
+          <a:effectRef idx="0">
+            <a:schemeClr val="accent1"/>
+          </a:effectRef>
+          <a:fontRef idx="minor">
+            <a:schemeClr val="lt1"/>
+          </a:fontRef>
+        </p:style>
+        <p:txBody>
+          <a:bodyPr rtlCol="0" anchor="ctr"/>
+          <a:lstStyle/>
+          <a:p>
+            <a:pPr algn="ctr"/>
+            <a:endParaRPr lang="ko-KR" altLang="en-US"/>
+          </a:p>
+        </p:txBody>
+      </p:sp>
+      <p:sp>
+        <p:nvSpPr>
+          <p:cNvPr id="25" name="TextBox 24"/>
           <p:cNvSpPr txBox="1"/>
           <p:nvPr/>
         </p:nvSpPr>
         <p:spPr>
           <a:xfrm>
-            <a:off x="147744" y="5220070"/>
-            <a:ext cx="10502283" cy="923330"/>
+            <a:off x="606551" y="35957"/>
+            <a:ext cx="2255746" cy="246221"/>
           </a:xfrm>
           <a:prstGeom prst="rect">
             <a:avLst/>
@@ -5028,81 +5886,82 @@
           <a:noFill/>
         </p:spPr>
         <p:txBody>
-          <a:bodyPr wrap="square" rtlCol="0">
+          <a:bodyPr wrap="none" rtlCol="0">
             <a:spAutoFit/>
           </a:bodyPr>
           <a:lstStyle/>
           <a:p>
             <a:r>
-              <a:rPr lang="ko-KR" altLang="en-US" dirty="0"/>
-              <a:t>현재 공학계열과 의학계열의 비중은 꾸준히 증가하고 있다</a:t>
-            </a:r>
-            <a:r>
-              <a:rPr lang="en-US" altLang="ko-KR" dirty="0"/>
-              <a:t>. </a:t>
-            </a:r>
-            <a:r>
-              <a:rPr lang="ko-KR" altLang="en-US" dirty="0"/>
-              <a:t>이에 반해 사회계열은 </a:t>
-            </a:r>
-            <a:r>
-              <a:rPr lang="en-US" altLang="ko-KR" dirty="0"/>
-              <a:t>2016</a:t>
-            </a:r>
-            <a:r>
-              <a:rPr lang="ko-KR" altLang="en-US" dirty="0"/>
-              <a:t>년 가장 많은 인원을 모집했지만 현재는 공학에 밀려 </a:t>
-            </a:r>
-            <a:r>
-              <a:rPr lang="en-US" altLang="ko-KR" dirty="0"/>
-              <a:t>2</a:t>
-            </a:r>
-            <a:r>
-              <a:rPr lang="ko-KR" altLang="en-US" dirty="0"/>
-              <a:t>위로 밀려났다</a:t>
-            </a:r>
-            <a:r>
-              <a:rPr lang="en-US" altLang="ko-KR" dirty="0"/>
-              <a:t>. </a:t>
-            </a:r>
-            <a:r>
-              <a:rPr lang="ko-KR" altLang="en-US" dirty="0"/>
-              <a:t>인문계열 또한 인원이 줄어들었다</a:t>
-            </a:r>
-            <a:r>
-              <a:rPr lang="en-US" altLang="ko-KR" dirty="0"/>
-              <a:t>.</a:t>
-            </a:r>
-          </a:p>
-          <a:p>
-            <a:r>
-              <a:rPr lang="ko-KR" altLang="en-US" dirty="0"/>
-              <a:t>전체적으로 문과계열이 감소하고 있고 예체능</a:t>
-            </a:r>
-            <a:r>
-              <a:rPr lang="en-US" altLang="ko-KR" dirty="0"/>
-              <a:t>, </a:t>
-            </a:r>
-            <a:r>
-              <a:rPr lang="ko-KR" altLang="en-US" dirty="0"/>
-              <a:t>교육</a:t>
-            </a:r>
-            <a:r>
-              <a:rPr lang="en-US" altLang="ko-KR" dirty="0"/>
-              <a:t>, </a:t>
-            </a:r>
-            <a:r>
-              <a:rPr lang="ko-KR" altLang="en-US" dirty="0"/>
-              <a:t>자연계열은 </a:t>
-            </a:r>
-            <a:r>
-              <a:rPr lang="en-US" altLang="ko-KR" dirty="0"/>
-              <a:t>6</a:t>
-            </a:r>
-            <a:r>
-              <a:rPr lang="ko-KR" altLang="en-US" dirty="0"/>
-              <a:t>년째 비슷한 추이를 보이고 있다</a:t>
-            </a:r>
+              <a:rPr lang="en-US" altLang="ko-KR" sz="1000" smtClean="0">
+                <a:solidFill>
+                  <a:schemeClr val="bg1">
+                    <a:lumMod val="50000"/>
+                  </a:schemeClr>
+                </a:solidFill>
+              </a:rPr>
+              <a:t>23</a:t>
+            </a:r>
+            <a:r>
+              <a:rPr lang="ko-KR" altLang="en-US" sz="1000" smtClean="0">
+                <a:solidFill>
+                  <a:schemeClr val="bg1">
+                    <a:lumMod val="50000"/>
+                  </a:schemeClr>
+                </a:solidFill>
+              </a:rPr>
+              <a:t>년 교육 공공데이터 분석활용대회</a:t>
+            </a:r>
+            <a:endParaRPr lang="ko-KR" altLang="en-US" sz="1000">
+              <a:solidFill>
+                <a:schemeClr val="bg1">
+                  <a:lumMod val="50000"/>
+                </a:schemeClr>
+              </a:solidFill>
+            </a:endParaRPr>
+          </a:p>
+        </p:txBody>
+      </p:sp>
+      <p:sp>
+        <p:nvSpPr>
+          <p:cNvPr id="26" name="TextBox 25"/>
+          <p:cNvSpPr txBox="1"/>
+          <p:nvPr/>
+        </p:nvSpPr>
+        <p:spPr>
+          <a:xfrm>
+            <a:off x="742950" y="293132"/>
+            <a:ext cx="1221809" cy="261610"/>
+          </a:xfrm>
+          <a:prstGeom prst="rect">
+            <a:avLst/>
+          </a:prstGeom>
+          <a:noFill/>
+        </p:spPr>
+        <p:txBody>
+          <a:bodyPr wrap="none" rtlCol="0">
+            <a:spAutoFit/>
+          </a:bodyPr>
+          <a:lstStyle/>
+          <a:p>
+            <a:r>
+              <a:rPr lang="ko-KR" altLang="en-US" sz="1100" smtClean="0">
+                <a:solidFill>
+                  <a:schemeClr val="tx1">
+                    <a:lumMod val="75000"/>
+                    <a:lumOff val="25000"/>
+                  </a:schemeClr>
+                </a:solidFill>
+              </a:rPr>
+              <a:t>ㅇㅇㅇ학교 김준</a:t>
+            </a:r>
+            <a:endParaRPr lang="ko-KR" altLang="en-US" sz="1100">
+              <a:solidFill>
+                <a:schemeClr val="tx1">
+                  <a:lumMod val="75000"/>
+                  <a:lumOff val="25000"/>
+                </a:schemeClr>
+              </a:solidFill>
+            </a:endParaRPr>
           </a:p>
         </p:txBody>
       </p:sp>
@@ -5136,10 +5995,2032 @@
           <a:chExt cx="0" cy="0"/>
         </a:xfrm>
       </p:grpSpPr>
+      <p:sp>
+        <p:nvSpPr>
+          <p:cNvPr id="2" name="TextBox 1">
+            <a:extLst>
+              <a:ext uri="{FF2B5EF4-FFF2-40B4-BE49-F238E27FC236}">
+                <a16:creationId xmlns:a16="http://schemas.microsoft.com/office/drawing/2014/main" xmlns="" id="{94810DC0-6629-FD42-24CB-D8D5546E74A6}"/>
+              </a:ext>
+            </a:extLst>
+          </p:cNvPr>
+          <p:cNvSpPr txBox="1"/>
+          <p:nvPr/>
+        </p:nvSpPr>
+        <p:spPr>
+          <a:xfrm>
+            <a:off x="604156" y="2661136"/>
+            <a:ext cx="3135086" cy="923330"/>
+          </a:xfrm>
+          <a:prstGeom prst="rect">
+            <a:avLst/>
+          </a:prstGeom>
+          <a:noFill/>
+        </p:spPr>
+        <p:txBody>
+          <a:bodyPr wrap="square" rtlCol="0">
+            <a:spAutoFit/>
+          </a:bodyPr>
+          <a:lstStyle/>
+          <a:p>
+            <a:r>
+              <a:rPr lang="ko-KR" altLang="en-US" dirty="0"/>
+              <a:t>현재 공학계열과 의학계열의 비중은 꾸준히 증가하고 있다</a:t>
+            </a:r>
+            <a:r>
+              <a:rPr lang="en-US" altLang="ko-KR"/>
+              <a:t>. </a:t>
+            </a:r>
+            <a:endParaRPr lang="ko-KR" altLang="en-US" dirty="0"/>
+          </a:p>
+        </p:txBody>
+      </p:sp>
+      <p:sp>
+        <p:nvSpPr>
+          <p:cNvPr id="3" name="직사각형 2"/>
+          <p:cNvSpPr/>
+          <p:nvPr/>
+        </p:nvSpPr>
+        <p:spPr>
+          <a:xfrm>
+            <a:off x="604156" y="5151258"/>
+            <a:ext cx="4139293" cy="923330"/>
+          </a:xfrm>
+          <a:prstGeom prst="rect">
+            <a:avLst/>
+          </a:prstGeom>
+        </p:spPr>
+        <p:txBody>
+          <a:bodyPr wrap="square">
+            <a:spAutoFit/>
+          </a:bodyPr>
+          <a:lstStyle/>
+          <a:p>
+            <a:r>
+              <a:rPr lang="ko-KR" altLang="en-US"/>
+              <a:t>사회계열은 </a:t>
+            </a:r>
+            <a:r>
+              <a:rPr lang="en-US" altLang="ko-KR"/>
+              <a:t>2016</a:t>
+            </a:r>
+            <a:r>
+              <a:rPr lang="ko-KR" altLang="en-US"/>
+              <a:t>년 가장 많은 인원을 모집했지만 현재는 공학에 밀려 </a:t>
+            </a:r>
+            <a:r>
+              <a:rPr lang="en-US" altLang="ko-KR"/>
+              <a:t>2</a:t>
+            </a:r>
+            <a:r>
+              <a:rPr lang="ko-KR" altLang="en-US"/>
+              <a:t>위로 밀려났다</a:t>
+            </a:r>
+          </a:p>
+        </p:txBody>
+      </p:sp>
+      <p:sp>
+        <p:nvSpPr>
+          <p:cNvPr id="4" name="직사각형 3"/>
+          <p:cNvSpPr/>
+          <p:nvPr/>
+        </p:nvSpPr>
+        <p:spPr>
+          <a:xfrm>
+            <a:off x="7551965" y="2534593"/>
+            <a:ext cx="3189515" cy="923330"/>
+          </a:xfrm>
+          <a:prstGeom prst="rect">
+            <a:avLst/>
+          </a:prstGeom>
+        </p:spPr>
+        <p:txBody>
+          <a:bodyPr wrap="square">
+            <a:spAutoFit/>
+          </a:bodyPr>
+          <a:lstStyle/>
+          <a:p>
+            <a:r>
+              <a:rPr lang="ko-KR" altLang="en-US"/>
+              <a:t>인문계열 또한 인원이 </a:t>
+            </a:r>
+            <a:r>
+              <a:rPr lang="ko-KR" altLang="en-US"/>
+              <a:t>줄어들었다</a:t>
+            </a:r>
+            <a:r>
+              <a:rPr lang="en-US" altLang="ko-KR" smtClean="0"/>
+              <a:t>. </a:t>
+            </a:r>
+            <a:r>
+              <a:rPr lang="ko-KR" altLang="en-US" smtClean="0"/>
+              <a:t>전체적으로 </a:t>
+            </a:r>
+            <a:r>
+              <a:rPr lang="ko-KR" altLang="en-US"/>
+              <a:t>문과계열이 감소</a:t>
+            </a:r>
+          </a:p>
+        </p:txBody>
+      </p:sp>
+      <p:sp>
+        <p:nvSpPr>
+          <p:cNvPr id="5" name="직사각형 4"/>
+          <p:cNvSpPr/>
+          <p:nvPr/>
+        </p:nvSpPr>
+        <p:spPr>
+          <a:xfrm>
+            <a:off x="7551965" y="5479703"/>
+            <a:ext cx="3575958" cy="646331"/>
+          </a:xfrm>
+          <a:prstGeom prst="rect">
+            <a:avLst/>
+          </a:prstGeom>
+        </p:spPr>
+        <p:txBody>
+          <a:bodyPr wrap="square">
+            <a:spAutoFit/>
+          </a:bodyPr>
+          <a:lstStyle/>
+          <a:p>
+            <a:r>
+              <a:rPr lang="ko-KR" altLang="en-US"/>
+              <a:t>예체능</a:t>
+            </a:r>
+            <a:r>
+              <a:rPr lang="en-US" altLang="ko-KR"/>
+              <a:t>, </a:t>
+            </a:r>
+            <a:r>
+              <a:rPr lang="ko-KR" altLang="en-US"/>
+              <a:t>교육</a:t>
+            </a:r>
+            <a:r>
+              <a:rPr lang="en-US" altLang="ko-KR"/>
+              <a:t>, </a:t>
+            </a:r>
+            <a:r>
+              <a:rPr lang="ko-KR" altLang="en-US"/>
+              <a:t>자연계열은 </a:t>
+            </a:r>
+            <a:r>
+              <a:rPr lang="en-US" altLang="ko-KR"/>
+              <a:t>6</a:t>
+            </a:r>
+            <a:r>
+              <a:rPr lang="ko-KR" altLang="en-US"/>
+              <a:t>년째 비슷한 추이를 보이고 있다</a:t>
+            </a:r>
+            <a:endParaRPr lang="ko-KR" altLang="en-US" dirty="0"/>
+          </a:p>
+        </p:txBody>
+      </p:sp>
+      <p:sp>
+        <p:nvSpPr>
+          <p:cNvPr id="6" name="직사각형 5"/>
+          <p:cNvSpPr/>
+          <p:nvPr/>
+        </p:nvSpPr>
+        <p:spPr>
+          <a:xfrm>
+            <a:off x="754926" y="896993"/>
+            <a:ext cx="4702899" cy="1764143"/>
+          </a:xfrm>
+          <a:prstGeom prst="rect">
+            <a:avLst/>
+          </a:prstGeom>
+        </p:spPr>
+        <p:style>
+          <a:lnRef idx="2">
+            <a:schemeClr val="accent1">
+              <a:shade val="50000"/>
+            </a:schemeClr>
+          </a:lnRef>
+          <a:fillRef idx="1">
+            <a:schemeClr val="accent1"/>
+          </a:fillRef>
+          <a:effectRef idx="0">
+            <a:schemeClr val="accent1"/>
+          </a:effectRef>
+          <a:fontRef idx="minor">
+            <a:schemeClr val="lt1"/>
+          </a:fontRef>
+        </p:style>
+        <p:txBody>
+          <a:bodyPr rtlCol="0" anchor="ctr"/>
+          <a:lstStyle/>
+          <a:p>
+            <a:pPr algn="ctr"/>
+            <a:endParaRPr lang="ko-KR" altLang="en-US"/>
+          </a:p>
+        </p:txBody>
+      </p:sp>
+      <p:sp>
+        <p:nvSpPr>
+          <p:cNvPr id="7" name="직사각형 6"/>
+          <p:cNvSpPr/>
+          <p:nvPr/>
+        </p:nvSpPr>
+        <p:spPr>
+          <a:xfrm>
+            <a:off x="6096001" y="896992"/>
+            <a:ext cx="5133974" cy="1764144"/>
+          </a:xfrm>
+          <a:prstGeom prst="rect">
+            <a:avLst/>
+          </a:prstGeom>
+        </p:spPr>
+        <p:style>
+          <a:lnRef idx="2">
+            <a:schemeClr val="accent1">
+              <a:shade val="50000"/>
+            </a:schemeClr>
+          </a:lnRef>
+          <a:fillRef idx="1">
+            <a:schemeClr val="accent1"/>
+          </a:fillRef>
+          <a:effectRef idx="0">
+            <a:schemeClr val="accent1"/>
+          </a:effectRef>
+          <a:fontRef idx="minor">
+            <a:schemeClr val="lt1"/>
+          </a:fontRef>
+        </p:style>
+        <p:txBody>
+          <a:bodyPr rtlCol="0" anchor="ctr"/>
+          <a:lstStyle/>
+          <a:p>
+            <a:pPr algn="ctr"/>
+            <a:endParaRPr lang="ko-KR" altLang="en-US"/>
+          </a:p>
+        </p:txBody>
+      </p:sp>
+      <p:sp>
+        <p:nvSpPr>
+          <p:cNvPr id="8" name="직사각형 7"/>
+          <p:cNvSpPr/>
+          <p:nvPr/>
+        </p:nvSpPr>
+        <p:spPr>
+          <a:xfrm>
+            <a:off x="7799612" y="3759847"/>
+            <a:ext cx="2694215" cy="1567543"/>
+          </a:xfrm>
+          <a:prstGeom prst="rect">
+            <a:avLst/>
+          </a:prstGeom>
+        </p:spPr>
+        <p:style>
+          <a:lnRef idx="2">
+            <a:schemeClr val="accent1">
+              <a:shade val="50000"/>
+            </a:schemeClr>
+          </a:lnRef>
+          <a:fillRef idx="1">
+            <a:schemeClr val="accent1"/>
+          </a:fillRef>
+          <a:effectRef idx="0">
+            <a:schemeClr val="accent1"/>
+          </a:effectRef>
+          <a:fontRef idx="minor">
+            <a:schemeClr val="lt1"/>
+          </a:fontRef>
+        </p:style>
+        <p:txBody>
+          <a:bodyPr rtlCol="0" anchor="ctr"/>
+          <a:lstStyle/>
+          <a:p>
+            <a:pPr algn="ctr"/>
+            <a:endParaRPr lang="ko-KR" altLang="en-US"/>
+          </a:p>
+        </p:txBody>
+      </p:sp>
+      <p:sp>
+        <p:nvSpPr>
+          <p:cNvPr id="9" name="직사각형 8"/>
+          <p:cNvSpPr/>
+          <p:nvPr/>
+        </p:nvSpPr>
+        <p:spPr>
+          <a:xfrm>
+            <a:off x="824591" y="3457923"/>
+            <a:ext cx="2694215" cy="1567543"/>
+          </a:xfrm>
+          <a:prstGeom prst="rect">
+            <a:avLst/>
+          </a:prstGeom>
+        </p:spPr>
+        <p:style>
+          <a:lnRef idx="2">
+            <a:schemeClr val="accent1">
+              <a:shade val="50000"/>
+            </a:schemeClr>
+          </a:lnRef>
+          <a:fillRef idx="1">
+            <a:schemeClr val="accent1"/>
+          </a:fillRef>
+          <a:effectRef idx="0">
+            <a:schemeClr val="accent1"/>
+          </a:effectRef>
+          <a:fontRef idx="minor">
+            <a:schemeClr val="lt1"/>
+          </a:fontRef>
+        </p:style>
+        <p:txBody>
+          <a:bodyPr rtlCol="0" anchor="ctr"/>
+          <a:lstStyle/>
+          <a:p>
+            <a:pPr algn="ctr"/>
+            <a:endParaRPr lang="ko-KR" altLang="en-US"/>
+          </a:p>
+        </p:txBody>
+      </p:sp>
+      <p:sp>
+        <p:nvSpPr>
+          <p:cNvPr id="14" name="직사각형 13"/>
+          <p:cNvSpPr/>
+          <p:nvPr/>
+        </p:nvSpPr>
+        <p:spPr>
+          <a:xfrm>
+            <a:off x="0" y="0"/>
+            <a:ext cx="12192000" cy="609600"/>
+          </a:xfrm>
+          <a:prstGeom prst="rect">
+            <a:avLst/>
+          </a:prstGeom>
+          <a:gradFill flip="none" rotWithShape="1">
+            <a:gsLst>
+              <a:gs pos="58000">
+                <a:srgbClr val="0275D8"/>
+              </a:gs>
+              <a:gs pos="100000">
+                <a:srgbClr val="59B3FD"/>
+              </a:gs>
+            </a:gsLst>
+            <a:lin ang="0" scaled="1"/>
+            <a:tileRect/>
+          </a:gradFill>
+          <a:ln>
+            <a:noFill/>
+          </a:ln>
+        </p:spPr>
+        <p:style>
+          <a:lnRef idx="2">
+            <a:schemeClr val="accent1">
+              <a:shade val="50000"/>
+            </a:schemeClr>
+          </a:lnRef>
+          <a:fillRef idx="1">
+            <a:schemeClr val="accent1"/>
+          </a:fillRef>
+          <a:effectRef idx="0">
+            <a:schemeClr val="accent1"/>
+          </a:effectRef>
+          <a:fontRef idx="minor">
+            <a:schemeClr val="lt1"/>
+          </a:fontRef>
+        </p:style>
+        <p:txBody>
+          <a:bodyPr rtlCol="0" anchor="ctr"/>
+          <a:lstStyle/>
+          <a:p>
+            <a:pPr algn="ctr"/>
+            <a:endParaRPr lang="ko-KR" altLang="en-US"/>
+          </a:p>
+        </p:txBody>
+      </p:sp>
+      <p:sp>
+        <p:nvSpPr>
+          <p:cNvPr id="15" name="직사각형 14"/>
+          <p:cNvSpPr/>
+          <p:nvPr/>
+        </p:nvSpPr>
+        <p:spPr>
+          <a:xfrm>
+            <a:off x="619125" y="0"/>
+            <a:ext cx="2228850" cy="609600"/>
+          </a:xfrm>
+          <a:prstGeom prst="rect">
+            <a:avLst/>
+          </a:prstGeom>
+          <a:solidFill>
+            <a:schemeClr val="bg1"/>
+          </a:solidFill>
+          <a:ln>
+            <a:noFill/>
+          </a:ln>
+        </p:spPr>
+        <p:style>
+          <a:lnRef idx="2">
+            <a:schemeClr val="accent1">
+              <a:shade val="50000"/>
+            </a:schemeClr>
+          </a:lnRef>
+          <a:fillRef idx="1">
+            <a:schemeClr val="accent1"/>
+          </a:fillRef>
+          <a:effectRef idx="0">
+            <a:schemeClr val="accent1"/>
+          </a:effectRef>
+          <a:fontRef idx="minor">
+            <a:schemeClr val="lt1"/>
+          </a:fontRef>
+        </p:style>
+        <p:txBody>
+          <a:bodyPr rtlCol="0" anchor="ctr"/>
+          <a:lstStyle/>
+          <a:p>
+            <a:pPr algn="ctr"/>
+            <a:endParaRPr lang="ko-KR" altLang="en-US"/>
+          </a:p>
+        </p:txBody>
+      </p:sp>
+      <p:sp>
+        <p:nvSpPr>
+          <p:cNvPr id="16" name="TextBox 15"/>
+          <p:cNvSpPr txBox="1"/>
+          <p:nvPr/>
+        </p:nvSpPr>
+        <p:spPr>
+          <a:xfrm>
+            <a:off x="606551" y="35957"/>
+            <a:ext cx="2255746" cy="246221"/>
+          </a:xfrm>
+          <a:prstGeom prst="rect">
+            <a:avLst/>
+          </a:prstGeom>
+          <a:noFill/>
+        </p:spPr>
+        <p:txBody>
+          <a:bodyPr wrap="none" rtlCol="0">
+            <a:spAutoFit/>
+          </a:bodyPr>
+          <a:lstStyle/>
+          <a:p>
+            <a:r>
+              <a:rPr lang="en-US" altLang="ko-KR" sz="1000" smtClean="0">
+                <a:solidFill>
+                  <a:schemeClr val="bg1">
+                    <a:lumMod val="50000"/>
+                  </a:schemeClr>
+                </a:solidFill>
+              </a:rPr>
+              <a:t>23</a:t>
+            </a:r>
+            <a:r>
+              <a:rPr lang="ko-KR" altLang="en-US" sz="1000" smtClean="0">
+                <a:solidFill>
+                  <a:schemeClr val="bg1">
+                    <a:lumMod val="50000"/>
+                  </a:schemeClr>
+                </a:solidFill>
+              </a:rPr>
+              <a:t>년 교육 공공데이터 분석활용대회</a:t>
+            </a:r>
+            <a:endParaRPr lang="ko-KR" altLang="en-US" sz="1000">
+              <a:solidFill>
+                <a:schemeClr val="bg1">
+                  <a:lumMod val="50000"/>
+                </a:schemeClr>
+              </a:solidFill>
+            </a:endParaRPr>
+          </a:p>
+        </p:txBody>
+      </p:sp>
+      <p:sp>
+        <p:nvSpPr>
+          <p:cNvPr id="17" name="TextBox 16"/>
+          <p:cNvSpPr txBox="1"/>
+          <p:nvPr/>
+        </p:nvSpPr>
+        <p:spPr>
+          <a:xfrm>
+            <a:off x="742950" y="293132"/>
+            <a:ext cx="1221809" cy="261610"/>
+          </a:xfrm>
+          <a:prstGeom prst="rect">
+            <a:avLst/>
+          </a:prstGeom>
+          <a:noFill/>
+        </p:spPr>
+        <p:txBody>
+          <a:bodyPr wrap="none" rtlCol="0">
+            <a:spAutoFit/>
+          </a:bodyPr>
+          <a:lstStyle/>
+          <a:p>
+            <a:r>
+              <a:rPr lang="ko-KR" altLang="en-US" sz="1100" smtClean="0">
+                <a:solidFill>
+                  <a:schemeClr val="tx1">
+                    <a:lumMod val="75000"/>
+                    <a:lumOff val="25000"/>
+                  </a:schemeClr>
+                </a:solidFill>
+              </a:rPr>
+              <a:t>ㅇㅇㅇ학교 김준</a:t>
+            </a:r>
+            <a:endParaRPr lang="ko-KR" altLang="en-US" sz="1100">
+              <a:solidFill>
+                <a:schemeClr val="tx1">
+                  <a:lumMod val="75000"/>
+                  <a:lumOff val="25000"/>
+                </a:schemeClr>
+              </a:solidFill>
+            </a:endParaRPr>
+          </a:p>
+        </p:txBody>
+      </p:sp>
+      <p:sp>
+        <p:nvSpPr>
+          <p:cNvPr id="18" name="직사각형 17"/>
+          <p:cNvSpPr/>
+          <p:nvPr/>
+        </p:nvSpPr>
+        <p:spPr>
+          <a:xfrm>
+            <a:off x="432706" y="6137018"/>
+            <a:ext cx="11587844" cy="646331"/>
+          </a:xfrm>
+          <a:prstGeom prst="rect">
+            <a:avLst/>
+          </a:prstGeom>
+        </p:spPr>
+        <p:txBody>
+          <a:bodyPr wrap="square">
+            <a:spAutoFit/>
+          </a:bodyPr>
+          <a:lstStyle/>
+          <a:p>
+            <a:r>
+              <a:rPr lang="ko-KR" altLang="en-US" smtClean="0"/>
+              <a:t>대학에서는 문과계열의 규모를 줄이고 이과계열의 규모를 늘리는 추세이다</a:t>
+            </a:r>
+            <a:r>
+              <a:rPr lang="en-US" altLang="ko-KR" smtClean="0"/>
+              <a:t>. </a:t>
+            </a:r>
+            <a:r>
+              <a:rPr lang="ko-KR" altLang="en-US" smtClean="0"/>
+              <a:t>이러한 변화에 취업시장도 변화가 있는지 알아보자</a:t>
+            </a:r>
+            <a:endParaRPr lang="ko-KR" altLang="en-US"/>
+          </a:p>
+        </p:txBody>
+      </p:sp>
     </p:spTree>
     <p:extLst>
       <p:ext uri="{BB962C8B-B14F-4D97-AF65-F5344CB8AC3E}">
         <p14:creationId xmlns:p14="http://schemas.microsoft.com/office/powerpoint/2010/main" val="1025409300"/>
+      </p:ext>
+    </p:extLst>
+  </p:cSld>
+  <p:clrMapOvr>
+    <a:masterClrMapping/>
+  </p:clrMapOvr>
+</p:sld>
+</file>
+
+<file path=ppt/slides/slide6.xml><?xml version="1.0" encoding="utf-8"?>
+<p:sld xmlns:a="http://schemas.openxmlformats.org/drawingml/2006/main" xmlns:r="http://schemas.openxmlformats.org/officeDocument/2006/relationships" xmlns:p="http://schemas.openxmlformats.org/presentationml/2006/main">
+  <p:cSld>
+    <p:spTree>
+      <p:nvGrpSpPr>
+        <p:cNvPr id="1" name=""/>
+        <p:cNvGrpSpPr/>
+        <p:nvPr/>
+      </p:nvGrpSpPr>
+      <p:grpSpPr>
+        <a:xfrm>
+          <a:off x="0" y="0"/>
+          <a:ext cx="0" cy="0"/>
+          <a:chOff x="0" y="0"/>
+          <a:chExt cx="0" cy="0"/>
+        </a:xfrm>
+      </p:grpSpPr>
+      <p:pic>
+        <p:nvPicPr>
+          <p:cNvPr id="3074" name="Picture 2"/>
+          <p:cNvPicPr>
+            <a:picLocks noChangeAspect="1" noChangeArrowheads="1"/>
+          </p:cNvPicPr>
+          <p:nvPr/>
+        </p:nvPicPr>
+        <p:blipFill>
+          <a:blip r:embed="rId2">
+            <a:extLst>
+              <a:ext uri="{28A0092B-C50C-407E-A947-70E740481C1C}">
+                <a14:useLocalDpi xmlns:a14="http://schemas.microsoft.com/office/drawing/2010/main" val="0"/>
+              </a:ext>
+            </a:extLst>
+          </a:blip>
+          <a:srcRect/>
+          <a:stretch>
+            <a:fillRect/>
+          </a:stretch>
+        </p:blipFill>
+        <p:spPr bwMode="auto">
+          <a:xfrm>
+            <a:off x="159624" y="1718576"/>
+            <a:ext cx="3206750" cy="1688063"/>
+          </a:xfrm>
+          <a:prstGeom prst="rect">
+            <a:avLst/>
+          </a:prstGeom>
+          <a:noFill/>
+          <a:ln>
+            <a:noFill/>
+          </a:ln>
+          <a:effectLst/>
+          <a:extLst>
+            <a:ext uri="{909E8E84-426E-40DD-AFC4-6F175D3DCCD1}">
+              <a14:hiddenFill xmlns:a14="http://schemas.microsoft.com/office/drawing/2010/main">
+                <a:solidFill>
+                  <a:schemeClr val="accent1"/>
+                </a:solidFill>
+              </a14:hiddenFill>
+            </a:ext>
+            <a:ext uri="{91240B29-F687-4F45-9708-019B960494DF}">
+              <a14:hiddenLine xmlns:a14="http://schemas.microsoft.com/office/drawing/2010/main" w="9525">
+                <a:solidFill>
+                  <a:schemeClr val="tx1"/>
+                </a:solidFill>
+                <a:miter lim="800000"/>
+                <a:headEnd/>
+                <a:tailEnd/>
+              </a14:hiddenLine>
+            </a:ext>
+            <a:ext uri="{AF507438-7753-43E0-B8FC-AC1667EBCBE1}">
+              <a14:hiddenEffects xmlns:a14="http://schemas.microsoft.com/office/drawing/2010/main">
+                <a:effectLst>
+                  <a:outerShdw dist="35921" dir="2700000" algn="ctr" rotWithShape="0">
+                    <a:schemeClr val="bg2"/>
+                  </a:outerShdw>
+                </a:effectLst>
+              </a14:hiddenEffects>
+            </a:ext>
+          </a:extLst>
+        </p:spPr>
+      </p:pic>
+      <p:sp>
+        <p:nvSpPr>
+          <p:cNvPr id="4" name="TextBox 3"/>
+          <p:cNvSpPr txBox="1"/>
+          <p:nvPr/>
+        </p:nvSpPr>
+        <p:spPr>
+          <a:xfrm>
+            <a:off x="425450" y="1032294"/>
+            <a:ext cx="5016500" cy="369332"/>
+          </a:xfrm>
+          <a:prstGeom prst="rect">
+            <a:avLst/>
+          </a:prstGeom>
+          <a:noFill/>
+        </p:spPr>
+        <p:txBody>
+          <a:bodyPr wrap="square" rtlCol="0">
+            <a:spAutoFit/>
+          </a:bodyPr>
+          <a:lstStyle/>
+          <a:p>
+            <a:r>
+              <a:rPr lang="en-US" altLang="ko-KR" b="1" smtClean="0">
+                <a:solidFill>
+                  <a:srgbClr val="0275D8"/>
+                </a:solidFill>
+              </a:rPr>
+              <a:t>80% </a:t>
+            </a:r>
+            <a:r>
+              <a:rPr lang="ko-KR" altLang="en-US" b="1" smtClean="0">
+                <a:solidFill>
+                  <a:srgbClr val="0275D8"/>
+                </a:solidFill>
+              </a:rPr>
+              <a:t>이상</a:t>
+            </a:r>
+            <a:r>
+              <a:rPr lang="ko-KR" altLang="en-US" smtClean="0"/>
+              <a:t> </a:t>
+            </a:r>
+            <a:r>
+              <a:rPr lang="en-US" altLang="ko-KR" smtClean="0"/>
+              <a:t>:</a:t>
+            </a:r>
+          </a:p>
+        </p:txBody>
+      </p:sp>
+      <p:sp>
+        <p:nvSpPr>
+          <p:cNvPr id="6" name="TextBox 5"/>
+          <p:cNvSpPr txBox="1"/>
+          <p:nvPr/>
+        </p:nvSpPr>
+        <p:spPr>
+          <a:xfrm>
+            <a:off x="4251400" y="880052"/>
+            <a:ext cx="3127300" cy="923330"/>
+          </a:xfrm>
+          <a:prstGeom prst="rect">
+            <a:avLst/>
+          </a:prstGeom>
+          <a:noFill/>
+        </p:spPr>
+        <p:txBody>
+          <a:bodyPr wrap="square" rtlCol="0">
+            <a:spAutoFit/>
+          </a:bodyPr>
+          <a:lstStyle/>
+          <a:p>
+            <a:r>
+              <a:rPr lang="en-US" altLang="ko-KR" smtClean="0"/>
+              <a:t>60% ~ 80 </a:t>
+            </a:r>
+            <a:r>
+              <a:rPr lang="ko-KR" altLang="en-US" smtClean="0"/>
+              <a:t>사이</a:t>
+            </a:r>
+            <a:endParaRPr lang="en-US" altLang="ko-KR"/>
+          </a:p>
+          <a:p>
+            <a:r>
+              <a:rPr lang="ko-KR" altLang="en-US" smtClean="0"/>
+              <a:t>교육계열</a:t>
+            </a:r>
+            <a:r>
+              <a:rPr lang="en-US" altLang="ko-KR" smtClean="0"/>
+              <a:t>, </a:t>
+            </a:r>
+            <a:r>
+              <a:rPr lang="ko-KR" altLang="en-US" smtClean="0"/>
+              <a:t>공학계열</a:t>
+            </a:r>
+            <a:r>
+              <a:rPr lang="en-US" altLang="ko-KR" smtClean="0"/>
+              <a:t>, </a:t>
+            </a:r>
+            <a:r>
+              <a:rPr lang="ko-KR" altLang="en-US" smtClean="0"/>
+              <a:t>사회계열</a:t>
+            </a:r>
+            <a:r>
+              <a:rPr lang="en-US" altLang="ko-KR" smtClean="0"/>
+              <a:t>, </a:t>
+            </a:r>
+            <a:r>
+              <a:rPr lang="ko-KR" altLang="en-US" smtClean="0"/>
+              <a:t>자연계열</a:t>
+            </a:r>
+            <a:r>
+              <a:rPr lang="en-US" altLang="ko-KR" smtClean="0"/>
+              <a:t>, </a:t>
+            </a:r>
+            <a:r>
+              <a:rPr lang="ko-KR" altLang="en-US" smtClean="0"/>
+              <a:t>예체능계열</a:t>
+            </a:r>
+            <a:endParaRPr lang="en-US" altLang="ko-KR" smtClean="0"/>
+          </a:p>
+        </p:txBody>
+      </p:sp>
+      <p:sp>
+        <p:nvSpPr>
+          <p:cNvPr id="7" name="TextBox 6"/>
+          <p:cNvSpPr txBox="1"/>
+          <p:nvPr/>
+        </p:nvSpPr>
+        <p:spPr>
+          <a:xfrm>
+            <a:off x="8775233" y="866310"/>
+            <a:ext cx="2845267" cy="646331"/>
+          </a:xfrm>
+          <a:prstGeom prst="rect">
+            <a:avLst/>
+          </a:prstGeom>
+          <a:noFill/>
+        </p:spPr>
+        <p:txBody>
+          <a:bodyPr wrap="square" rtlCol="0">
+            <a:spAutoFit/>
+          </a:bodyPr>
+          <a:lstStyle/>
+          <a:p>
+            <a:r>
+              <a:rPr lang="en-US" altLang="ko-KR" smtClean="0"/>
+              <a:t>60% </a:t>
+            </a:r>
+            <a:r>
+              <a:rPr lang="ko-KR" altLang="en-US" smtClean="0"/>
+              <a:t>이하</a:t>
+            </a:r>
+            <a:endParaRPr lang="en-US" altLang="ko-KR"/>
+          </a:p>
+          <a:p>
+            <a:r>
+              <a:rPr lang="ko-KR" altLang="en-US" smtClean="0"/>
+              <a:t>인문계</a:t>
+            </a:r>
+            <a:r>
+              <a:rPr lang="ko-KR" altLang="en-US"/>
+              <a:t>열</a:t>
+            </a:r>
+            <a:endParaRPr lang="en-US" altLang="ko-KR" smtClean="0"/>
+          </a:p>
+        </p:txBody>
+      </p:sp>
+      <p:sp>
+        <p:nvSpPr>
+          <p:cNvPr id="12" name="직사각형 11"/>
+          <p:cNvSpPr/>
+          <p:nvPr/>
+        </p:nvSpPr>
+        <p:spPr>
+          <a:xfrm>
+            <a:off x="0" y="0"/>
+            <a:ext cx="12192000" cy="609600"/>
+          </a:xfrm>
+          <a:prstGeom prst="rect">
+            <a:avLst/>
+          </a:prstGeom>
+          <a:gradFill flip="none" rotWithShape="1">
+            <a:gsLst>
+              <a:gs pos="58000">
+                <a:srgbClr val="0275D8"/>
+              </a:gs>
+              <a:gs pos="100000">
+                <a:srgbClr val="59B3FD"/>
+              </a:gs>
+            </a:gsLst>
+            <a:lin ang="0" scaled="1"/>
+            <a:tileRect/>
+          </a:gradFill>
+          <a:ln>
+            <a:noFill/>
+          </a:ln>
+        </p:spPr>
+        <p:style>
+          <a:lnRef idx="2">
+            <a:schemeClr val="accent1">
+              <a:shade val="50000"/>
+            </a:schemeClr>
+          </a:lnRef>
+          <a:fillRef idx="1">
+            <a:schemeClr val="accent1"/>
+          </a:fillRef>
+          <a:effectRef idx="0">
+            <a:schemeClr val="accent1"/>
+          </a:effectRef>
+          <a:fontRef idx="minor">
+            <a:schemeClr val="lt1"/>
+          </a:fontRef>
+        </p:style>
+        <p:txBody>
+          <a:bodyPr rtlCol="0" anchor="ctr"/>
+          <a:lstStyle/>
+          <a:p>
+            <a:pPr algn="ctr"/>
+            <a:endParaRPr lang="ko-KR" altLang="en-US"/>
+          </a:p>
+        </p:txBody>
+      </p:sp>
+      <p:sp>
+        <p:nvSpPr>
+          <p:cNvPr id="13" name="직사각형 12"/>
+          <p:cNvSpPr/>
+          <p:nvPr/>
+        </p:nvSpPr>
+        <p:spPr>
+          <a:xfrm>
+            <a:off x="619125" y="0"/>
+            <a:ext cx="2228850" cy="609600"/>
+          </a:xfrm>
+          <a:prstGeom prst="rect">
+            <a:avLst/>
+          </a:prstGeom>
+          <a:solidFill>
+            <a:schemeClr val="bg1"/>
+          </a:solidFill>
+          <a:ln>
+            <a:noFill/>
+          </a:ln>
+        </p:spPr>
+        <p:style>
+          <a:lnRef idx="2">
+            <a:schemeClr val="accent1">
+              <a:shade val="50000"/>
+            </a:schemeClr>
+          </a:lnRef>
+          <a:fillRef idx="1">
+            <a:schemeClr val="accent1"/>
+          </a:fillRef>
+          <a:effectRef idx="0">
+            <a:schemeClr val="accent1"/>
+          </a:effectRef>
+          <a:fontRef idx="minor">
+            <a:schemeClr val="lt1"/>
+          </a:fontRef>
+        </p:style>
+        <p:txBody>
+          <a:bodyPr rtlCol="0" anchor="ctr"/>
+          <a:lstStyle/>
+          <a:p>
+            <a:pPr algn="ctr"/>
+            <a:endParaRPr lang="ko-KR" altLang="en-US"/>
+          </a:p>
+        </p:txBody>
+      </p:sp>
+      <p:sp>
+        <p:nvSpPr>
+          <p:cNvPr id="14" name="TextBox 13"/>
+          <p:cNvSpPr txBox="1"/>
+          <p:nvPr/>
+        </p:nvSpPr>
+        <p:spPr>
+          <a:xfrm>
+            <a:off x="606551" y="35957"/>
+            <a:ext cx="2255746" cy="246221"/>
+          </a:xfrm>
+          <a:prstGeom prst="rect">
+            <a:avLst/>
+          </a:prstGeom>
+          <a:noFill/>
+        </p:spPr>
+        <p:txBody>
+          <a:bodyPr wrap="none" rtlCol="0">
+            <a:spAutoFit/>
+          </a:bodyPr>
+          <a:lstStyle/>
+          <a:p>
+            <a:r>
+              <a:rPr lang="en-US" altLang="ko-KR" sz="1000" smtClean="0">
+                <a:solidFill>
+                  <a:schemeClr val="bg1">
+                    <a:lumMod val="50000"/>
+                  </a:schemeClr>
+                </a:solidFill>
+              </a:rPr>
+              <a:t>23</a:t>
+            </a:r>
+            <a:r>
+              <a:rPr lang="ko-KR" altLang="en-US" sz="1000" smtClean="0">
+                <a:solidFill>
+                  <a:schemeClr val="bg1">
+                    <a:lumMod val="50000"/>
+                  </a:schemeClr>
+                </a:solidFill>
+              </a:rPr>
+              <a:t>년 교육 공공데이터 분석활용대회</a:t>
+            </a:r>
+            <a:endParaRPr lang="ko-KR" altLang="en-US" sz="1000">
+              <a:solidFill>
+                <a:schemeClr val="bg1">
+                  <a:lumMod val="50000"/>
+                </a:schemeClr>
+              </a:solidFill>
+            </a:endParaRPr>
+          </a:p>
+        </p:txBody>
+      </p:sp>
+      <p:sp>
+        <p:nvSpPr>
+          <p:cNvPr id="15" name="TextBox 14"/>
+          <p:cNvSpPr txBox="1"/>
+          <p:nvPr/>
+        </p:nvSpPr>
+        <p:spPr>
+          <a:xfrm>
+            <a:off x="742950" y="293132"/>
+            <a:ext cx="1221809" cy="261610"/>
+          </a:xfrm>
+          <a:prstGeom prst="rect">
+            <a:avLst/>
+          </a:prstGeom>
+          <a:noFill/>
+        </p:spPr>
+        <p:txBody>
+          <a:bodyPr wrap="none" rtlCol="0">
+            <a:spAutoFit/>
+          </a:bodyPr>
+          <a:lstStyle/>
+          <a:p>
+            <a:r>
+              <a:rPr lang="ko-KR" altLang="en-US" sz="1100" smtClean="0">
+                <a:solidFill>
+                  <a:schemeClr val="tx1">
+                    <a:lumMod val="75000"/>
+                    <a:lumOff val="25000"/>
+                  </a:schemeClr>
+                </a:solidFill>
+              </a:rPr>
+              <a:t>ㅇㅇㅇ학교 김준</a:t>
+            </a:r>
+            <a:endParaRPr lang="ko-KR" altLang="en-US" sz="1100">
+              <a:solidFill>
+                <a:schemeClr val="tx1">
+                  <a:lumMod val="75000"/>
+                  <a:lumOff val="25000"/>
+                </a:schemeClr>
+              </a:solidFill>
+            </a:endParaRPr>
+          </a:p>
+        </p:txBody>
+      </p:sp>
+      <p:sp>
+        <p:nvSpPr>
+          <p:cNvPr id="8" name="TextBox 7"/>
+          <p:cNvSpPr txBox="1"/>
+          <p:nvPr/>
+        </p:nvSpPr>
+        <p:spPr>
+          <a:xfrm>
+            <a:off x="425450" y="715992"/>
+            <a:ext cx="2110716" cy="369332"/>
+          </a:xfrm>
+          <a:prstGeom prst="rect">
+            <a:avLst/>
+          </a:prstGeom>
+          <a:noFill/>
+        </p:spPr>
+        <p:txBody>
+          <a:bodyPr wrap="square" rtlCol="0">
+            <a:spAutoFit/>
+          </a:bodyPr>
+          <a:lstStyle/>
+          <a:p>
+            <a:r>
+              <a:rPr lang="ko-KR" altLang="en-US" smtClean="0">
+                <a:solidFill>
+                  <a:srgbClr val="0275D8"/>
+                </a:solidFill>
+              </a:rPr>
+              <a:t>취업률</a:t>
+            </a:r>
+            <a:endParaRPr lang="ko-KR" altLang="en-US">
+              <a:solidFill>
+                <a:srgbClr val="0275D8"/>
+              </a:solidFill>
+            </a:endParaRPr>
+          </a:p>
+        </p:txBody>
+      </p:sp>
+      <p:sp>
+        <p:nvSpPr>
+          <p:cNvPr id="16" name="직사각형 15"/>
+          <p:cNvSpPr/>
+          <p:nvPr/>
+        </p:nvSpPr>
+        <p:spPr>
+          <a:xfrm>
+            <a:off x="530851" y="1428977"/>
+            <a:ext cx="1061049" cy="245686"/>
+          </a:xfrm>
+          <a:prstGeom prst="rect">
+            <a:avLst/>
+          </a:prstGeom>
+          <a:solidFill>
+            <a:srgbClr val="FBE4D5"/>
+          </a:solidFill>
+          <a:ln>
+            <a:noFill/>
+          </a:ln>
+        </p:spPr>
+        <p:style>
+          <a:lnRef idx="2">
+            <a:schemeClr val="accent1">
+              <a:shade val="50000"/>
+            </a:schemeClr>
+          </a:lnRef>
+          <a:fillRef idx="1">
+            <a:schemeClr val="accent1"/>
+          </a:fillRef>
+          <a:effectRef idx="0">
+            <a:schemeClr val="accent1"/>
+          </a:effectRef>
+          <a:fontRef idx="minor">
+            <a:schemeClr val="lt1"/>
+          </a:fontRef>
+        </p:style>
+        <p:txBody>
+          <a:bodyPr rtlCol="0" anchor="ctr"/>
+          <a:lstStyle/>
+          <a:p>
+            <a:pPr algn="ctr"/>
+            <a:r>
+              <a:rPr lang="ko-KR" altLang="en-US" sz="1100" b="1">
+                <a:solidFill>
+                  <a:schemeClr val="tx1">
+                    <a:lumMod val="50000"/>
+                    <a:lumOff val="50000"/>
+                  </a:schemeClr>
+                </a:solidFill>
+              </a:rPr>
+              <a:t>의약계열</a:t>
+            </a:r>
+            <a:endParaRPr lang="en-US" altLang="ko-KR" sz="1100" b="1">
+              <a:solidFill>
+                <a:schemeClr val="tx1">
+                  <a:lumMod val="50000"/>
+                  <a:lumOff val="50000"/>
+                </a:schemeClr>
+              </a:solidFill>
+            </a:endParaRPr>
+          </a:p>
+        </p:txBody>
+      </p:sp>
+      <p:sp>
+        <p:nvSpPr>
+          <p:cNvPr id="18" name="직사각형 17"/>
+          <p:cNvSpPr/>
+          <p:nvPr/>
+        </p:nvSpPr>
+        <p:spPr>
+          <a:xfrm>
+            <a:off x="1591900" y="1428977"/>
+            <a:ext cx="1061049" cy="245686"/>
+          </a:xfrm>
+          <a:prstGeom prst="rect">
+            <a:avLst/>
+          </a:prstGeom>
+          <a:solidFill>
+            <a:srgbClr val="BE5812"/>
+          </a:solidFill>
+          <a:ln>
+            <a:noFill/>
+          </a:ln>
+        </p:spPr>
+        <p:style>
+          <a:lnRef idx="2">
+            <a:schemeClr val="accent1">
+              <a:shade val="50000"/>
+            </a:schemeClr>
+          </a:lnRef>
+          <a:fillRef idx="1">
+            <a:schemeClr val="accent1"/>
+          </a:fillRef>
+          <a:effectRef idx="0">
+            <a:schemeClr val="accent1"/>
+          </a:effectRef>
+          <a:fontRef idx="minor">
+            <a:schemeClr val="lt1"/>
+          </a:fontRef>
+        </p:style>
+        <p:txBody>
+          <a:bodyPr rtlCol="0" anchor="ctr"/>
+          <a:lstStyle/>
+          <a:p>
+            <a:pPr algn="ctr"/>
+            <a:r>
+              <a:rPr lang="ko-KR" altLang="en-US" sz="1400" b="1">
+                <a:solidFill>
+                  <a:schemeClr val="bg1"/>
+                </a:solidFill>
+              </a:rPr>
+              <a:t>의약계열</a:t>
+            </a:r>
+            <a:endParaRPr lang="en-US" altLang="ko-KR" sz="1400" b="1">
+              <a:solidFill>
+                <a:schemeClr val="bg1"/>
+              </a:solidFill>
+            </a:endParaRPr>
+          </a:p>
+        </p:txBody>
+      </p:sp>
+      <p:pic>
+        <p:nvPicPr>
+          <p:cNvPr id="21" name="Picture 2"/>
+          <p:cNvPicPr>
+            <a:picLocks noChangeAspect="1" noChangeArrowheads="1"/>
+          </p:cNvPicPr>
+          <p:nvPr/>
+        </p:nvPicPr>
+        <p:blipFill>
+          <a:blip r:embed="rId2">
+            <a:extLst>
+              <a:ext uri="{28A0092B-C50C-407E-A947-70E740481C1C}">
+                <a14:useLocalDpi xmlns:a14="http://schemas.microsoft.com/office/drawing/2010/main" val="0"/>
+              </a:ext>
+            </a:extLst>
+          </a:blip>
+          <a:srcRect/>
+          <a:stretch>
+            <a:fillRect/>
+          </a:stretch>
+        </p:blipFill>
+        <p:spPr bwMode="auto">
+          <a:xfrm>
+            <a:off x="4251400" y="1803382"/>
+            <a:ext cx="3206750" cy="1688063"/>
+          </a:xfrm>
+          <a:prstGeom prst="rect">
+            <a:avLst/>
+          </a:prstGeom>
+          <a:noFill/>
+          <a:ln>
+            <a:noFill/>
+          </a:ln>
+          <a:effectLst/>
+          <a:extLst>
+            <a:ext uri="{909E8E84-426E-40DD-AFC4-6F175D3DCCD1}">
+              <a14:hiddenFill xmlns:a14="http://schemas.microsoft.com/office/drawing/2010/main">
+                <a:solidFill>
+                  <a:schemeClr val="accent1"/>
+                </a:solidFill>
+              </a14:hiddenFill>
+            </a:ext>
+            <a:ext uri="{91240B29-F687-4F45-9708-019B960494DF}">
+              <a14:hiddenLine xmlns:a14="http://schemas.microsoft.com/office/drawing/2010/main" w="9525">
+                <a:solidFill>
+                  <a:schemeClr val="tx1"/>
+                </a:solidFill>
+                <a:miter lim="800000"/>
+                <a:headEnd/>
+                <a:tailEnd/>
+              </a14:hiddenLine>
+            </a:ext>
+            <a:ext uri="{AF507438-7753-43E0-B8FC-AC1667EBCBE1}">
+              <a14:hiddenEffects xmlns:a14="http://schemas.microsoft.com/office/drawing/2010/main">
+                <a:effectLst>
+                  <a:outerShdw dist="35921" dir="2700000" algn="ctr" rotWithShape="0">
+                    <a:schemeClr val="bg2"/>
+                  </a:outerShdw>
+                </a:effectLst>
+              </a14:hiddenEffects>
+            </a:ext>
+          </a:extLst>
+        </p:spPr>
+      </p:pic>
+      <p:pic>
+        <p:nvPicPr>
+          <p:cNvPr id="22" name="Picture 2"/>
+          <p:cNvPicPr>
+            <a:picLocks noChangeAspect="1" noChangeArrowheads="1"/>
+          </p:cNvPicPr>
+          <p:nvPr/>
+        </p:nvPicPr>
+        <p:blipFill>
+          <a:blip r:embed="rId2">
+            <a:extLst>
+              <a:ext uri="{28A0092B-C50C-407E-A947-70E740481C1C}">
+                <a14:useLocalDpi xmlns:a14="http://schemas.microsoft.com/office/drawing/2010/main" val="0"/>
+              </a:ext>
+            </a:extLst>
+          </a:blip>
+          <a:srcRect/>
+          <a:stretch>
+            <a:fillRect/>
+          </a:stretch>
+        </p:blipFill>
+        <p:spPr bwMode="auto">
+          <a:xfrm>
+            <a:off x="8413750" y="1718575"/>
+            <a:ext cx="3206750" cy="1688063"/>
+          </a:xfrm>
+          <a:prstGeom prst="rect">
+            <a:avLst/>
+          </a:prstGeom>
+          <a:noFill/>
+          <a:ln>
+            <a:noFill/>
+          </a:ln>
+          <a:effectLst/>
+          <a:extLst>
+            <a:ext uri="{909E8E84-426E-40DD-AFC4-6F175D3DCCD1}">
+              <a14:hiddenFill xmlns:a14="http://schemas.microsoft.com/office/drawing/2010/main">
+                <a:solidFill>
+                  <a:schemeClr val="accent1"/>
+                </a:solidFill>
+              </a14:hiddenFill>
+            </a:ext>
+            <a:ext uri="{91240B29-F687-4F45-9708-019B960494DF}">
+              <a14:hiddenLine xmlns:a14="http://schemas.microsoft.com/office/drawing/2010/main" w="9525">
+                <a:solidFill>
+                  <a:schemeClr val="tx1"/>
+                </a:solidFill>
+                <a:miter lim="800000"/>
+                <a:headEnd/>
+                <a:tailEnd/>
+              </a14:hiddenLine>
+            </a:ext>
+            <a:ext uri="{AF507438-7753-43E0-B8FC-AC1667EBCBE1}">
+              <a14:hiddenEffects xmlns:a14="http://schemas.microsoft.com/office/drawing/2010/main">
+                <a:effectLst>
+                  <a:outerShdw dist="35921" dir="2700000" algn="ctr" rotWithShape="0">
+                    <a:schemeClr val="bg2"/>
+                  </a:outerShdw>
+                </a:effectLst>
+              </a14:hiddenEffects>
+            </a:ext>
+          </a:extLst>
+        </p:spPr>
+      </p:pic>
+      <p:pic>
+        <p:nvPicPr>
+          <p:cNvPr id="31" name="Picture 2"/>
+          <p:cNvPicPr>
+            <a:picLocks noChangeAspect="1" noChangeArrowheads="1"/>
+          </p:cNvPicPr>
+          <p:nvPr/>
+        </p:nvPicPr>
+        <p:blipFill>
+          <a:blip r:embed="rId3" cstate="print">
+            <a:extLst>
+              <a:ext uri="{28A0092B-C50C-407E-A947-70E740481C1C}">
+                <a14:useLocalDpi xmlns:a14="http://schemas.microsoft.com/office/drawing/2010/main" val="0"/>
+              </a:ext>
+            </a:extLst>
+          </a:blip>
+          <a:srcRect/>
+          <a:stretch>
+            <a:fillRect/>
+          </a:stretch>
+        </p:blipFill>
+        <p:spPr bwMode="auto">
+          <a:xfrm>
+            <a:off x="37116" y="5503313"/>
+            <a:ext cx="1082240" cy="1087988"/>
+          </a:xfrm>
+          <a:prstGeom prst="rect">
+            <a:avLst/>
+          </a:prstGeom>
+          <a:noFill/>
+          <a:ln>
+            <a:noFill/>
+          </a:ln>
+          <a:effectLst/>
+          <a:extLst>
+            <a:ext uri="{909E8E84-426E-40DD-AFC4-6F175D3DCCD1}">
+              <a14:hiddenFill xmlns:a14="http://schemas.microsoft.com/office/drawing/2010/main">
+                <a:solidFill>
+                  <a:schemeClr val="accent1"/>
+                </a:solidFill>
+              </a14:hiddenFill>
+            </a:ext>
+            <a:ext uri="{91240B29-F687-4F45-9708-019B960494DF}">
+              <a14:hiddenLine xmlns:a14="http://schemas.microsoft.com/office/drawing/2010/main" w="9525">
+                <a:solidFill>
+                  <a:schemeClr val="tx1"/>
+                </a:solidFill>
+                <a:miter lim="800000"/>
+                <a:headEnd/>
+                <a:tailEnd/>
+              </a14:hiddenLine>
+            </a:ext>
+            <a:ext uri="{AF507438-7753-43E0-B8FC-AC1667EBCBE1}">
+              <a14:hiddenEffects xmlns:a14="http://schemas.microsoft.com/office/drawing/2010/main">
+                <a:effectLst>
+                  <a:outerShdw dist="35921" dir="2700000" algn="ctr" rotWithShape="0">
+                    <a:schemeClr val="bg2"/>
+                  </a:outerShdw>
+                </a:effectLst>
+              </a14:hiddenEffects>
+            </a:ext>
+          </a:extLst>
+        </p:spPr>
+      </p:pic>
+      <p:pic>
+        <p:nvPicPr>
+          <p:cNvPr id="32" name="Picture 2"/>
+          <p:cNvPicPr>
+            <a:picLocks noChangeAspect="1" noChangeArrowheads="1"/>
+          </p:cNvPicPr>
+          <p:nvPr/>
+        </p:nvPicPr>
+        <p:blipFill>
+          <a:blip r:embed="rId3" cstate="print">
+            <a:extLst>
+              <a:ext uri="{28A0092B-C50C-407E-A947-70E740481C1C}">
+                <a14:useLocalDpi xmlns:a14="http://schemas.microsoft.com/office/drawing/2010/main" val="0"/>
+              </a:ext>
+            </a:extLst>
+          </a:blip>
+          <a:srcRect/>
+          <a:stretch>
+            <a:fillRect/>
+          </a:stretch>
+        </p:blipFill>
+        <p:spPr bwMode="auto">
+          <a:xfrm>
+            <a:off x="285615" y="4217438"/>
+            <a:ext cx="1082240" cy="1087988"/>
+          </a:xfrm>
+          <a:prstGeom prst="rect">
+            <a:avLst/>
+          </a:prstGeom>
+          <a:noFill/>
+          <a:ln>
+            <a:noFill/>
+          </a:ln>
+          <a:effectLst/>
+          <a:extLst>
+            <a:ext uri="{909E8E84-426E-40DD-AFC4-6F175D3DCCD1}">
+              <a14:hiddenFill xmlns:a14="http://schemas.microsoft.com/office/drawing/2010/main">
+                <a:solidFill>
+                  <a:schemeClr val="accent1"/>
+                </a:solidFill>
+              </a14:hiddenFill>
+            </a:ext>
+            <a:ext uri="{91240B29-F687-4F45-9708-019B960494DF}">
+              <a14:hiddenLine xmlns:a14="http://schemas.microsoft.com/office/drawing/2010/main" w="9525">
+                <a:solidFill>
+                  <a:schemeClr val="tx1"/>
+                </a:solidFill>
+                <a:miter lim="800000"/>
+                <a:headEnd/>
+                <a:tailEnd/>
+              </a14:hiddenLine>
+            </a:ext>
+            <a:ext uri="{AF507438-7753-43E0-B8FC-AC1667EBCBE1}">
+              <a14:hiddenEffects xmlns:a14="http://schemas.microsoft.com/office/drawing/2010/main">
+                <a:effectLst>
+                  <a:outerShdw dist="35921" dir="2700000" algn="ctr" rotWithShape="0">
+                    <a:schemeClr val="bg2"/>
+                  </a:outerShdw>
+                </a:effectLst>
+              </a14:hiddenEffects>
+            </a:ext>
+          </a:extLst>
+        </p:spPr>
+      </p:pic>
+      <p:pic>
+        <p:nvPicPr>
+          <p:cNvPr id="33" name="Picture 2"/>
+          <p:cNvPicPr>
+            <a:picLocks noChangeAspect="1" noChangeArrowheads="1"/>
+          </p:cNvPicPr>
+          <p:nvPr/>
+        </p:nvPicPr>
+        <p:blipFill>
+          <a:blip r:embed="rId3" cstate="print">
+            <a:extLst>
+              <a:ext uri="{28A0092B-C50C-407E-A947-70E740481C1C}">
+                <a14:useLocalDpi xmlns:a14="http://schemas.microsoft.com/office/drawing/2010/main" val="0"/>
+              </a:ext>
+            </a:extLst>
+          </a:blip>
+          <a:srcRect/>
+          <a:stretch>
+            <a:fillRect/>
+          </a:stretch>
+        </p:blipFill>
+        <p:spPr bwMode="auto">
+          <a:xfrm>
+            <a:off x="2321177" y="4217438"/>
+            <a:ext cx="1082240" cy="1087988"/>
+          </a:xfrm>
+          <a:prstGeom prst="rect">
+            <a:avLst/>
+          </a:prstGeom>
+          <a:noFill/>
+          <a:ln>
+            <a:noFill/>
+          </a:ln>
+          <a:effectLst/>
+          <a:extLst>
+            <a:ext uri="{909E8E84-426E-40DD-AFC4-6F175D3DCCD1}">
+              <a14:hiddenFill xmlns:a14="http://schemas.microsoft.com/office/drawing/2010/main">
+                <a:solidFill>
+                  <a:schemeClr val="accent1"/>
+                </a:solidFill>
+              </a14:hiddenFill>
+            </a:ext>
+            <a:ext uri="{91240B29-F687-4F45-9708-019B960494DF}">
+              <a14:hiddenLine xmlns:a14="http://schemas.microsoft.com/office/drawing/2010/main" w="9525">
+                <a:solidFill>
+                  <a:schemeClr val="tx1"/>
+                </a:solidFill>
+                <a:miter lim="800000"/>
+                <a:headEnd/>
+                <a:tailEnd/>
+              </a14:hiddenLine>
+            </a:ext>
+            <a:ext uri="{AF507438-7753-43E0-B8FC-AC1667EBCBE1}">
+              <a14:hiddenEffects xmlns:a14="http://schemas.microsoft.com/office/drawing/2010/main">
+                <a:effectLst>
+                  <a:outerShdw dist="35921" dir="2700000" algn="ctr" rotWithShape="0">
+                    <a:schemeClr val="bg2"/>
+                  </a:outerShdw>
+                </a:effectLst>
+              </a14:hiddenEffects>
+            </a:ext>
+          </a:extLst>
+        </p:spPr>
+      </p:pic>
+      <p:pic>
+        <p:nvPicPr>
+          <p:cNvPr id="34" name="Picture 2"/>
+          <p:cNvPicPr>
+            <a:picLocks noChangeAspect="1" noChangeArrowheads="1"/>
+          </p:cNvPicPr>
+          <p:nvPr/>
+        </p:nvPicPr>
+        <p:blipFill>
+          <a:blip r:embed="rId3" cstate="print">
+            <a:extLst>
+              <a:ext uri="{28A0092B-C50C-407E-A947-70E740481C1C}">
+                <a14:useLocalDpi xmlns:a14="http://schemas.microsoft.com/office/drawing/2010/main" val="0"/>
+              </a:ext>
+            </a:extLst>
+          </a:blip>
+          <a:srcRect/>
+          <a:stretch>
+            <a:fillRect/>
+          </a:stretch>
+        </p:blipFill>
+        <p:spPr bwMode="auto">
+          <a:xfrm>
+            <a:off x="4251400" y="4217438"/>
+            <a:ext cx="1082240" cy="1087988"/>
+          </a:xfrm>
+          <a:prstGeom prst="rect">
+            <a:avLst/>
+          </a:prstGeom>
+          <a:noFill/>
+          <a:ln>
+            <a:noFill/>
+          </a:ln>
+          <a:effectLst/>
+          <a:extLst>
+            <a:ext uri="{909E8E84-426E-40DD-AFC4-6F175D3DCCD1}">
+              <a14:hiddenFill xmlns:a14="http://schemas.microsoft.com/office/drawing/2010/main">
+                <a:solidFill>
+                  <a:schemeClr val="accent1"/>
+                </a:solidFill>
+              </a14:hiddenFill>
+            </a:ext>
+            <a:ext uri="{91240B29-F687-4F45-9708-019B960494DF}">
+              <a14:hiddenLine xmlns:a14="http://schemas.microsoft.com/office/drawing/2010/main" w="9525">
+                <a:solidFill>
+                  <a:schemeClr val="tx1"/>
+                </a:solidFill>
+                <a:miter lim="800000"/>
+                <a:headEnd/>
+                <a:tailEnd/>
+              </a14:hiddenLine>
+            </a:ext>
+            <a:ext uri="{AF507438-7753-43E0-B8FC-AC1667EBCBE1}">
+              <a14:hiddenEffects xmlns:a14="http://schemas.microsoft.com/office/drawing/2010/main">
+                <a:effectLst>
+                  <a:outerShdw dist="35921" dir="2700000" algn="ctr" rotWithShape="0">
+                    <a:schemeClr val="bg2"/>
+                  </a:outerShdw>
+                </a:effectLst>
+              </a14:hiddenEffects>
+            </a:ext>
+          </a:extLst>
+        </p:spPr>
+      </p:pic>
+      <p:pic>
+        <p:nvPicPr>
+          <p:cNvPr id="35" name="Picture 2"/>
+          <p:cNvPicPr>
+            <a:picLocks noChangeAspect="1" noChangeArrowheads="1"/>
+          </p:cNvPicPr>
+          <p:nvPr/>
+        </p:nvPicPr>
+        <p:blipFill>
+          <a:blip r:embed="rId3" cstate="print">
+            <a:extLst>
+              <a:ext uri="{28A0092B-C50C-407E-A947-70E740481C1C}">
+                <a14:useLocalDpi xmlns:a14="http://schemas.microsoft.com/office/drawing/2010/main" val="0"/>
+              </a:ext>
+            </a:extLst>
+          </a:blip>
+          <a:srcRect/>
+          <a:stretch>
+            <a:fillRect/>
+          </a:stretch>
+        </p:blipFill>
+        <p:spPr bwMode="auto">
+          <a:xfrm>
+            <a:off x="2456179" y="5503313"/>
+            <a:ext cx="1082240" cy="1087988"/>
+          </a:xfrm>
+          <a:prstGeom prst="rect">
+            <a:avLst/>
+          </a:prstGeom>
+          <a:noFill/>
+          <a:ln>
+            <a:noFill/>
+          </a:ln>
+          <a:effectLst/>
+          <a:extLst>
+            <a:ext uri="{909E8E84-426E-40DD-AFC4-6F175D3DCCD1}">
+              <a14:hiddenFill xmlns:a14="http://schemas.microsoft.com/office/drawing/2010/main">
+                <a:solidFill>
+                  <a:schemeClr val="accent1"/>
+                </a:solidFill>
+              </a14:hiddenFill>
+            </a:ext>
+            <a:ext uri="{91240B29-F687-4F45-9708-019B960494DF}">
+              <a14:hiddenLine xmlns:a14="http://schemas.microsoft.com/office/drawing/2010/main" w="9525">
+                <a:solidFill>
+                  <a:schemeClr val="tx1"/>
+                </a:solidFill>
+                <a:miter lim="800000"/>
+                <a:headEnd/>
+                <a:tailEnd/>
+              </a14:hiddenLine>
+            </a:ext>
+            <a:ext uri="{AF507438-7753-43E0-B8FC-AC1667EBCBE1}">
+              <a14:hiddenEffects xmlns:a14="http://schemas.microsoft.com/office/drawing/2010/main">
+                <a:effectLst>
+                  <a:outerShdw dist="35921" dir="2700000" algn="ctr" rotWithShape="0">
+                    <a:schemeClr val="bg2"/>
+                  </a:outerShdw>
+                </a:effectLst>
+              </a14:hiddenEffects>
+            </a:ext>
+          </a:extLst>
+        </p:spPr>
+      </p:pic>
+      <p:pic>
+        <p:nvPicPr>
+          <p:cNvPr id="36" name="Picture 2"/>
+          <p:cNvPicPr>
+            <a:picLocks noChangeAspect="1" noChangeArrowheads="1"/>
+          </p:cNvPicPr>
+          <p:nvPr/>
+        </p:nvPicPr>
+        <p:blipFill>
+          <a:blip r:embed="rId3" cstate="print">
+            <a:extLst>
+              <a:ext uri="{28A0092B-C50C-407E-A947-70E740481C1C}">
+                <a14:useLocalDpi xmlns:a14="http://schemas.microsoft.com/office/drawing/2010/main" val="0"/>
+              </a:ext>
+            </a:extLst>
+          </a:blip>
+          <a:srcRect/>
+          <a:stretch>
+            <a:fillRect/>
+          </a:stretch>
+        </p:blipFill>
+        <p:spPr bwMode="auto">
+          <a:xfrm>
+            <a:off x="4479790" y="5503313"/>
+            <a:ext cx="1082240" cy="1087988"/>
+          </a:xfrm>
+          <a:prstGeom prst="rect">
+            <a:avLst/>
+          </a:prstGeom>
+          <a:noFill/>
+          <a:ln>
+            <a:noFill/>
+          </a:ln>
+          <a:effectLst/>
+          <a:extLst>
+            <a:ext uri="{909E8E84-426E-40DD-AFC4-6F175D3DCCD1}">
+              <a14:hiddenFill xmlns:a14="http://schemas.microsoft.com/office/drawing/2010/main">
+                <a:solidFill>
+                  <a:schemeClr val="accent1"/>
+                </a:solidFill>
+              </a14:hiddenFill>
+            </a:ext>
+            <a:ext uri="{91240B29-F687-4F45-9708-019B960494DF}">
+              <a14:hiddenLine xmlns:a14="http://schemas.microsoft.com/office/drawing/2010/main" w="9525">
+                <a:solidFill>
+                  <a:schemeClr val="tx1"/>
+                </a:solidFill>
+                <a:miter lim="800000"/>
+                <a:headEnd/>
+                <a:tailEnd/>
+              </a14:hiddenLine>
+            </a:ext>
+            <a:ext uri="{AF507438-7753-43E0-B8FC-AC1667EBCBE1}">
+              <a14:hiddenEffects xmlns:a14="http://schemas.microsoft.com/office/drawing/2010/main">
+                <a:effectLst>
+                  <a:outerShdw dist="35921" dir="2700000" algn="ctr" rotWithShape="0">
+                    <a:schemeClr val="bg2"/>
+                  </a:outerShdw>
+                </a:effectLst>
+              </a14:hiddenEffects>
+            </a:ext>
+          </a:extLst>
+        </p:spPr>
+      </p:pic>
+      <p:sp>
+        <p:nvSpPr>
+          <p:cNvPr id="37" name="직사각형 36"/>
+          <p:cNvSpPr/>
+          <p:nvPr/>
+        </p:nvSpPr>
+        <p:spPr>
+          <a:xfrm>
+            <a:off x="5969453" y="4352617"/>
+            <a:ext cx="5793922" cy="2031325"/>
+          </a:xfrm>
+          <a:prstGeom prst="rect">
+            <a:avLst/>
+          </a:prstGeom>
+        </p:spPr>
+        <p:txBody>
+          <a:bodyPr wrap="square">
+            <a:spAutoFit/>
+          </a:bodyPr>
+          <a:lstStyle/>
+          <a:p>
+            <a:r>
+              <a:rPr lang="en-US" altLang="ko-KR" smtClean="0"/>
+              <a:t>(</a:t>
+            </a:r>
+            <a:r>
+              <a:rPr lang="ko-KR" altLang="en-US" smtClean="0"/>
+              <a:t>전체 취업률과 비교</a:t>
+            </a:r>
+            <a:r>
+              <a:rPr lang="en-US" altLang="ko-KR" smtClean="0"/>
+              <a:t>)</a:t>
+            </a:r>
+          </a:p>
+          <a:p>
+            <a:endParaRPr lang="en-US" altLang="ko-KR"/>
+          </a:p>
+          <a:p>
+            <a:r>
+              <a:rPr lang="ko-KR" altLang="en-US" smtClean="0"/>
+              <a:t>의약계열은 취업률이 높고 최근 </a:t>
+            </a:r>
+            <a:r>
+              <a:rPr lang="en-US" altLang="ko-KR" smtClean="0"/>
+              <a:t>6</a:t>
+            </a:r>
+            <a:r>
+              <a:rPr lang="ko-KR" altLang="en-US" smtClean="0"/>
+              <a:t>년간 </a:t>
+            </a:r>
+            <a:r>
+              <a:rPr lang="en-US" altLang="ko-KR" smtClean="0"/>
+              <a:t>80% </a:t>
+            </a:r>
+            <a:r>
+              <a:rPr lang="ko-KR" altLang="en-US" smtClean="0"/>
+              <a:t>이하로 내려가지 않았다</a:t>
+            </a:r>
+            <a:r>
+              <a:rPr lang="en-US" altLang="ko-KR" smtClean="0"/>
+              <a:t>.</a:t>
+            </a:r>
+          </a:p>
+          <a:p>
+            <a:r>
+              <a:rPr lang="ko-KR" altLang="en-US" smtClean="0"/>
+              <a:t>공학계열과 사회계열은 취업률이 계속해서 높아지고 있으며 특히 공학계열은 꾸준한 상승을 이어가고 있다</a:t>
+            </a:r>
+            <a:r>
+              <a:rPr lang="en-US" altLang="ko-KR" smtClean="0"/>
+              <a:t>.</a:t>
+            </a:r>
+          </a:p>
+          <a:p>
+            <a:r>
+              <a:rPr lang="ko-KR" altLang="en-US" smtClean="0"/>
+              <a:t>체육계열은 </a:t>
+            </a:r>
+            <a:r>
+              <a:rPr lang="en-US" altLang="ko-KR" smtClean="0"/>
+              <a:t>2020</a:t>
+            </a:r>
+            <a:r>
+              <a:rPr lang="ko-KR" altLang="en-US" smtClean="0"/>
+              <a:t>년도에 </a:t>
+            </a:r>
+            <a:endParaRPr lang="en-US" altLang="ko-KR" smtClean="0"/>
+          </a:p>
+        </p:txBody>
+      </p:sp>
+    </p:spTree>
+    <p:extLst>
+      <p:ext uri="{BB962C8B-B14F-4D97-AF65-F5344CB8AC3E}">
+        <p14:creationId xmlns:p14="http://schemas.microsoft.com/office/powerpoint/2010/main" val="913142399"/>
+      </p:ext>
+    </p:extLst>
+  </p:cSld>
+  <p:clrMapOvr>
+    <a:masterClrMapping/>
+  </p:clrMapOvr>
+</p:sld>
+</file>
+
+<file path=ppt/slides/slide7.xml><?xml version="1.0" encoding="utf-8"?>
+<p:sld xmlns:a="http://schemas.openxmlformats.org/drawingml/2006/main" xmlns:r="http://schemas.openxmlformats.org/officeDocument/2006/relationships" xmlns:p="http://schemas.openxmlformats.org/presentationml/2006/main">
+  <p:cSld>
+    <p:spTree>
+      <p:nvGrpSpPr>
+        <p:cNvPr id="1" name=""/>
+        <p:cNvGrpSpPr/>
+        <p:nvPr/>
+      </p:nvGrpSpPr>
+      <p:grpSpPr>
+        <a:xfrm>
+          <a:off x="0" y="0"/>
+          <a:ext cx="0" cy="0"/>
+          <a:chOff x="0" y="0"/>
+          <a:chExt cx="0" cy="0"/>
+        </a:xfrm>
+      </p:grpSpPr>
+      <p:sp>
+        <p:nvSpPr>
+          <p:cNvPr id="30" name="직사각형 29"/>
+          <p:cNvSpPr/>
+          <p:nvPr/>
+        </p:nvSpPr>
+        <p:spPr>
+          <a:xfrm>
+            <a:off x="0" y="0"/>
+            <a:ext cx="12192000" cy="609600"/>
+          </a:xfrm>
+          <a:prstGeom prst="rect">
+            <a:avLst/>
+          </a:prstGeom>
+          <a:gradFill flip="none" rotWithShape="1">
+            <a:gsLst>
+              <a:gs pos="58000">
+                <a:srgbClr val="0275D8"/>
+              </a:gs>
+              <a:gs pos="100000">
+                <a:srgbClr val="59B3FD"/>
+              </a:gs>
+            </a:gsLst>
+            <a:lin ang="0" scaled="1"/>
+            <a:tileRect/>
+          </a:gradFill>
+          <a:ln>
+            <a:noFill/>
+          </a:ln>
+        </p:spPr>
+        <p:style>
+          <a:lnRef idx="2">
+            <a:schemeClr val="accent1">
+              <a:shade val="50000"/>
+            </a:schemeClr>
+          </a:lnRef>
+          <a:fillRef idx="1">
+            <a:schemeClr val="accent1"/>
+          </a:fillRef>
+          <a:effectRef idx="0">
+            <a:schemeClr val="accent1"/>
+          </a:effectRef>
+          <a:fontRef idx="minor">
+            <a:schemeClr val="lt1"/>
+          </a:fontRef>
+        </p:style>
+        <p:txBody>
+          <a:bodyPr rtlCol="0" anchor="ctr"/>
+          <a:lstStyle/>
+          <a:p>
+            <a:pPr algn="ctr"/>
+            <a:endParaRPr lang="ko-KR" altLang="en-US"/>
+          </a:p>
+        </p:txBody>
+      </p:sp>
+      <p:sp>
+        <p:nvSpPr>
+          <p:cNvPr id="31" name="직사각형 30"/>
+          <p:cNvSpPr/>
+          <p:nvPr/>
+        </p:nvSpPr>
+        <p:spPr>
+          <a:xfrm>
+            <a:off x="619125" y="0"/>
+            <a:ext cx="2228850" cy="609600"/>
+          </a:xfrm>
+          <a:prstGeom prst="rect">
+            <a:avLst/>
+          </a:prstGeom>
+          <a:solidFill>
+            <a:schemeClr val="bg1"/>
+          </a:solidFill>
+          <a:ln>
+            <a:noFill/>
+          </a:ln>
+        </p:spPr>
+        <p:style>
+          <a:lnRef idx="2">
+            <a:schemeClr val="accent1">
+              <a:shade val="50000"/>
+            </a:schemeClr>
+          </a:lnRef>
+          <a:fillRef idx="1">
+            <a:schemeClr val="accent1"/>
+          </a:fillRef>
+          <a:effectRef idx="0">
+            <a:schemeClr val="accent1"/>
+          </a:effectRef>
+          <a:fontRef idx="minor">
+            <a:schemeClr val="lt1"/>
+          </a:fontRef>
+        </p:style>
+        <p:txBody>
+          <a:bodyPr rtlCol="0" anchor="ctr"/>
+          <a:lstStyle/>
+          <a:p>
+            <a:pPr algn="ctr"/>
+            <a:endParaRPr lang="ko-KR" altLang="en-US"/>
+          </a:p>
+        </p:txBody>
+      </p:sp>
+      <p:sp>
+        <p:nvSpPr>
+          <p:cNvPr id="32" name="TextBox 31"/>
+          <p:cNvSpPr txBox="1"/>
+          <p:nvPr/>
+        </p:nvSpPr>
+        <p:spPr>
+          <a:xfrm>
+            <a:off x="606551" y="35957"/>
+            <a:ext cx="2255746" cy="246221"/>
+          </a:xfrm>
+          <a:prstGeom prst="rect">
+            <a:avLst/>
+          </a:prstGeom>
+          <a:noFill/>
+        </p:spPr>
+        <p:txBody>
+          <a:bodyPr wrap="none" rtlCol="0">
+            <a:spAutoFit/>
+          </a:bodyPr>
+          <a:lstStyle/>
+          <a:p>
+            <a:r>
+              <a:rPr lang="en-US" altLang="ko-KR" sz="1000" smtClean="0">
+                <a:solidFill>
+                  <a:schemeClr val="bg1">
+                    <a:lumMod val="50000"/>
+                  </a:schemeClr>
+                </a:solidFill>
+              </a:rPr>
+              <a:t>23</a:t>
+            </a:r>
+            <a:r>
+              <a:rPr lang="ko-KR" altLang="en-US" sz="1000" smtClean="0">
+                <a:solidFill>
+                  <a:schemeClr val="bg1">
+                    <a:lumMod val="50000"/>
+                  </a:schemeClr>
+                </a:solidFill>
+              </a:rPr>
+              <a:t>년 교육 공공데이터 분석활용대회</a:t>
+            </a:r>
+            <a:endParaRPr lang="ko-KR" altLang="en-US" sz="1000">
+              <a:solidFill>
+                <a:schemeClr val="bg1">
+                  <a:lumMod val="50000"/>
+                </a:schemeClr>
+              </a:solidFill>
+            </a:endParaRPr>
+          </a:p>
+        </p:txBody>
+      </p:sp>
+      <p:sp>
+        <p:nvSpPr>
+          <p:cNvPr id="33" name="TextBox 32"/>
+          <p:cNvSpPr txBox="1"/>
+          <p:nvPr/>
+        </p:nvSpPr>
+        <p:spPr>
+          <a:xfrm>
+            <a:off x="742950" y="293132"/>
+            <a:ext cx="1221809" cy="261610"/>
+          </a:xfrm>
+          <a:prstGeom prst="rect">
+            <a:avLst/>
+          </a:prstGeom>
+          <a:noFill/>
+        </p:spPr>
+        <p:txBody>
+          <a:bodyPr wrap="none" rtlCol="0">
+            <a:spAutoFit/>
+          </a:bodyPr>
+          <a:lstStyle/>
+          <a:p>
+            <a:r>
+              <a:rPr lang="ko-KR" altLang="en-US" sz="1100" smtClean="0">
+                <a:solidFill>
+                  <a:schemeClr val="tx1">
+                    <a:lumMod val="75000"/>
+                    <a:lumOff val="25000"/>
+                  </a:schemeClr>
+                </a:solidFill>
+              </a:rPr>
+              <a:t>ㅇㅇㅇ학교 김준</a:t>
+            </a:r>
+            <a:endParaRPr lang="ko-KR" altLang="en-US" sz="1100">
+              <a:solidFill>
+                <a:schemeClr val="tx1">
+                  <a:lumMod val="75000"/>
+                  <a:lumOff val="25000"/>
+                </a:schemeClr>
+              </a:solidFill>
+            </a:endParaRPr>
+          </a:p>
+        </p:txBody>
+      </p:sp>
+    </p:spTree>
+    <p:extLst>
+      <p:ext uri="{BB962C8B-B14F-4D97-AF65-F5344CB8AC3E}">
+        <p14:creationId xmlns:p14="http://schemas.microsoft.com/office/powerpoint/2010/main" val="3968256218"/>
       </p:ext>
     </p:extLst>
   </p:cSld>
@@ -5404,7 +8285,7 @@
   <a:extraClrSchemeLst/>
   <a:extLst>
     <a:ext uri="{05A4C25C-085E-4340-85A3-A5531E510DB2}">
-      <thm15:themeFamily xmlns:thm15="http://schemas.microsoft.com/office/thememl/2012/main" name="Office Theme" id="{62F939B6-93AF-4DB8-9C6B-D6C7DFDC589F}" vid="{4A3C46E8-61CC-4603-A589-7422A47A8E4A}"/>
+      <thm15:themeFamily xmlns:thm15="http://schemas.microsoft.com/office/thememl/2012/main" xmlns="" name="Office Theme" id="{62F939B6-93AF-4DB8-9C6B-D6C7DFDC589F}" vid="{4A3C46E8-61CC-4603-A589-7422A47A8E4A}"/>
     </a:ext>
   </a:extLst>
 </a:theme>
